--- a/설계1_중간발표/설계_중간발표_알고리즘설명.pptx
+++ b/설계1_중간발표/설계_중간발표_알고리즘설명.pptx
@@ -2,21 +2,21 @@
 <file path=ppt/presentation.xml><?xml version="1.0" encoding="utf-8"?>
 <p:presentation xmlns:a="http://schemas.openxmlformats.org/drawingml/2006/main" xmlns:r="http://schemas.openxmlformats.org/officeDocument/2006/relationships" xmlns:p="http://schemas.openxmlformats.org/presentationml/2006/main">
   <p:sldMasterIdLst>
-    <p:sldMasterId id="2147483648" r:id="rId5"/>
+    <p:sldMasterId id="2147483648" r:id="rId1"/>
   </p:sldMasterIdLst>
   <p:notesMasterIdLst>
-    <p:notesMasterId r:id="rId7"/>
+    <p:notesMasterId r:id="rId11"/>
   </p:notesMasterIdLst>
   <p:sldIdLst>
-    <p:sldId id="256" r:id="rId8"/>
-    <p:sldId id="257" r:id="rId9"/>
-    <p:sldId id="258" r:id="rId10"/>
-    <p:sldId id="259" r:id="rId11"/>
-    <p:sldId id="260" r:id="rId12"/>
-    <p:sldId id="261" r:id="rId13"/>
-    <p:sldId id="262" r:id="rId14"/>
-    <p:sldId id="263" r:id="rId15"/>
-    <p:sldId id="264" r:id="rId16"/>
+    <p:sldId id="256" r:id="rId2"/>
+    <p:sldId id="257" r:id="rId3"/>
+    <p:sldId id="258" r:id="rId4"/>
+    <p:sldId id="259" r:id="rId5"/>
+    <p:sldId id="260" r:id="rId6"/>
+    <p:sldId id="261" r:id="rId7"/>
+    <p:sldId id="262" r:id="rId8"/>
+    <p:sldId id="263" r:id="rId9"/>
+    <p:sldId id="264" r:id="rId10"/>
   </p:sldIdLst>
   <p:sldSz cx="13004800" cy="9753600"/>
   <p:notesSz cx="6858000" cy="9144000"/>
@@ -36,7 +36,7 @@
       <a:buFontTx/>
       <a:buNone/>
       <a:tabLst/>
-      <a:defRPr b="0" baseline="0" cap="none" i="0" spc="0" strike="noStrike" sz="1800" u="none" kumimoji="0" normalizeH="0">
+      <a:defRPr kumimoji="0" sz="1800" b="0" i="0" u="none" strike="noStrike" cap="none" spc="0" normalizeH="0" baseline="0">
         <a:ln>
           <a:noFill/>
         </a:ln>
@@ -62,7 +62,7 @@
       <a:buFontTx/>
       <a:buNone/>
       <a:tabLst/>
-      <a:defRPr b="0" baseline="0" cap="none" i="0" spc="0" strike="noStrike" sz="3600" u="none" kumimoji="0" normalizeH="0">
+      <a:defRPr kumimoji="0" sz="3600" b="0" i="0" u="none" strike="noStrike" cap="none" spc="0" normalizeH="0" baseline="0">
         <a:ln>
           <a:noFill/>
         </a:ln>
@@ -92,7 +92,7 @@
       <a:buFontTx/>
       <a:buNone/>
       <a:tabLst/>
-      <a:defRPr b="0" baseline="0" cap="none" i="0" spc="0" strike="noStrike" sz="3600" u="none" kumimoji="0" normalizeH="0">
+      <a:defRPr kumimoji="0" sz="3600" b="0" i="0" u="none" strike="noStrike" cap="none" spc="0" normalizeH="0" baseline="0">
         <a:ln>
           <a:noFill/>
         </a:ln>
@@ -122,7 +122,7 @@
       <a:buFontTx/>
       <a:buNone/>
       <a:tabLst/>
-      <a:defRPr b="0" baseline="0" cap="none" i="0" spc="0" strike="noStrike" sz="3600" u="none" kumimoji="0" normalizeH="0">
+      <a:defRPr kumimoji="0" sz="3600" b="0" i="0" u="none" strike="noStrike" cap="none" spc="0" normalizeH="0" baseline="0">
         <a:ln>
           <a:noFill/>
         </a:ln>
@@ -152,7 +152,7 @@
       <a:buFontTx/>
       <a:buNone/>
       <a:tabLst/>
-      <a:defRPr b="0" baseline="0" cap="none" i="0" spc="0" strike="noStrike" sz="3600" u="none" kumimoji="0" normalizeH="0">
+      <a:defRPr kumimoji="0" sz="3600" b="0" i="0" u="none" strike="noStrike" cap="none" spc="0" normalizeH="0" baseline="0">
         <a:ln>
           <a:noFill/>
         </a:ln>
@@ -182,7 +182,7 @@
       <a:buFontTx/>
       <a:buNone/>
       <a:tabLst/>
-      <a:defRPr b="0" baseline="0" cap="none" i="0" spc="0" strike="noStrike" sz="3600" u="none" kumimoji="0" normalizeH="0">
+      <a:defRPr kumimoji="0" sz="3600" b="0" i="0" u="none" strike="noStrike" cap="none" spc="0" normalizeH="0" baseline="0">
         <a:ln>
           <a:noFill/>
         </a:ln>
@@ -212,7 +212,7 @@
       <a:buFontTx/>
       <a:buNone/>
       <a:tabLst/>
-      <a:defRPr b="0" baseline="0" cap="none" i="0" spc="0" strike="noStrike" sz="3600" u="none" kumimoji="0" normalizeH="0">
+      <a:defRPr kumimoji="0" sz="3600" b="0" i="0" u="none" strike="noStrike" cap="none" spc="0" normalizeH="0" baseline="0">
         <a:ln>
           <a:noFill/>
         </a:ln>
@@ -242,7 +242,7 @@
       <a:buFontTx/>
       <a:buNone/>
       <a:tabLst/>
-      <a:defRPr b="0" baseline="0" cap="none" i="0" spc="0" strike="noStrike" sz="3600" u="none" kumimoji="0" normalizeH="0">
+      <a:defRPr kumimoji="0" sz="3600" b="0" i="0" u="none" strike="noStrike" cap="none" spc="0" normalizeH="0" baseline="0">
         <a:ln>
           <a:noFill/>
         </a:ln>
@@ -272,7 +272,7 @@
       <a:buFontTx/>
       <a:buNone/>
       <a:tabLst/>
-      <a:defRPr b="0" baseline="0" cap="none" i="0" spc="0" strike="noStrike" sz="3600" u="none" kumimoji="0" normalizeH="0">
+      <a:defRPr kumimoji="0" sz="3600" b="0" i="0" u="none" strike="noStrike" cap="none" spc="0" normalizeH="0" baseline="0">
         <a:ln>
           <a:noFill/>
         </a:ln>
@@ -302,7 +302,7 @@
       <a:buFontTx/>
       <a:buNone/>
       <a:tabLst/>
-      <a:defRPr b="0" baseline="0" cap="none" i="0" spc="0" strike="noStrike" sz="3600" u="none" kumimoji="0" normalizeH="0">
+      <a:defRPr kumimoji="0" sz="3600" b="0" i="0" u="none" strike="noStrike" cap="none" spc="0" normalizeH="0" baseline="0">
         <a:ln>
           <a:noFill/>
         </a:ln>
@@ -321,13 +321,14 @@
 </p:presentation>
 </file>
 
-<file path=ppt/commentAuthors.xml><?xml version="1.0" encoding="utf-8"?>
-<p:cmAuthorLst xmlns:a="http://schemas.openxmlformats.org/drawingml/2006/main" xmlns:r="http://schemas.openxmlformats.org/officeDocument/2006/relationships" xmlns:p="http://schemas.openxmlformats.org/presentationml/2006/main"/>
-</file>
-
 <file path=ppt/notesMasters/notesMaster1.xml><?xml version="1.0" encoding="utf-8"?>
 <p:notesMaster xmlns:a="http://schemas.openxmlformats.org/drawingml/2006/main" xmlns:r="http://schemas.openxmlformats.org/officeDocument/2006/relationships" xmlns:p="http://schemas.openxmlformats.org/presentationml/2006/main">
   <p:cSld>
+    <p:bg>
+      <p:bgRef idx="1001">
+        <a:schemeClr val="bg1"/>
+      </p:bgRef>
+    </p:bg>
     <p:spTree>
       <p:nvGrpSpPr>
         <p:cNvPr id="1" name=""/>
@@ -345,7 +346,9 @@
       <p:sp>
         <p:nvSpPr>
           <p:cNvPr id="116" name="Shape 116"/>
-          <p:cNvSpPr/>
+          <p:cNvSpPr>
+            <a:spLocks noGrp="1" noRot="1" noChangeAspect="1"/>
+          </p:cNvSpPr>
           <p:nvPr>
             <p:ph type="sldImg"/>
           </p:nvPr>
@@ -363,14 +366,16 @@
           <a:bodyPr/>
           <a:lstStyle/>
           <a:p>
-            <a:pPr/>
+            <a:endParaRPr/>
           </a:p>
         </p:txBody>
       </p:sp>
       <p:sp>
         <p:nvSpPr>
           <p:cNvPr id="117" name="Shape 117"/>
-          <p:cNvSpPr/>
+          <p:cNvSpPr>
+            <a:spLocks noGrp="1"/>
+          </p:cNvSpPr>
           <p:nvPr>
             <p:ph type="body" sz="quarter" idx="1"/>
           </p:nvPr>
@@ -388,7 +393,7 @@
           <a:bodyPr/>
           <a:lstStyle/>
           <a:p>
-            <a:pPr/>
+            <a:endParaRPr/>
           </a:p>
         </p:txBody>
       </p:sp>
@@ -500,7 +505,7 @@
 </file>
 
 <file path=ppt/slideLayouts/slideLayout1.xml><?xml version="1.0" encoding="utf-8"?>
-<p:sldLayout xmlns:a="http://schemas.openxmlformats.org/drawingml/2006/main" xmlns:r="http://schemas.openxmlformats.org/officeDocument/2006/relationships" xmlns:p="http://schemas.openxmlformats.org/presentationml/2006/main" type="title" showMasterSp="1" showMasterPhAnim="1">
+<p:sldLayout xmlns:a="http://schemas.openxmlformats.org/drawingml/2006/main" xmlns:r="http://schemas.openxmlformats.org/officeDocument/2006/relationships" xmlns:p="http://schemas.openxmlformats.org/presentationml/2006/main" type="title">
   <p:cSld name="제목 및 부제">
     <p:spTree>
       <p:nvGrpSpPr>
@@ -519,7 +524,9 @@
       <p:sp>
         <p:nvSpPr>
           <p:cNvPr id="11" name="Shape 11"/>
-          <p:cNvSpPr/>
+          <p:cNvSpPr>
+            <a:spLocks noGrp="1"/>
+          </p:cNvSpPr>
           <p:nvPr>
             <p:ph type="title"/>
           </p:nvPr>
@@ -537,7 +544,6 @@
           <a:bodyPr anchor="b"/>
           <a:lstStyle/>
           <a:p>
-            <a:pPr/>
             <a:r>
               <a:t>제목 텍스트</a:t>
             </a:r>
@@ -547,7 +553,9 @@
       <p:sp>
         <p:nvSpPr>
           <p:cNvPr id="12" name="Shape 12"/>
-          <p:cNvSpPr/>
+          <p:cNvSpPr>
+            <a:spLocks noGrp="1"/>
+          </p:cNvSpPr>
           <p:nvPr>
             <p:ph type="body" sz="quarter" idx="1"/>
           </p:nvPr>
@@ -606,7 +614,6 @@
             </a:lvl5pPr>
           </a:lstStyle>
           <a:p>
-            <a:pPr/>
             <a:r>
               <a:t>본문 첫 번째 줄</a:t>
             </a:r>
@@ -640,7 +647,9 @@
       <p:sp>
         <p:nvSpPr>
           <p:cNvPr id="13" name="Shape 13"/>
-          <p:cNvSpPr/>
+          <p:cNvSpPr>
+            <a:spLocks noGrp="1"/>
+          </p:cNvSpPr>
           <p:nvPr>
             <p:ph type="sldNum" sz="quarter" idx="2"/>
           </p:nvPr>
@@ -654,8 +663,10 @@
           <a:bodyPr/>
           <a:lstStyle/>
           <a:p>
-            <a:pPr/>
-            <a:fld id="{86CB4B4D-7CA3-9044-876B-883B54F8677D}" type="slidenum"/>
+            <a:fld id="{86CB4B4D-7CA3-9044-876B-883B54F8677D}" type="slidenum">
+              <a:t>‹#›</a:t>
+            </a:fld>
+            <a:endParaRPr/>
           </a:p>
         </p:txBody>
       </p:sp>
@@ -664,12 +675,12 @@
   <p:clrMapOvr>
     <a:masterClrMapping/>
   </p:clrMapOvr>
-  <p:transition xmlns:p14="http://schemas.microsoft.com/office/powerpoint/2010/main" spd="med" advClick="1"/>
+  <p:transition spd="med"/>
 </p:sldLayout>
 </file>
 
 <file path=ppt/slideLayouts/slideLayout10.xml><?xml version="1.0" encoding="utf-8"?>
-<p:sldLayout xmlns:a="http://schemas.openxmlformats.org/drawingml/2006/main" xmlns:r="http://schemas.openxmlformats.org/officeDocument/2006/relationships" xmlns:p="http://schemas.openxmlformats.org/presentationml/2006/main" type="tx" showMasterSp="1" showMasterPhAnim="1">
+<p:sldLayout xmlns:a="http://schemas.openxmlformats.org/drawingml/2006/main" xmlns:r="http://schemas.openxmlformats.org/officeDocument/2006/relationships" xmlns:p="http://schemas.openxmlformats.org/presentationml/2006/main" type="tx">
   <p:cSld name="인용">
     <p:spTree>
       <p:nvGrpSpPr>
@@ -688,7 +699,9 @@
       <p:sp>
         <p:nvSpPr>
           <p:cNvPr id="93" name="Shape 93"/>
-          <p:cNvSpPr/>
+          <p:cNvSpPr>
+            <a:spLocks noGrp="1"/>
+          </p:cNvSpPr>
           <p:nvPr>
             <p:ph type="body" sz="quarter" idx="13"/>
           </p:nvPr>
@@ -722,7 +735,6 @@
             </a:lvl1pPr>
           </a:lstStyle>
           <a:p>
-            <a:pPr/>
             <a:r>
               <a:t>–Johnny Appleseed</a:t>
             </a:r>
@@ -732,7 +744,9 @@
       <p:sp>
         <p:nvSpPr>
           <p:cNvPr id="94" name="Shape 94"/>
-          <p:cNvSpPr/>
+          <p:cNvSpPr>
+            <a:spLocks noGrp="1"/>
+          </p:cNvSpPr>
           <p:nvPr>
             <p:ph type="body" sz="quarter" idx="14"/>
           </p:nvPr>
@@ -761,7 +775,6 @@
             </a:lvl1pPr>
           </a:lstStyle>
           <a:p>
-            <a:pPr/>
             <a:r>
               <a:t>“여기에 인용을 입력하십시오.” </a:t>
             </a:r>
@@ -771,7 +784,9 @@
       <p:sp>
         <p:nvSpPr>
           <p:cNvPr id="95" name="Shape 95"/>
-          <p:cNvSpPr/>
+          <p:cNvSpPr>
+            <a:spLocks noGrp="1"/>
+          </p:cNvSpPr>
           <p:nvPr>
             <p:ph type="sldNum" sz="quarter" idx="2"/>
           </p:nvPr>
@@ -785,8 +800,10 @@
           <a:bodyPr/>
           <a:lstStyle/>
           <a:p>
-            <a:pPr/>
-            <a:fld id="{86CB4B4D-7CA3-9044-876B-883B54F8677D}" type="slidenum"/>
+            <a:fld id="{86CB4B4D-7CA3-9044-876B-883B54F8677D}" type="slidenum">
+              <a:t>‹#›</a:t>
+            </a:fld>
+            <a:endParaRPr/>
           </a:p>
         </p:txBody>
       </p:sp>
@@ -795,12 +812,12 @@
   <p:clrMapOvr>
     <a:masterClrMapping/>
   </p:clrMapOvr>
-  <p:transition xmlns:p14="http://schemas.microsoft.com/office/powerpoint/2010/main" spd="med" advClick="1"/>
+  <p:transition spd="med"/>
 </p:sldLayout>
 </file>
 
 <file path=ppt/slideLayouts/slideLayout11.xml><?xml version="1.0" encoding="utf-8"?>
-<p:sldLayout xmlns:a="http://schemas.openxmlformats.org/drawingml/2006/main" xmlns:r="http://schemas.openxmlformats.org/officeDocument/2006/relationships" xmlns:p="http://schemas.openxmlformats.org/presentationml/2006/main" type="tx" showMasterSp="1" showMasterPhAnim="1">
+<p:sldLayout xmlns:a="http://schemas.openxmlformats.org/drawingml/2006/main" xmlns:r="http://schemas.openxmlformats.org/officeDocument/2006/relationships" xmlns:p="http://schemas.openxmlformats.org/presentationml/2006/main" type="tx">
   <p:cSld name="사진">
     <p:spTree>
       <p:nvGrpSpPr>
@@ -819,7 +836,9 @@
       <p:sp>
         <p:nvSpPr>
           <p:cNvPr id="102" name="Shape 102"/>
-          <p:cNvSpPr/>
+          <p:cNvSpPr>
+            <a:spLocks noGrp="1"/>
+          </p:cNvSpPr>
           <p:nvPr>
             <p:ph type="pic" idx="13"/>
           </p:nvPr>
@@ -839,14 +858,16 @@
           </a:bodyPr>
           <a:lstStyle/>
           <a:p>
-            <a:pPr/>
+            <a:endParaRPr/>
           </a:p>
         </p:txBody>
       </p:sp>
       <p:sp>
         <p:nvSpPr>
           <p:cNvPr id="103" name="Shape 103"/>
-          <p:cNvSpPr/>
+          <p:cNvSpPr>
+            <a:spLocks noGrp="1"/>
+          </p:cNvSpPr>
           <p:nvPr>
             <p:ph type="sldNum" sz="quarter" idx="2"/>
           </p:nvPr>
@@ -860,8 +881,10 @@
           <a:bodyPr/>
           <a:lstStyle/>
           <a:p>
-            <a:pPr/>
-            <a:fld id="{86CB4B4D-7CA3-9044-876B-883B54F8677D}" type="slidenum"/>
+            <a:fld id="{86CB4B4D-7CA3-9044-876B-883B54F8677D}" type="slidenum">
+              <a:t>‹#›</a:t>
+            </a:fld>
+            <a:endParaRPr/>
           </a:p>
         </p:txBody>
       </p:sp>
@@ -870,12 +893,12 @@
   <p:clrMapOvr>
     <a:masterClrMapping/>
   </p:clrMapOvr>
-  <p:transition xmlns:p14="http://schemas.microsoft.com/office/powerpoint/2010/main" spd="med" advClick="1"/>
+  <p:transition spd="med"/>
 </p:sldLayout>
 </file>
 
 <file path=ppt/slideLayouts/slideLayout12.xml><?xml version="1.0" encoding="utf-8"?>
-<p:sldLayout xmlns:a="http://schemas.openxmlformats.org/drawingml/2006/main" xmlns:r="http://schemas.openxmlformats.org/officeDocument/2006/relationships" xmlns:p="http://schemas.openxmlformats.org/presentationml/2006/main" type="tx" showMasterSp="1" showMasterPhAnim="1">
+<p:sldLayout xmlns:a="http://schemas.openxmlformats.org/drawingml/2006/main" xmlns:r="http://schemas.openxmlformats.org/officeDocument/2006/relationships" xmlns:p="http://schemas.openxmlformats.org/presentationml/2006/main" type="tx">
   <p:cSld name="빈 페이지">
     <p:spTree>
       <p:nvGrpSpPr>
@@ -894,7 +917,9 @@
       <p:sp>
         <p:nvSpPr>
           <p:cNvPr id="110" name="Shape 110"/>
-          <p:cNvSpPr/>
+          <p:cNvSpPr>
+            <a:spLocks noGrp="1"/>
+          </p:cNvSpPr>
           <p:nvPr>
             <p:ph type="sldNum" sz="quarter" idx="2"/>
           </p:nvPr>
@@ -908,8 +933,10 @@
           <a:bodyPr/>
           <a:lstStyle/>
           <a:p>
-            <a:pPr/>
-            <a:fld id="{86CB4B4D-7CA3-9044-876B-883B54F8677D}" type="slidenum"/>
+            <a:fld id="{86CB4B4D-7CA3-9044-876B-883B54F8677D}" type="slidenum">
+              <a:t>‹#›</a:t>
+            </a:fld>
+            <a:endParaRPr/>
           </a:p>
         </p:txBody>
       </p:sp>
@@ -918,12 +945,12 @@
   <p:clrMapOvr>
     <a:masterClrMapping/>
   </p:clrMapOvr>
-  <p:transition xmlns:p14="http://schemas.microsoft.com/office/powerpoint/2010/main" spd="med" advClick="1"/>
+  <p:transition spd="med"/>
 </p:sldLayout>
 </file>
 
 <file path=ppt/slideLayouts/slideLayout2.xml><?xml version="1.0" encoding="utf-8"?>
-<p:sldLayout xmlns:a="http://schemas.openxmlformats.org/drawingml/2006/main" xmlns:r="http://schemas.openxmlformats.org/officeDocument/2006/relationships" xmlns:p="http://schemas.openxmlformats.org/presentationml/2006/main" type="tx" showMasterSp="1" showMasterPhAnim="1">
+<p:sldLayout xmlns:a="http://schemas.openxmlformats.org/drawingml/2006/main" xmlns:r="http://schemas.openxmlformats.org/officeDocument/2006/relationships" xmlns:p="http://schemas.openxmlformats.org/presentationml/2006/main" type="tx">
   <p:cSld name="사진 - 수평">
     <p:spTree>
       <p:nvGrpSpPr>
@@ -942,7 +969,9 @@
       <p:sp>
         <p:nvSpPr>
           <p:cNvPr id="20" name="Shape 20"/>
-          <p:cNvSpPr/>
+          <p:cNvSpPr>
+            <a:spLocks noGrp="1"/>
+          </p:cNvSpPr>
           <p:nvPr>
             <p:ph type="pic" idx="13"/>
           </p:nvPr>
@@ -962,14 +991,16 @@
           </a:bodyPr>
           <a:lstStyle/>
           <a:p>
-            <a:pPr/>
+            <a:endParaRPr/>
           </a:p>
         </p:txBody>
       </p:sp>
       <p:sp>
         <p:nvSpPr>
           <p:cNvPr id="21" name="Shape 21"/>
-          <p:cNvSpPr/>
+          <p:cNvSpPr>
+            <a:spLocks noGrp="1"/>
+          </p:cNvSpPr>
           <p:nvPr>
             <p:ph type="title"/>
           </p:nvPr>
@@ -987,7 +1018,6 @@
           <a:bodyPr anchor="b"/>
           <a:lstStyle/>
           <a:p>
-            <a:pPr/>
             <a:r>
               <a:t>제목 텍스트</a:t>
             </a:r>
@@ -997,7 +1027,9 @@
       <p:sp>
         <p:nvSpPr>
           <p:cNvPr id="22" name="Shape 22"/>
-          <p:cNvSpPr/>
+          <p:cNvSpPr>
+            <a:spLocks noGrp="1"/>
+          </p:cNvSpPr>
           <p:nvPr>
             <p:ph type="body" sz="quarter" idx="1"/>
           </p:nvPr>
@@ -1056,7 +1088,6 @@
             </a:lvl5pPr>
           </a:lstStyle>
           <a:p>
-            <a:pPr/>
             <a:r>
               <a:t>본문 첫 번째 줄</a:t>
             </a:r>
@@ -1090,7 +1121,9 @@
       <p:sp>
         <p:nvSpPr>
           <p:cNvPr id="23" name="Shape 23"/>
-          <p:cNvSpPr/>
+          <p:cNvSpPr>
+            <a:spLocks noGrp="1"/>
+          </p:cNvSpPr>
           <p:nvPr>
             <p:ph type="sldNum" sz="quarter" idx="2"/>
           </p:nvPr>
@@ -1108,8 +1141,10 @@
           <a:bodyPr/>
           <a:lstStyle/>
           <a:p>
-            <a:pPr/>
-            <a:fld id="{86CB4B4D-7CA3-9044-876B-883B54F8677D}" type="slidenum"/>
+            <a:fld id="{86CB4B4D-7CA3-9044-876B-883B54F8677D}" type="slidenum">
+              <a:t>‹#›</a:t>
+            </a:fld>
+            <a:endParaRPr/>
           </a:p>
         </p:txBody>
       </p:sp>
@@ -1118,12 +1153,12 @@
   <p:clrMapOvr>
     <a:masterClrMapping/>
   </p:clrMapOvr>
-  <p:transition xmlns:p14="http://schemas.microsoft.com/office/powerpoint/2010/main" spd="med" advClick="1"/>
+  <p:transition spd="med"/>
 </p:sldLayout>
 </file>
 
 <file path=ppt/slideLayouts/slideLayout3.xml><?xml version="1.0" encoding="utf-8"?>
-<p:sldLayout xmlns:a="http://schemas.openxmlformats.org/drawingml/2006/main" xmlns:r="http://schemas.openxmlformats.org/officeDocument/2006/relationships" xmlns:p="http://schemas.openxmlformats.org/presentationml/2006/main" type="tx" showMasterSp="1" showMasterPhAnim="1">
+<p:sldLayout xmlns:a="http://schemas.openxmlformats.org/drawingml/2006/main" xmlns:r="http://schemas.openxmlformats.org/officeDocument/2006/relationships" xmlns:p="http://schemas.openxmlformats.org/presentationml/2006/main" type="tx">
   <p:cSld name="제목 - 가운데">
     <p:spTree>
       <p:nvGrpSpPr>
@@ -1142,7 +1177,9 @@
       <p:sp>
         <p:nvSpPr>
           <p:cNvPr id="30" name="Shape 30"/>
-          <p:cNvSpPr/>
+          <p:cNvSpPr>
+            <a:spLocks noGrp="1"/>
+          </p:cNvSpPr>
           <p:nvPr>
             <p:ph type="title"/>
           </p:nvPr>
@@ -1160,7 +1197,6 @@
           <a:bodyPr/>
           <a:lstStyle/>
           <a:p>
-            <a:pPr/>
             <a:r>
               <a:t>제목 텍스트</a:t>
             </a:r>
@@ -1170,7 +1206,9 @@
       <p:sp>
         <p:nvSpPr>
           <p:cNvPr id="31" name="Shape 31"/>
-          <p:cNvSpPr/>
+          <p:cNvSpPr>
+            <a:spLocks noGrp="1"/>
+          </p:cNvSpPr>
           <p:nvPr>
             <p:ph type="sldNum" sz="quarter" idx="2"/>
           </p:nvPr>
@@ -1184,8 +1222,10 @@
           <a:bodyPr/>
           <a:lstStyle/>
           <a:p>
-            <a:pPr/>
-            <a:fld id="{86CB4B4D-7CA3-9044-876B-883B54F8677D}" type="slidenum"/>
+            <a:fld id="{86CB4B4D-7CA3-9044-876B-883B54F8677D}" type="slidenum">
+              <a:t>‹#›</a:t>
+            </a:fld>
+            <a:endParaRPr/>
           </a:p>
         </p:txBody>
       </p:sp>
@@ -1194,12 +1234,12 @@
   <p:clrMapOvr>
     <a:masterClrMapping/>
   </p:clrMapOvr>
-  <p:transition xmlns:p14="http://schemas.microsoft.com/office/powerpoint/2010/main" spd="med" advClick="1"/>
+  <p:transition spd="med"/>
 </p:sldLayout>
 </file>
 
 <file path=ppt/slideLayouts/slideLayout4.xml><?xml version="1.0" encoding="utf-8"?>
-<p:sldLayout xmlns:a="http://schemas.openxmlformats.org/drawingml/2006/main" xmlns:r="http://schemas.openxmlformats.org/officeDocument/2006/relationships" xmlns:p="http://schemas.openxmlformats.org/presentationml/2006/main" type="tx" showMasterSp="1" showMasterPhAnim="1">
+<p:sldLayout xmlns:a="http://schemas.openxmlformats.org/drawingml/2006/main" xmlns:r="http://schemas.openxmlformats.org/officeDocument/2006/relationships" xmlns:p="http://schemas.openxmlformats.org/presentationml/2006/main" type="tx">
   <p:cSld name="사진 - 수직">
     <p:spTree>
       <p:nvGrpSpPr>
@@ -1218,7 +1258,9 @@
       <p:sp>
         <p:nvSpPr>
           <p:cNvPr id="38" name="Shape 38"/>
-          <p:cNvSpPr/>
+          <p:cNvSpPr>
+            <a:spLocks noGrp="1"/>
+          </p:cNvSpPr>
           <p:nvPr>
             <p:ph type="pic" sz="half" idx="13"/>
           </p:nvPr>
@@ -1238,14 +1280,16 @@
           </a:bodyPr>
           <a:lstStyle/>
           <a:p>
-            <a:pPr/>
+            <a:endParaRPr/>
           </a:p>
         </p:txBody>
       </p:sp>
       <p:sp>
         <p:nvSpPr>
           <p:cNvPr id="39" name="Shape 39"/>
-          <p:cNvSpPr/>
+          <p:cNvSpPr>
+            <a:spLocks noGrp="1"/>
+          </p:cNvSpPr>
           <p:nvPr>
             <p:ph type="title"/>
           </p:nvPr>
@@ -1272,7 +1316,6 @@
             </a:lvl1pPr>
           </a:lstStyle>
           <a:p>
-            <a:pPr/>
             <a:r>
               <a:t>제목 텍스트</a:t>
             </a:r>
@@ -1282,7 +1325,9 @@
       <p:sp>
         <p:nvSpPr>
           <p:cNvPr id="40" name="Shape 40"/>
-          <p:cNvSpPr/>
+          <p:cNvSpPr>
+            <a:spLocks noGrp="1"/>
+          </p:cNvSpPr>
           <p:nvPr>
             <p:ph type="body" sz="quarter" idx="1"/>
           </p:nvPr>
@@ -1341,7 +1386,6 @@
             </a:lvl5pPr>
           </a:lstStyle>
           <a:p>
-            <a:pPr/>
             <a:r>
               <a:t>본문 첫 번째 줄</a:t>
             </a:r>
@@ -1375,7 +1419,9 @@
       <p:sp>
         <p:nvSpPr>
           <p:cNvPr id="41" name="Shape 41"/>
-          <p:cNvSpPr/>
+          <p:cNvSpPr>
+            <a:spLocks noGrp="1"/>
+          </p:cNvSpPr>
           <p:nvPr>
             <p:ph type="sldNum" sz="quarter" idx="2"/>
           </p:nvPr>
@@ -1389,8 +1435,10 @@
           <a:bodyPr/>
           <a:lstStyle/>
           <a:p>
-            <a:pPr/>
-            <a:fld id="{86CB4B4D-7CA3-9044-876B-883B54F8677D}" type="slidenum"/>
+            <a:fld id="{86CB4B4D-7CA3-9044-876B-883B54F8677D}" type="slidenum">
+              <a:t>‹#›</a:t>
+            </a:fld>
+            <a:endParaRPr/>
           </a:p>
         </p:txBody>
       </p:sp>
@@ -1399,12 +1447,12 @@
   <p:clrMapOvr>
     <a:masterClrMapping/>
   </p:clrMapOvr>
-  <p:transition xmlns:p14="http://schemas.microsoft.com/office/powerpoint/2010/main" spd="med" advClick="1"/>
+  <p:transition spd="med"/>
 </p:sldLayout>
 </file>
 
 <file path=ppt/slideLayouts/slideLayout5.xml><?xml version="1.0" encoding="utf-8"?>
-<p:sldLayout xmlns:a="http://schemas.openxmlformats.org/drawingml/2006/main" xmlns:r="http://schemas.openxmlformats.org/officeDocument/2006/relationships" xmlns:p="http://schemas.openxmlformats.org/presentationml/2006/main" type="tx" showMasterSp="1" showMasterPhAnim="1">
+<p:sldLayout xmlns:a="http://schemas.openxmlformats.org/drawingml/2006/main" xmlns:r="http://schemas.openxmlformats.org/officeDocument/2006/relationships" xmlns:p="http://schemas.openxmlformats.org/presentationml/2006/main" type="tx">
   <p:cSld name="제목 - 상단">
     <p:spTree>
       <p:nvGrpSpPr>
@@ -1423,7 +1471,9 @@
       <p:sp>
         <p:nvSpPr>
           <p:cNvPr id="48" name="Shape 48"/>
-          <p:cNvSpPr/>
+          <p:cNvSpPr>
+            <a:spLocks noGrp="1"/>
+          </p:cNvSpPr>
           <p:nvPr>
             <p:ph type="title"/>
           </p:nvPr>
@@ -1437,7 +1487,6 @@
           <a:bodyPr/>
           <a:lstStyle/>
           <a:p>
-            <a:pPr/>
             <a:r>
               <a:t>제목 텍스트</a:t>
             </a:r>
@@ -1447,7 +1496,9 @@
       <p:sp>
         <p:nvSpPr>
           <p:cNvPr id="49" name="Shape 49"/>
-          <p:cNvSpPr/>
+          <p:cNvSpPr>
+            <a:spLocks noGrp="1"/>
+          </p:cNvSpPr>
           <p:nvPr>
             <p:ph type="sldNum" sz="quarter" idx="2"/>
           </p:nvPr>
@@ -1461,8 +1512,10 @@
           <a:bodyPr/>
           <a:lstStyle/>
           <a:p>
-            <a:pPr/>
-            <a:fld id="{86CB4B4D-7CA3-9044-876B-883B54F8677D}" type="slidenum"/>
+            <a:fld id="{86CB4B4D-7CA3-9044-876B-883B54F8677D}" type="slidenum">
+              <a:t>‹#›</a:t>
+            </a:fld>
+            <a:endParaRPr/>
           </a:p>
         </p:txBody>
       </p:sp>
@@ -1471,12 +1524,12 @@
   <p:clrMapOvr>
     <a:masterClrMapping/>
   </p:clrMapOvr>
-  <p:transition xmlns:p14="http://schemas.microsoft.com/office/powerpoint/2010/main" spd="med" advClick="1"/>
+  <p:transition spd="med"/>
 </p:sldLayout>
 </file>
 
 <file path=ppt/slideLayouts/slideLayout6.xml><?xml version="1.0" encoding="utf-8"?>
-<p:sldLayout xmlns:a="http://schemas.openxmlformats.org/drawingml/2006/main" xmlns:r="http://schemas.openxmlformats.org/officeDocument/2006/relationships" xmlns:p="http://schemas.openxmlformats.org/presentationml/2006/main" type="tx" showMasterSp="1" showMasterPhAnim="1">
+<p:sldLayout xmlns:a="http://schemas.openxmlformats.org/drawingml/2006/main" xmlns:r="http://schemas.openxmlformats.org/officeDocument/2006/relationships" xmlns:p="http://schemas.openxmlformats.org/presentationml/2006/main" type="tx">
   <p:cSld name="제목 및 구분점">
     <p:spTree>
       <p:nvGrpSpPr>
@@ -1495,7 +1548,9 @@
       <p:sp>
         <p:nvSpPr>
           <p:cNvPr id="56" name="Shape 56"/>
-          <p:cNvSpPr/>
+          <p:cNvSpPr>
+            <a:spLocks noGrp="1"/>
+          </p:cNvSpPr>
           <p:nvPr>
             <p:ph type="title"/>
           </p:nvPr>
@@ -1509,7 +1564,6 @@
           <a:bodyPr/>
           <a:lstStyle/>
           <a:p>
-            <a:pPr/>
             <a:r>
               <a:t>제목 텍스트</a:t>
             </a:r>
@@ -1519,7 +1573,9 @@
       <p:sp>
         <p:nvSpPr>
           <p:cNvPr id="57" name="Shape 57"/>
-          <p:cNvSpPr/>
+          <p:cNvSpPr>
+            <a:spLocks noGrp="1"/>
+          </p:cNvSpPr>
           <p:nvPr>
             <p:ph type="body" idx="1"/>
           </p:nvPr>
@@ -1533,7 +1589,6 @@
           <a:bodyPr/>
           <a:lstStyle/>
           <a:p>
-            <a:pPr/>
             <a:r>
               <a:t>본문 첫 번째 줄</a:t>
             </a:r>
@@ -1567,7 +1622,9 @@
       <p:sp>
         <p:nvSpPr>
           <p:cNvPr id="58" name="Shape 58"/>
-          <p:cNvSpPr/>
+          <p:cNvSpPr>
+            <a:spLocks noGrp="1"/>
+          </p:cNvSpPr>
           <p:nvPr>
             <p:ph type="sldNum" sz="quarter" idx="2"/>
           </p:nvPr>
@@ -1581,8 +1638,10 @@
           <a:bodyPr/>
           <a:lstStyle/>
           <a:p>
-            <a:pPr/>
-            <a:fld id="{86CB4B4D-7CA3-9044-876B-883B54F8677D}" type="slidenum"/>
+            <a:fld id="{86CB4B4D-7CA3-9044-876B-883B54F8677D}" type="slidenum">
+              <a:t>‹#›</a:t>
+            </a:fld>
+            <a:endParaRPr/>
           </a:p>
         </p:txBody>
       </p:sp>
@@ -1591,12 +1650,12 @@
   <p:clrMapOvr>
     <a:masterClrMapping/>
   </p:clrMapOvr>
-  <p:transition xmlns:p14="http://schemas.microsoft.com/office/powerpoint/2010/main" spd="med" advClick="1"/>
+  <p:transition spd="med"/>
 </p:sldLayout>
 </file>
 
 <file path=ppt/slideLayouts/slideLayout7.xml><?xml version="1.0" encoding="utf-8"?>
-<p:sldLayout xmlns:a="http://schemas.openxmlformats.org/drawingml/2006/main" xmlns:r="http://schemas.openxmlformats.org/officeDocument/2006/relationships" xmlns:p="http://schemas.openxmlformats.org/presentationml/2006/main" type="tx" showMasterSp="1" showMasterPhAnim="1">
+<p:sldLayout xmlns:a="http://schemas.openxmlformats.org/drawingml/2006/main" xmlns:r="http://schemas.openxmlformats.org/officeDocument/2006/relationships" xmlns:p="http://schemas.openxmlformats.org/presentationml/2006/main" type="tx">
   <p:cSld name="제목, 구분점 및 사진">
     <p:spTree>
       <p:nvGrpSpPr>
@@ -1615,7 +1674,9 @@
       <p:sp>
         <p:nvSpPr>
           <p:cNvPr id="65" name="Shape 65"/>
-          <p:cNvSpPr/>
+          <p:cNvSpPr>
+            <a:spLocks noGrp="1"/>
+          </p:cNvSpPr>
           <p:nvPr>
             <p:ph type="pic" sz="half" idx="13"/>
           </p:nvPr>
@@ -1635,14 +1696,16 @@
           </a:bodyPr>
           <a:lstStyle/>
           <a:p>
-            <a:pPr/>
+            <a:endParaRPr/>
           </a:p>
         </p:txBody>
       </p:sp>
       <p:sp>
         <p:nvSpPr>
           <p:cNvPr id="66" name="Shape 66"/>
-          <p:cNvSpPr/>
+          <p:cNvSpPr>
+            <a:spLocks noGrp="1"/>
+          </p:cNvSpPr>
           <p:nvPr>
             <p:ph type="title"/>
           </p:nvPr>
@@ -1656,7 +1719,6 @@
           <a:bodyPr/>
           <a:lstStyle/>
           <a:p>
-            <a:pPr/>
             <a:r>
               <a:t>제목 텍스트</a:t>
             </a:r>
@@ -1666,7 +1728,9 @@
       <p:sp>
         <p:nvSpPr>
           <p:cNvPr id="67" name="Shape 67"/>
-          <p:cNvSpPr/>
+          <p:cNvSpPr>
+            <a:spLocks noGrp="1"/>
+          </p:cNvSpPr>
           <p:nvPr>
             <p:ph type="body" sz="half" idx="1"/>
           </p:nvPr>
@@ -1730,7 +1794,6 @@
             </a:lvl5pPr>
           </a:lstStyle>
           <a:p>
-            <a:pPr/>
             <a:r>
               <a:t>본문 첫 번째 줄</a:t>
             </a:r>
@@ -1764,7 +1827,9 @@
       <p:sp>
         <p:nvSpPr>
           <p:cNvPr id="68" name="Shape 68"/>
-          <p:cNvSpPr/>
+          <p:cNvSpPr>
+            <a:spLocks noGrp="1"/>
+          </p:cNvSpPr>
           <p:nvPr>
             <p:ph type="sldNum" sz="quarter" idx="2"/>
           </p:nvPr>
@@ -1778,8 +1843,10 @@
           <a:bodyPr/>
           <a:lstStyle/>
           <a:p>
-            <a:pPr/>
-            <a:fld id="{86CB4B4D-7CA3-9044-876B-883B54F8677D}" type="slidenum"/>
+            <a:fld id="{86CB4B4D-7CA3-9044-876B-883B54F8677D}" type="slidenum">
+              <a:t>‹#›</a:t>
+            </a:fld>
+            <a:endParaRPr/>
           </a:p>
         </p:txBody>
       </p:sp>
@@ -1788,12 +1855,12 @@
   <p:clrMapOvr>
     <a:masterClrMapping/>
   </p:clrMapOvr>
-  <p:transition xmlns:p14="http://schemas.microsoft.com/office/powerpoint/2010/main" spd="med" advClick="1"/>
+  <p:transition spd="med"/>
 </p:sldLayout>
 </file>
 
 <file path=ppt/slideLayouts/slideLayout8.xml><?xml version="1.0" encoding="utf-8"?>
-<p:sldLayout xmlns:a="http://schemas.openxmlformats.org/drawingml/2006/main" xmlns:r="http://schemas.openxmlformats.org/officeDocument/2006/relationships" xmlns:p="http://schemas.openxmlformats.org/presentationml/2006/main" type="tx" showMasterSp="1" showMasterPhAnim="1">
+<p:sldLayout xmlns:a="http://schemas.openxmlformats.org/drawingml/2006/main" xmlns:r="http://schemas.openxmlformats.org/officeDocument/2006/relationships" xmlns:p="http://schemas.openxmlformats.org/presentationml/2006/main" type="tx">
   <p:cSld name="구분점">
     <p:spTree>
       <p:nvGrpSpPr>
@@ -1812,7 +1879,9 @@
       <p:sp>
         <p:nvSpPr>
           <p:cNvPr id="75" name="Shape 75"/>
-          <p:cNvSpPr/>
+          <p:cNvSpPr>
+            <a:spLocks noGrp="1"/>
+          </p:cNvSpPr>
           <p:nvPr>
             <p:ph type="body" idx="1"/>
           </p:nvPr>
@@ -1830,7 +1899,6 @@
           <a:bodyPr/>
           <a:lstStyle/>
           <a:p>
-            <a:pPr/>
             <a:r>
               <a:t>본문 첫 번째 줄</a:t>
             </a:r>
@@ -1864,7 +1932,9 @@
       <p:sp>
         <p:nvSpPr>
           <p:cNvPr id="76" name="Shape 76"/>
-          <p:cNvSpPr/>
+          <p:cNvSpPr>
+            <a:spLocks noGrp="1"/>
+          </p:cNvSpPr>
           <p:nvPr>
             <p:ph type="sldNum" sz="quarter" idx="2"/>
           </p:nvPr>
@@ -1878,8 +1948,10 @@
           <a:bodyPr/>
           <a:lstStyle/>
           <a:p>
-            <a:pPr/>
-            <a:fld id="{86CB4B4D-7CA3-9044-876B-883B54F8677D}" type="slidenum"/>
+            <a:fld id="{86CB4B4D-7CA3-9044-876B-883B54F8677D}" type="slidenum">
+              <a:t>‹#›</a:t>
+            </a:fld>
+            <a:endParaRPr/>
           </a:p>
         </p:txBody>
       </p:sp>
@@ -1888,12 +1960,12 @@
   <p:clrMapOvr>
     <a:masterClrMapping/>
   </p:clrMapOvr>
-  <p:transition xmlns:p14="http://schemas.microsoft.com/office/powerpoint/2010/main" spd="med" advClick="1"/>
+  <p:transition spd="med"/>
 </p:sldLayout>
 </file>
 
 <file path=ppt/slideLayouts/slideLayout9.xml><?xml version="1.0" encoding="utf-8"?>
-<p:sldLayout xmlns:a="http://schemas.openxmlformats.org/drawingml/2006/main" xmlns:r="http://schemas.openxmlformats.org/officeDocument/2006/relationships" xmlns:p="http://schemas.openxmlformats.org/presentationml/2006/main" type="tx" showMasterSp="1" showMasterPhAnim="1">
+<p:sldLayout xmlns:a="http://schemas.openxmlformats.org/drawingml/2006/main" xmlns:r="http://schemas.openxmlformats.org/officeDocument/2006/relationships" xmlns:p="http://schemas.openxmlformats.org/presentationml/2006/main" type="tx">
   <p:cSld name="사진 - 3장">
     <p:spTree>
       <p:nvGrpSpPr>
@@ -1912,7 +1984,9 @@
       <p:sp>
         <p:nvSpPr>
           <p:cNvPr id="83" name="Shape 83"/>
-          <p:cNvSpPr/>
+          <p:cNvSpPr>
+            <a:spLocks noGrp="1"/>
+          </p:cNvSpPr>
           <p:nvPr>
             <p:ph type="pic" sz="quarter" idx="13"/>
           </p:nvPr>
@@ -1932,14 +2006,16 @@
           </a:bodyPr>
           <a:lstStyle/>
           <a:p>
-            <a:pPr/>
+            <a:endParaRPr/>
           </a:p>
         </p:txBody>
       </p:sp>
       <p:sp>
         <p:nvSpPr>
           <p:cNvPr id="84" name="Shape 84"/>
-          <p:cNvSpPr/>
+          <p:cNvSpPr>
+            <a:spLocks noGrp="1"/>
+          </p:cNvSpPr>
           <p:nvPr>
             <p:ph type="pic" sz="quarter" idx="14"/>
           </p:nvPr>
@@ -1959,14 +2035,16 @@
           </a:bodyPr>
           <a:lstStyle/>
           <a:p>
-            <a:pPr/>
+            <a:endParaRPr/>
           </a:p>
         </p:txBody>
       </p:sp>
       <p:sp>
         <p:nvSpPr>
           <p:cNvPr id="85" name="Shape 85"/>
-          <p:cNvSpPr/>
+          <p:cNvSpPr>
+            <a:spLocks noGrp="1"/>
+          </p:cNvSpPr>
           <p:nvPr>
             <p:ph type="pic" sz="half" idx="15"/>
           </p:nvPr>
@@ -1986,14 +2064,16 @@
           </a:bodyPr>
           <a:lstStyle/>
           <a:p>
-            <a:pPr/>
+            <a:endParaRPr/>
           </a:p>
         </p:txBody>
       </p:sp>
       <p:sp>
         <p:nvSpPr>
           <p:cNvPr id="86" name="Shape 86"/>
-          <p:cNvSpPr/>
+          <p:cNvSpPr>
+            <a:spLocks noGrp="1"/>
+          </p:cNvSpPr>
           <p:nvPr>
             <p:ph type="sldNum" sz="quarter" idx="2"/>
           </p:nvPr>
@@ -2007,8 +2087,10 @@
           <a:bodyPr/>
           <a:lstStyle/>
           <a:p>
-            <a:pPr/>
-            <a:fld id="{86CB4B4D-7CA3-9044-876B-883B54F8677D}" type="slidenum"/>
+            <a:fld id="{86CB4B4D-7CA3-9044-876B-883B54F8677D}" type="slidenum">
+              <a:t>‹#›</a:t>
+            </a:fld>
+            <a:endParaRPr/>
           </a:p>
         </p:txBody>
       </p:sp>
@@ -2017,7 +2099,7 @@
   <p:clrMapOvr>
     <a:masterClrMapping/>
   </p:clrMapOvr>
-  <p:transition xmlns:p14="http://schemas.microsoft.com/office/powerpoint/2010/main" spd="med" advClick="1"/>
+  <p:transition spd="med"/>
 </p:sldLayout>
 </file>
 
@@ -2029,6 +2111,7 @@
         <a:solidFill>
           <a:srgbClr val="FFFFFF"/>
         </a:solidFill>
+        <a:effectLst/>
       </p:bgPr>
     </p:bg>
     <p:spTree>
@@ -2048,7 +2131,9 @@
       <p:sp>
         <p:nvSpPr>
           <p:cNvPr id="2" name="Shape 2"/>
-          <p:cNvSpPr/>
+          <p:cNvSpPr>
+            <a:spLocks noGrp="1"/>
+          </p:cNvSpPr>
           <p:nvPr>
             <p:ph type="title"/>
           </p:nvPr>
@@ -2066,17 +2151,16 @@
           </a:ln>
           <a:extLst>
             <a:ext uri="{C572A759-6A51-4108-AA02-DFA0A04FC94B}">
-              <ma14:wrappingTextBoxFlag xmlns:ma14="http://schemas.microsoft.com/office/mac/drawingml/2011/main" val="1"/>
+              <ma14:wrappingTextBoxFlag xmlns:ma14="http://schemas.microsoft.com/office/mac/drawingml/2011/main" xmlns="" val="1"/>
             </a:ext>
           </a:extLst>
         </p:spPr>
         <p:txBody>
           <a:bodyPr lIns="50800" tIns="50800" rIns="50800" bIns="50800" anchor="ctr">
-            <a:normAutofit fontScale="100000" lnSpcReduction="0"/>
+            <a:normAutofit/>
           </a:bodyPr>
           <a:lstStyle/>
           <a:p>
-            <a:pPr/>
             <a:r>
               <a:t>제목 텍스트</a:t>
             </a:r>
@@ -2086,7 +2170,9 @@
       <p:sp>
         <p:nvSpPr>
           <p:cNvPr id="3" name="Shape 3"/>
-          <p:cNvSpPr/>
+          <p:cNvSpPr>
+            <a:spLocks noGrp="1"/>
+          </p:cNvSpPr>
           <p:nvPr>
             <p:ph type="body" idx="1"/>
           </p:nvPr>
@@ -2104,17 +2190,16 @@
           </a:ln>
           <a:extLst>
             <a:ext uri="{C572A759-6A51-4108-AA02-DFA0A04FC94B}">
-              <ma14:wrappingTextBoxFlag xmlns:ma14="http://schemas.microsoft.com/office/mac/drawingml/2011/main" val="1"/>
+              <ma14:wrappingTextBoxFlag xmlns:ma14="http://schemas.microsoft.com/office/mac/drawingml/2011/main" xmlns="" val="1"/>
             </a:ext>
           </a:extLst>
         </p:spPr>
         <p:txBody>
           <a:bodyPr lIns="50800" tIns="50800" rIns="50800" bIns="50800" anchor="ctr">
-            <a:normAutofit fontScale="100000" lnSpcReduction="0"/>
+            <a:normAutofit/>
           </a:bodyPr>
           <a:lstStyle/>
           <a:p>
-            <a:pPr/>
             <a:r>
               <a:t>본문 첫 번째 줄</a:t>
             </a:r>
@@ -2148,7 +2233,9 @@
       <p:sp>
         <p:nvSpPr>
           <p:cNvPr id="4" name="Shape 4"/>
-          <p:cNvSpPr/>
+          <p:cNvSpPr>
+            <a:spLocks noGrp="1"/>
+          </p:cNvSpPr>
           <p:nvPr>
             <p:ph type="sldNum" sz="quarter" idx="2"/>
           </p:nvPr>
@@ -2175,8 +2262,10 @@
             </a:lvl1pPr>
           </a:lstStyle>
           <a:p>
-            <a:pPr/>
-            <a:fld id="{86CB4B4D-7CA3-9044-876B-883B54F8677D}" type="slidenum"/>
+            <a:fld id="{86CB4B4D-7CA3-9044-876B-883B54F8677D}" type="slidenum">
+              <a:t>‹#›</a:t>
+            </a:fld>
+            <a:endParaRPr/>
           </a:p>
         </p:txBody>
       </p:sp>
@@ -2184,20 +2273,20 @@
   </p:cSld>
   <p:clrMap bg1="lt1" tx1="dk1" bg2="lt2" tx2="dk2" accent1="accent1" accent2="accent2" accent3="accent3" accent4="accent4" accent5="accent5" accent6="accent6" hlink="hlink" folHlink="folHlink"/>
   <p:sldLayoutIdLst>
-    <p:sldLayoutId id="2147483649" r:id="rId2"/>
-    <p:sldLayoutId id="2147483650" r:id="rId3"/>
-    <p:sldLayoutId id="2147483651" r:id="rId4"/>
-    <p:sldLayoutId id="2147483652" r:id="rId5"/>
-    <p:sldLayoutId id="2147483653" r:id="rId6"/>
-    <p:sldLayoutId id="2147483654" r:id="rId7"/>
-    <p:sldLayoutId id="2147483655" r:id="rId8"/>
-    <p:sldLayoutId id="2147483656" r:id="rId9"/>
-    <p:sldLayoutId id="2147483657" r:id="rId10"/>
-    <p:sldLayoutId id="2147483658" r:id="rId11"/>
-    <p:sldLayoutId id="2147483659" r:id="rId12"/>
-    <p:sldLayoutId id="2147483660" r:id="rId13"/>
+    <p:sldLayoutId id="2147483649" r:id="rId1"/>
+    <p:sldLayoutId id="2147483650" r:id="rId2"/>
+    <p:sldLayoutId id="2147483651" r:id="rId3"/>
+    <p:sldLayoutId id="2147483652" r:id="rId4"/>
+    <p:sldLayoutId id="2147483653" r:id="rId5"/>
+    <p:sldLayoutId id="2147483654" r:id="rId6"/>
+    <p:sldLayoutId id="2147483655" r:id="rId7"/>
+    <p:sldLayoutId id="2147483656" r:id="rId8"/>
+    <p:sldLayoutId id="2147483657" r:id="rId9"/>
+    <p:sldLayoutId id="2147483658" r:id="rId10"/>
+    <p:sldLayoutId id="2147483659" r:id="rId11"/>
+    <p:sldLayoutId id="2147483660" r:id="rId12"/>
   </p:sldLayoutIdLst>
-  <p:transition xmlns:p14="http://schemas.microsoft.com/office/powerpoint/2010/main" spd="med" advClick="1"/>
+  <p:transition spd="med"/>
   <p:txStyles>
     <p:titleStyle>
       <a:lvl1pPr marL="0" marR="0" indent="0" algn="ctr" defTabSz="584200" rtl="0" latinLnBrk="0">
@@ -2215,7 +2304,7 @@
         <a:buFontTx/>
         <a:buNone/>
         <a:tabLst/>
-        <a:defRPr b="0" baseline="0" cap="none" i="0" spc="0" strike="noStrike" sz="7000" u="none">
+        <a:defRPr sz="7000" b="0" i="0" u="none" strike="noStrike" cap="none" spc="0" baseline="0">
           <a:ln>
             <a:noFill/>
           </a:ln>
@@ -2244,7 +2333,7 @@
         <a:buFontTx/>
         <a:buNone/>
         <a:tabLst/>
-        <a:defRPr b="0" baseline="0" cap="none" i="0" spc="0" strike="noStrike" sz="7000" u="none">
+        <a:defRPr sz="7000" b="0" i="0" u="none" strike="noStrike" cap="none" spc="0" baseline="0">
           <a:ln>
             <a:noFill/>
           </a:ln>
@@ -2273,7 +2362,7 @@
         <a:buFontTx/>
         <a:buNone/>
         <a:tabLst/>
-        <a:defRPr b="0" baseline="0" cap="none" i="0" spc="0" strike="noStrike" sz="7000" u="none">
+        <a:defRPr sz="7000" b="0" i="0" u="none" strike="noStrike" cap="none" spc="0" baseline="0">
           <a:ln>
             <a:noFill/>
           </a:ln>
@@ -2302,7 +2391,7 @@
         <a:buFontTx/>
         <a:buNone/>
         <a:tabLst/>
-        <a:defRPr b="0" baseline="0" cap="none" i="0" spc="0" strike="noStrike" sz="7000" u="none">
+        <a:defRPr sz="7000" b="0" i="0" u="none" strike="noStrike" cap="none" spc="0" baseline="0">
           <a:ln>
             <a:noFill/>
           </a:ln>
@@ -2331,7 +2420,7 @@
         <a:buFontTx/>
         <a:buNone/>
         <a:tabLst/>
-        <a:defRPr b="0" baseline="0" cap="none" i="0" spc="0" strike="noStrike" sz="7000" u="none">
+        <a:defRPr sz="7000" b="0" i="0" u="none" strike="noStrike" cap="none" spc="0" baseline="0">
           <a:ln>
             <a:noFill/>
           </a:ln>
@@ -2360,7 +2449,7 @@
         <a:buFontTx/>
         <a:buNone/>
         <a:tabLst/>
-        <a:defRPr b="0" baseline="0" cap="none" i="0" spc="0" strike="noStrike" sz="7000" u="none">
+        <a:defRPr sz="7000" b="0" i="0" u="none" strike="noStrike" cap="none" spc="0" baseline="0">
           <a:ln>
             <a:noFill/>
           </a:ln>
@@ -2389,7 +2478,7 @@
         <a:buFontTx/>
         <a:buNone/>
         <a:tabLst/>
-        <a:defRPr b="0" baseline="0" cap="none" i="0" spc="0" strike="noStrike" sz="7000" u="none">
+        <a:defRPr sz="7000" b="0" i="0" u="none" strike="noStrike" cap="none" spc="0" baseline="0">
           <a:ln>
             <a:noFill/>
           </a:ln>
@@ -2418,7 +2507,7 @@
         <a:buFontTx/>
         <a:buNone/>
         <a:tabLst/>
-        <a:defRPr b="0" baseline="0" cap="none" i="0" spc="0" strike="noStrike" sz="7000" u="none">
+        <a:defRPr sz="7000" b="0" i="0" u="none" strike="noStrike" cap="none" spc="0" baseline="0">
           <a:ln>
             <a:noFill/>
           </a:ln>
@@ -2447,7 +2536,7 @@
         <a:buFontTx/>
         <a:buNone/>
         <a:tabLst/>
-        <a:defRPr b="0" baseline="0" cap="none" i="0" spc="0" strike="noStrike" sz="7000" u="none">
+        <a:defRPr sz="7000" b="0" i="0" u="none" strike="noStrike" cap="none" spc="0" baseline="0">
           <a:ln>
             <a:noFill/>
           </a:ln>
@@ -2478,7 +2567,7 @@
         <a:buFontTx/>
         <a:buChar char="•"/>
         <a:tabLst/>
-        <a:defRPr b="0" baseline="0" cap="none" i="0" spc="0" strike="noStrike" sz="1900" u="none">
+        <a:defRPr sz="1900" b="0" i="0" u="none" strike="noStrike" cap="none" spc="0" baseline="0">
           <a:ln>
             <a:noFill/>
           </a:ln>
@@ -2507,7 +2596,7 @@
         <a:buFontTx/>
         <a:buChar char="•"/>
         <a:tabLst/>
-        <a:defRPr b="0" baseline="0" cap="none" i="0" spc="0" strike="noStrike" sz="1900" u="none">
+        <a:defRPr sz="1900" b="0" i="0" u="none" strike="noStrike" cap="none" spc="0" baseline="0">
           <a:ln>
             <a:noFill/>
           </a:ln>
@@ -2536,7 +2625,7 @@
         <a:buFontTx/>
         <a:buChar char="•"/>
         <a:tabLst/>
-        <a:defRPr b="0" baseline="0" cap="none" i="0" spc="0" strike="noStrike" sz="1900" u="none">
+        <a:defRPr sz="1900" b="0" i="0" u="none" strike="noStrike" cap="none" spc="0" baseline="0">
           <a:ln>
             <a:noFill/>
           </a:ln>
@@ -2565,7 +2654,7 @@
         <a:buFontTx/>
         <a:buChar char="•"/>
         <a:tabLst/>
-        <a:defRPr b="0" baseline="0" cap="none" i="0" spc="0" strike="noStrike" sz="1900" u="none">
+        <a:defRPr sz="1900" b="0" i="0" u="none" strike="noStrike" cap="none" spc="0" baseline="0">
           <a:ln>
             <a:noFill/>
           </a:ln>
@@ -2594,7 +2683,7 @@
         <a:buFontTx/>
         <a:buChar char="•"/>
         <a:tabLst/>
-        <a:defRPr b="0" baseline="0" cap="none" i="0" spc="0" strike="noStrike" sz="1900" u="none">
+        <a:defRPr sz="1900" b="0" i="0" u="none" strike="noStrike" cap="none" spc="0" baseline="0">
           <a:ln>
             <a:noFill/>
           </a:ln>
@@ -2623,7 +2712,7 @@
         <a:buFontTx/>
         <a:buChar char="•"/>
         <a:tabLst/>
-        <a:defRPr b="0" baseline="0" cap="none" i="0" spc="0" strike="noStrike" sz="1900" u="none">
+        <a:defRPr sz="1900" b="0" i="0" u="none" strike="noStrike" cap="none" spc="0" baseline="0">
           <a:ln>
             <a:noFill/>
           </a:ln>
@@ -2652,7 +2741,7 @@
         <a:buFontTx/>
         <a:buChar char="•"/>
         <a:tabLst/>
-        <a:defRPr b="0" baseline="0" cap="none" i="0" spc="0" strike="noStrike" sz="1900" u="none">
+        <a:defRPr sz="1900" b="0" i="0" u="none" strike="noStrike" cap="none" spc="0" baseline="0">
           <a:ln>
             <a:noFill/>
           </a:ln>
@@ -2681,7 +2770,7 @@
         <a:buFontTx/>
         <a:buChar char="•"/>
         <a:tabLst/>
-        <a:defRPr b="0" baseline="0" cap="none" i="0" spc="0" strike="noStrike" sz="1900" u="none">
+        <a:defRPr sz="1900" b="0" i="0" u="none" strike="noStrike" cap="none" spc="0" baseline="0">
           <a:ln>
             <a:noFill/>
           </a:ln>
@@ -2710,7 +2799,7 @@
         <a:buFontTx/>
         <a:buChar char="•"/>
         <a:tabLst/>
-        <a:defRPr b="0" baseline="0" cap="none" i="0" spc="0" strike="noStrike" sz="1900" u="none">
+        <a:defRPr sz="1900" b="0" i="0" u="none" strike="noStrike" cap="none" spc="0" baseline="0">
           <a:ln>
             <a:noFill/>
           </a:ln>
@@ -2741,7 +2830,7 @@
         <a:buFontTx/>
         <a:buNone/>
         <a:tabLst/>
-        <a:defRPr b="0" baseline="0" cap="none" i="0" spc="0" strike="noStrike" sz="1800" u="none">
+        <a:defRPr sz="1800" b="0" i="0" u="none" strike="noStrike" cap="none" spc="0" baseline="0">
           <a:ln>
             <a:noFill/>
           </a:ln>
@@ -2770,7 +2859,7 @@
         <a:buFontTx/>
         <a:buNone/>
         <a:tabLst/>
-        <a:defRPr b="0" baseline="0" cap="none" i="0" spc="0" strike="noStrike" sz="1800" u="none">
+        <a:defRPr sz="1800" b="0" i="0" u="none" strike="noStrike" cap="none" spc="0" baseline="0">
           <a:ln>
             <a:noFill/>
           </a:ln>
@@ -2799,7 +2888,7 @@
         <a:buFontTx/>
         <a:buNone/>
         <a:tabLst/>
-        <a:defRPr b="0" baseline="0" cap="none" i="0" spc="0" strike="noStrike" sz="1800" u="none">
+        <a:defRPr sz="1800" b="0" i="0" u="none" strike="noStrike" cap="none" spc="0" baseline="0">
           <a:ln>
             <a:noFill/>
           </a:ln>
@@ -2828,7 +2917,7 @@
         <a:buFontTx/>
         <a:buNone/>
         <a:tabLst/>
-        <a:defRPr b="0" baseline="0" cap="none" i="0" spc="0" strike="noStrike" sz="1800" u="none">
+        <a:defRPr sz="1800" b="0" i="0" u="none" strike="noStrike" cap="none" spc="0" baseline="0">
           <a:ln>
             <a:noFill/>
           </a:ln>
@@ -2857,7 +2946,7 @@
         <a:buFontTx/>
         <a:buNone/>
         <a:tabLst/>
-        <a:defRPr b="0" baseline="0" cap="none" i="0" spc="0" strike="noStrike" sz="1800" u="none">
+        <a:defRPr sz="1800" b="0" i="0" u="none" strike="noStrike" cap="none" spc="0" baseline="0">
           <a:ln>
             <a:noFill/>
           </a:ln>
@@ -2886,7 +2975,7 @@
         <a:buFontTx/>
         <a:buNone/>
         <a:tabLst/>
-        <a:defRPr b="0" baseline="0" cap="none" i="0" spc="0" strike="noStrike" sz="1800" u="none">
+        <a:defRPr sz="1800" b="0" i="0" u="none" strike="noStrike" cap="none" spc="0" baseline="0">
           <a:ln>
             <a:noFill/>
           </a:ln>
@@ -2915,7 +3004,7 @@
         <a:buFontTx/>
         <a:buNone/>
         <a:tabLst/>
-        <a:defRPr b="0" baseline="0" cap="none" i="0" spc="0" strike="noStrike" sz="1800" u="none">
+        <a:defRPr sz="1800" b="0" i="0" u="none" strike="noStrike" cap="none" spc="0" baseline="0">
           <a:ln>
             <a:noFill/>
           </a:ln>
@@ -2944,7 +3033,7 @@
         <a:buFontTx/>
         <a:buNone/>
         <a:tabLst/>
-        <a:defRPr b="0" baseline="0" cap="none" i="0" spc="0" strike="noStrike" sz="1800" u="none">
+        <a:defRPr sz="1800" b="0" i="0" u="none" strike="noStrike" cap="none" spc="0" baseline="0">
           <a:ln>
             <a:noFill/>
           </a:ln>
@@ -2973,7 +3062,7 @@
         <a:buFontTx/>
         <a:buNone/>
         <a:tabLst/>
-        <a:defRPr b="0" baseline="0" cap="none" i="0" spc="0" strike="noStrike" sz="1800" u="none">
+        <a:defRPr sz="1800" b="0" i="0" u="none" strike="noStrike" cap="none" spc="0" baseline="0">
           <a:ln>
             <a:noFill/>
           </a:ln>
@@ -2993,7 +3082,7 @@
 </file>
 
 <file path=ppt/slides/slide1.xml><?xml version="1.0" encoding="utf-8"?>
-<p:sld xmlns:a="http://schemas.openxmlformats.org/drawingml/2006/main" xmlns:r="http://schemas.openxmlformats.org/officeDocument/2006/relationships" xmlns:p="http://schemas.openxmlformats.org/presentationml/2006/main" showMasterSp="1" showMasterPhAnim="1">
+<p:sld xmlns:a="http://schemas.openxmlformats.org/drawingml/2006/main" xmlns:r="http://schemas.openxmlformats.org/officeDocument/2006/relationships" xmlns:p="http://schemas.openxmlformats.org/presentationml/2006/main">
   <p:cSld>
     <p:spTree>
       <p:nvGrpSpPr>
@@ -3012,12 +3101,18 @@
       <p:sp>
         <p:nvSpPr>
           <p:cNvPr id="119" name="Shape 119"/>
-          <p:cNvSpPr/>
+          <p:cNvSpPr>
+            <a:spLocks noGrp="1"/>
+          </p:cNvSpPr>
           <p:nvPr>
             <p:ph type="title"/>
           </p:nvPr>
         </p:nvSpPr>
         <p:spPr>
+          <a:xfrm>
+            <a:off x="158170" y="444500"/>
+            <a:ext cx="12688460" cy="2159000"/>
+          </a:xfrm>
           <a:prstGeom prst="rect">
             <a:avLst/>
           </a:prstGeom>
@@ -3026,8 +3121,11 @@
           <a:bodyPr/>
           <a:lstStyle/>
           <a:p>
-            <a:pPr/>
-            <a:r>
+            <a:r>
+              <a:rPr>
+                <a:latin typeface="맑은 고딕" panose="020B0503020000020004" pitchFamily="50" charset="-127"/>
+                <a:ea typeface="맑은 고딕" panose="020B0503020000020004" pitchFamily="50" charset="-127"/>
+              </a:rPr>
               <a:t>Overall Structure</a:t>
             </a:r>
           </a:p>
@@ -3041,8 +3139,8 @@
         </p:nvSpPr>
         <p:spPr>
           <a:xfrm>
-            <a:off x="1060449" y="3384550"/>
-            <a:ext cx="3429001" cy="1270000"/>
+            <a:off x="815061" y="3384550"/>
+            <a:ext cx="3919778" cy="1270000"/>
           </a:xfrm>
           <a:prstGeom prst="rect">
             <a:avLst/>
@@ -3058,7 +3156,7 @@
           </a:ln>
           <a:extLst>
             <a:ext uri="{C572A759-6A51-4108-AA02-DFA0A04FC94B}">
-              <ma14:wrappingTextBoxFlag xmlns:ma14="http://schemas.microsoft.com/office/mac/drawingml/2011/main" val="1"/>
+              <ma14:wrappingTextBoxFlag xmlns:ma14="http://schemas.microsoft.com/office/mac/drawingml/2011/main" xmlns="" val="1"/>
             </a:ext>
           </a:extLst>
         </p:spPr>
@@ -3075,6 +3173,10 @@
               </a:defRPr>
             </a:pPr>
             <a:r>
+              <a:rPr>
+                <a:latin typeface="맑은 고딕" panose="020B0503020000020004" pitchFamily="50" charset="-127"/>
+                <a:ea typeface="맑은 고딕" panose="020B0503020000020004" pitchFamily="50" charset="-127"/>
+              </a:rPr>
               <a:t>VRDrum</a:t>
             </a:r>
           </a:p>
@@ -3083,6 +3185,10 @@
               <a:defRPr sz="2400"/>
             </a:pPr>
             <a:r>
+              <a:rPr>
+                <a:latin typeface="맑은 고딕" panose="020B0503020000020004" pitchFamily="50" charset="-127"/>
+                <a:ea typeface="맑은 고딕" panose="020B0503020000020004" pitchFamily="50" charset="-127"/>
+              </a:rPr>
               <a:t>(Unity 로 작성한 프로그램)</a:t>
             </a:r>
           </a:p>
@@ -3096,8 +3202,8 @@
         </p:nvSpPr>
         <p:spPr>
           <a:xfrm>
-            <a:off x="6851649" y="3384550"/>
-            <a:ext cx="5092701" cy="1270000"/>
+            <a:off x="6487202" y="3384550"/>
+            <a:ext cx="5821596" cy="1270000"/>
           </a:xfrm>
           <a:prstGeom prst="rect">
             <a:avLst/>
@@ -3113,7 +3219,7 @@
           </a:ln>
           <a:extLst>
             <a:ext uri="{C572A759-6A51-4108-AA02-DFA0A04FC94B}">
-              <ma14:wrappingTextBoxFlag xmlns:ma14="http://schemas.microsoft.com/office/mac/drawingml/2011/main" val="1"/>
+              <ma14:wrappingTextBoxFlag xmlns:ma14="http://schemas.microsoft.com/office/mac/drawingml/2011/main" xmlns="" val="1"/>
             </a:ext>
           </a:extLst>
         </p:spPr>
@@ -3130,6 +3236,10 @@
               </a:defRPr>
             </a:pPr>
             <a:r>
+              <a:rPr>
+                <a:latin typeface="맑은 고딕" panose="020B0503020000020004" pitchFamily="50" charset="-127"/>
+                <a:ea typeface="맑은 고딕" panose="020B0503020000020004" pitchFamily="50" charset="-127"/>
+              </a:rPr>
               <a:t>DAW</a:t>
             </a:r>
           </a:p>
@@ -3138,6 +3248,10 @@
               <a:defRPr sz="2400"/>
             </a:pPr>
             <a:r>
+              <a:rPr>
+                <a:latin typeface="맑은 고딕" panose="020B0503020000020004" pitchFamily="50" charset="-127"/>
+                <a:ea typeface="맑은 고딕" panose="020B0503020000020004" pitchFamily="50" charset="-127"/>
+              </a:rPr>
               <a:t>(MIDI 장치에서 신호를 받아 가상악기로 재생하는 음악 프로덕션 프로그램)</a:t>
             </a:r>
           </a:p>
@@ -3151,8 +3265,8 @@
         </p:nvSpPr>
         <p:spPr>
           <a:xfrm>
-            <a:off x="1060449" y="6851650"/>
-            <a:ext cx="3429001" cy="1270000"/>
+            <a:off x="815061" y="6851650"/>
+            <a:ext cx="3919778" cy="1270000"/>
           </a:xfrm>
           <a:prstGeom prst="rect">
             <a:avLst/>
@@ -3168,7 +3282,7 @@
           </a:ln>
           <a:extLst>
             <a:ext uri="{C572A759-6A51-4108-AA02-DFA0A04FC94B}">
-              <ma14:wrappingTextBoxFlag xmlns:ma14="http://schemas.microsoft.com/office/mac/drawingml/2011/main" val="1"/>
+              <ma14:wrappingTextBoxFlag xmlns:ma14="http://schemas.microsoft.com/office/mac/drawingml/2011/main" xmlns="" val="1"/>
             </a:ext>
           </a:extLst>
         </p:spPr>
@@ -3185,7 +3299,32 @@
               </a:defRPr>
             </a:pPr>
             <a:r>
-              <a:t>rtpMIDI Driver</a:t>
+              <a:rPr lang="en-US" dirty="0" err="1" smtClean="0">
+                <a:latin typeface="맑은 고딕" panose="020B0503020000020004" pitchFamily="50" charset="-127"/>
+                <a:ea typeface="맑은 고딕" panose="020B0503020000020004" pitchFamily="50" charset="-127"/>
+              </a:rPr>
+              <a:t>virtual</a:t>
+            </a:r>
+            <a:r>
+              <a:rPr dirty="0" err="1" smtClean="0">
+                <a:latin typeface="맑은 고딕" panose="020B0503020000020004" pitchFamily="50" charset="-127"/>
+                <a:ea typeface="맑은 고딕" panose="020B0503020000020004" pitchFamily="50" charset="-127"/>
+              </a:rPr>
+              <a:t>MIDI</a:t>
+            </a:r>
+            <a:r>
+              <a:rPr dirty="0" smtClean="0">
+                <a:latin typeface="맑은 고딕" panose="020B0503020000020004" pitchFamily="50" charset="-127"/>
+                <a:ea typeface="맑은 고딕" panose="020B0503020000020004" pitchFamily="50" charset="-127"/>
+              </a:rPr>
+              <a:t> </a:t>
+            </a:r>
+            <a:r>
+              <a:rPr dirty="0">
+                <a:latin typeface="맑은 고딕" panose="020B0503020000020004" pitchFamily="50" charset="-127"/>
+                <a:ea typeface="맑은 고딕" panose="020B0503020000020004" pitchFamily="50" charset="-127"/>
+              </a:rPr>
+              <a:t>Driver</a:t>
             </a:r>
           </a:p>
           <a:p>
@@ -3193,7 +3332,39 @@
               <a:defRPr sz="2400"/>
             </a:pPr>
             <a:r>
-              <a:t>(가상 MIDI 장치)</a:t>
+              <a:rPr dirty="0">
+                <a:latin typeface="맑은 고딕" panose="020B0503020000020004" pitchFamily="50" charset="-127"/>
+                <a:ea typeface="맑은 고딕" panose="020B0503020000020004" pitchFamily="50" charset="-127"/>
+              </a:rPr>
+              <a:t>(</a:t>
+            </a:r>
+            <a:r>
+              <a:rPr dirty="0" err="1">
+                <a:latin typeface="맑은 고딕" panose="020B0503020000020004" pitchFamily="50" charset="-127"/>
+                <a:ea typeface="맑은 고딕" panose="020B0503020000020004" pitchFamily="50" charset="-127"/>
+              </a:rPr>
+              <a:t>가상</a:t>
+            </a:r>
+            <a:r>
+              <a:rPr dirty="0">
+                <a:latin typeface="맑은 고딕" panose="020B0503020000020004" pitchFamily="50" charset="-127"/>
+                <a:ea typeface="맑은 고딕" panose="020B0503020000020004" pitchFamily="50" charset="-127"/>
+              </a:rPr>
+              <a:t> MIDI </a:t>
+            </a:r>
+            <a:r>
+              <a:rPr dirty="0" err="1">
+                <a:latin typeface="맑은 고딕" panose="020B0503020000020004" pitchFamily="50" charset="-127"/>
+                <a:ea typeface="맑은 고딕" panose="020B0503020000020004" pitchFamily="50" charset="-127"/>
+              </a:rPr>
+              <a:t>장치</a:t>
+            </a:r>
+            <a:r>
+              <a:rPr dirty="0">
+                <a:latin typeface="맑은 고딕" panose="020B0503020000020004" pitchFamily="50" charset="-127"/>
+                <a:ea typeface="맑은 고딕" panose="020B0503020000020004" pitchFamily="50" charset="-127"/>
+              </a:rPr>
+              <a:t>)</a:t>
             </a:r>
           </a:p>
         </p:txBody>
@@ -3206,8 +3377,8 @@
         </p:nvSpPr>
         <p:spPr>
           <a:xfrm>
-            <a:off x="2774949" y="5333999"/>
-            <a:ext cx="2906574" cy="838201"/>
+            <a:off x="2586101" y="5332472"/>
+            <a:ext cx="3459636" cy="841256"/>
           </a:xfrm>
           <a:prstGeom prst="rect">
             <a:avLst/>
@@ -3217,12 +3388,12 @@
           </a:ln>
           <a:extLst>
             <a:ext uri="{C572A759-6A51-4108-AA02-DFA0A04FC94B}">
-              <ma14:wrappingTextBoxFlag xmlns:ma14="http://schemas.microsoft.com/office/mac/drawingml/2011/main" val="1"/>
+              <ma14:wrappingTextBoxFlag xmlns:ma14="http://schemas.microsoft.com/office/mac/drawingml/2011/main" xmlns="" val="1"/>
             </a:ext>
           </a:extLst>
         </p:spPr>
         <p:txBody>
-          <a:bodyPr wrap="none" lIns="50800" tIns="50800" rIns="50800" bIns="50800" anchor="ctr">
+          <a:bodyPr wrap="square" lIns="50800" tIns="50800" rIns="50800" bIns="50800" anchor="ctr">
             <a:spAutoFit/>
           </a:bodyPr>
           <a:lstStyle/>
@@ -3236,27 +3407,84 @@
               </a:defRPr>
             </a:pPr>
             <a:r>
-              <a:t>loopMIDI </a:t>
-            </a:r>
-            <a:r>
-              <a:rPr>
-                <a:latin typeface="+mn-lt"/>
-                <a:ea typeface="+mn-ea"/>
-                <a:cs typeface="+mn-cs"/>
+              <a:rPr dirty="0" err="1">
+                <a:latin typeface="맑은 고딕" panose="020B0503020000020004" pitchFamily="50" charset="-127"/>
+                <a:ea typeface="맑은 고딕" panose="020B0503020000020004" pitchFamily="50" charset="-127"/>
+              </a:rPr>
+              <a:t>loopMIDI</a:t>
+            </a:r>
+            <a:r>
+              <a:rPr dirty="0">
+                <a:latin typeface="맑은 고딕" panose="020B0503020000020004" pitchFamily="50" charset="-127"/>
+                <a:ea typeface="맑은 고딕" panose="020B0503020000020004" pitchFamily="50" charset="-127"/>
+              </a:rPr>
+              <a:t> </a:t>
+            </a:r>
+            <a:r>
+              <a:rPr dirty="0">
+                <a:latin typeface="맑은 고딕" panose="020B0503020000020004" pitchFamily="50" charset="-127"/>
+                <a:ea typeface="맑은 고딕" panose="020B0503020000020004" pitchFamily="50" charset="-127"/>
                 <a:sym typeface="Apple SD 산돌고딕 Neo 옅은체"/>
               </a:rPr>
               <a:t>or</a:t>
             </a:r>
             <a:r>
-              <a:t> rtpMIDI</a:t>
-            </a:r>
+              <a:rPr dirty="0">
+                <a:latin typeface="맑은 고딕" panose="020B0503020000020004" pitchFamily="50" charset="-127"/>
+                <a:ea typeface="맑은 고딕" panose="020B0503020000020004" pitchFamily="50" charset="-127"/>
+              </a:rPr>
+              <a:t> </a:t>
+            </a:r>
+            <a:r>
+              <a:rPr dirty="0" err="1">
+                <a:latin typeface="맑은 고딕" panose="020B0503020000020004" pitchFamily="50" charset="-127"/>
+                <a:ea typeface="맑은 고딕" panose="020B0503020000020004" pitchFamily="50" charset="-127"/>
+              </a:rPr>
+              <a:t>rtpMIDI</a:t>
+            </a:r>
+            <a:endParaRPr dirty="0">
+              <a:latin typeface="맑은 고딕" panose="020B0503020000020004" pitchFamily="50" charset="-127"/>
+              <a:ea typeface="맑은 고딕" panose="020B0503020000020004" pitchFamily="50" charset="-127"/>
+            </a:endParaRPr>
           </a:p>
           <a:p>
             <a:pPr>
               <a:defRPr sz="2400"/>
             </a:pPr>
             <a:r>
-              <a:t>(가상의 MIDI 케이블)</a:t>
+              <a:rPr dirty="0">
+                <a:latin typeface="맑은 고딕" panose="020B0503020000020004" pitchFamily="50" charset="-127"/>
+                <a:ea typeface="맑은 고딕" panose="020B0503020000020004" pitchFamily="50" charset="-127"/>
+              </a:rPr>
+              <a:t>(</a:t>
+            </a:r>
+            <a:r>
+              <a:rPr dirty="0" err="1">
+                <a:latin typeface="맑은 고딕" panose="020B0503020000020004" pitchFamily="50" charset="-127"/>
+                <a:ea typeface="맑은 고딕" panose="020B0503020000020004" pitchFamily="50" charset="-127"/>
+              </a:rPr>
+              <a:t>가상의</a:t>
+            </a:r>
+            <a:r>
+              <a:rPr dirty="0">
+                <a:latin typeface="맑은 고딕" panose="020B0503020000020004" pitchFamily="50" charset="-127"/>
+                <a:ea typeface="맑은 고딕" panose="020B0503020000020004" pitchFamily="50" charset="-127"/>
+              </a:rPr>
+              <a:t> MIDI </a:t>
+            </a:r>
+            <a:r>
+              <a:rPr dirty="0" err="1">
+                <a:latin typeface="맑은 고딕" panose="020B0503020000020004" pitchFamily="50" charset="-127"/>
+                <a:ea typeface="맑은 고딕" panose="020B0503020000020004" pitchFamily="50" charset="-127"/>
+              </a:rPr>
+              <a:t>케이블</a:t>
+            </a:r>
+            <a:r>
+              <a:rPr dirty="0">
+                <a:latin typeface="맑은 고딕" panose="020B0503020000020004" pitchFamily="50" charset="-127"/>
+                <a:ea typeface="맑은 고딕" panose="020B0503020000020004" pitchFamily="50" charset="-127"/>
+              </a:rPr>
+              <a:t>)</a:t>
             </a:r>
           </a:p>
         </p:txBody>
@@ -3265,15 +3493,15 @@
         <p:nvCxnSpPr>
           <p:cNvPr id="124" name="Connector 124"/>
           <p:cNvCxnSpPr>
-            <a:stCxn id="120" idx="0"/>
+            <a:stCxn id="120" idx="2"/>
             <a:endCxn id="122" idx="0"/>
           </p:cNvCxnSpPr>
           <p:nvPr/>
         </p:nvCxnSpPr>
         <p:spPr>
-          <a:xfrm flipH="1">
-            <a:off x="2774949" y="4019550"/>
-            <a:ext cx="1" cy="3467100"/>
+          <a:xfrm>
+            <a:off x="2774950" y="4654550"/>
+            <a:ext cx="0" cy="2197100"/>
           </a:xfrm>
           <a:prstGeom prst="straightConnector1">
             <a:avLst/>
@@ -3289,47 +3517,64 @@
       </p:cxnSp>
       <p:cxnSp>
         <p:nvCxnSpPr>
-          <p:cNvPr id="125" name="Connector 125"/>
+          <p:cNvPr id="6" name="꺾인 연결선 5"/>
           <p:cNvCxnSpPr>
-            <a:stCxn id="121" idx="0"/>
-            <a:endCxn id="122" idx="0"/>
+            <a:stCxn id="122" idx="3"/>
+            <a:endCxn id="121" idx="2"/>
           </p:cNvCxnSpPr>
           <p:nvPr/>
         </p:nvCxnSpPr>
         <p:spPr>
-          <a:xfrm flipH="1">
-            <a:off x="2774949" y="4019550"/>
-            <a:ext cx="6623051" cy="3467100"/>
+          <a:xfrm flipV="1">
+            <a:off x="4734839" y="4654550"/>
+            <a:ext cx="4663161" cy="2832100"/>
           </a:xfrm>
-          <a:prstGeom prst="straightConnector1">
+          <a:prstGeom prst="bentConnector2">
             <a:avLst/>
           </a:prstGeom>
-          <a:ln w="25400">
+          <a:noFill/>
+          <a:ln w="25400" cap="flat">
             <a:solidFill>
               <a:srgbClr val="000000"/>
             </a:solidFill>
+            <a:prstDash val="solid"/>
             <a:miter lim="400000"/>
-            <a:headEnd type="triangle"/>
+            <a:tailEnd type="triangle"/>
           </a:ln>
+          <a:effectLst/>
+          <a:sp3d/>
         </p:spPr>
+        <p:style>
+          <a:lnRef idx="0">
+            <a:scrgbClr r="0" g="0" b="0"/>
+          </a:lnRef>
+          <a:fillRef idx="0">
+            <a:scrgbClr r="0" g="0" b="0"/>
+          </a:fillRef>
+          <a:effectRef idx="0">
+            <a:scrgbClr r="0" g="0" b="0"/>
+          </a:effectRef>
+          <a:fontRef idx="none"/>
+        </p:style>
       </p:cxnSp>
     </p:spTree>
   </p:cSld>
   <p:clrMapOvr>
     <a:masterClrMapping/>
   </p:clrMapOvr>
-  <p:transition xmlns:p14="http://schemas.microsoft.com/office/powerpoint/2010/main" spd="med" advClick="1"/>
+  <p:transition spd="med"/>
 </p:sld>
 </file>
 
 <file path=ppt/slides/slide2.xml><?xml version="1.0" encoding="utf-8"?>
-<p:sld xmlns:a="http://schemas.openxmlformats.org/drawingml/2006/main" xmlns:r="http://schemas.openxmlformats.org/officeDocument/2006/relationships" xmlns:p="http://schemas.openxmlformats.org/presentationml/2006/main" showMasterSp="1" showMasterPhAnim="1">
+<p:sld xmlns:a="http://schemas.openxmlformats.org/drawingml/2006/main" xmlns:r="http://schemas.openxmlformats.org/officeDocument/2006/relationships" xmlns:p="http://schemas.openxmlformats.org/presentationml/2006/main">
   <p:cSld>
     <p:bg>
       <p:bgPr>
         <a:solidFill>
           <a:srgbClr val="C2C2C2"/>
         </a:solidFill>
+        <a:effectLst/>
       </p:bgPr>
     </p:bg>
     <p:spTree>
@@ -3349,7 +3594,9 @@
       <p:sp>
         <p:nvSpPr>
           <p:cNvPr id="127" name="Shape 127"/>
-          <p:cNvSpPr/>
+          <p:cNvSpPr>
+            <a:spLocks noGrp="1"/>
+          </p:cNvSpPr>
           <p:nvPr>
             <p:ph type="title"/>
           </p:nvPr>
@@ -3363,8 +3610,11 @@
           <a:bodyPr/>
           <a:lstStyle/>
           <a:p>
-            <a:pPr/>
-            <a:r>
+            <a:r>
+              <a:rPr dirty="0">
+                <a:latin typeface="맑은 고딕" panose="020B0503020000020004" pitchFamily="50" charset="-127"/>
+                <a:ea typeface="맑은 고딕" panose="020B0503020000020004" pitchFamily="50" charset="-127"/>
+              </a:rPr>
               <a:t>Unity Object Hierarchy</a:t>
             </a:r>
           </a:p>
@@ -3411,7 +3661,7 @@
           <a:blip r:embed="rId3">
             <a:extLst/>
           </a:blip>
-          <a:srcRect l="5887" t="0" r="11775" b="0"/>
+          <a:srcRect l="5887" r="11775"/>
           <a:stretch>
             <a:fillRect/>
           </a:stretch>
@@ -3434,18 +3684,19 @@
   <p:clrMapOvr>
     <a:masterClrMapping/>
   </p:clrMapOvr>
-  <p:transition xmlns:p14="http://schemas.microsoft.com/office/powerpoint/2010/main" spd="med" advClick="1"/>
+  <p:transition spd="med"/>
 </p:sld>
 </file>
 
 <file path=ppt/slides/slide3.xml><?xml version="1.0" encoding="utf-8"?>
-<p:sld xmlns:a="http://schemas.openxmlformats.org/drawingml/2006/main" xmlns:r="http://schemas.openxmlformats.org/officeDocument/2006/relationships" xmlns:p="http://schemas.openxmlformats.org/presentationml/2006/main" showMasterSp="1" showMasterPhAnim="1">
+<p:sld xmlns:a="http://schemas.openxmlformats.org/drawingml/2006/main" xmlns:r="http://schemas.openxmlformats.org/officeDocument/2006/relationships" xmlns:p="http://schemas.openxmlformats.org/presentationml/2006/main">
   <p:cSld>
     <p:bg>
       <p:bgPr>
         <a:solidFill>
           <a:srgbClr val="C2C2C2"/>
         </a:solidFill>
+        <a:effectLst/>
       </p:bgPr>
     </p:bg>
     <p:spTree>
@@ -3503,7 +3754,7 @@
           <a:blip r:embed="rId3">
             <a:extLst/>
           </a:blip>
-          <a:srcRect l="525" t="0" r="701" b="810"/>
+          <a:srcRect l="525" r="701" b="810"/>
           <a:stretch>
             <a:fillRect/>
           </a:stretch>
@@ -3550,6 +3801,7 @@
             <a:pPr>
               <a:defRPr sz="2400"/>
             </a:pPr>
+            <a:endParaRPr/>
           </a:p>
         </p:txBody>
       </p:sp>
@@ -3558,12 +3810,12 @@
   <p:clrMapOvr>
     <a:masterClrMapping/>
   </p:clrMapOvr>
-  <p:transition xmlns:p14="http://schemas.microsoft.com/office/powerpoint/2010/main" spd="med" advClick="1"/>
+  <p:transition spd="med"/>
 </p:sld>
 </file>
 
 <file path=ppt/slides/slide4.xml><?xml version="1.0" encoding="utf-8"?>
-<p:sld xmlns:a="http://schemas.openxmlformats.org/drawingml/2006/main" xmlns:r="http://schemas.openxmlformats.org/officeDocument/2006/relationships" xmlns:p="http://schemas.openxmlformats.org/presentationml/2006/main" showMasterSp="1" showMasterPhAnim="1">
+<p:sld xmlns:a="http://schemas.openxmlformats.org/drawingml/2006/main" xmlns:r="http://schemas.openxmlformats.org/officeDocument/2006/relationships" xmlns:p="http://schemas.openxmlformats.org/presentationml/2006/main">
   <p:cSld>
     <p:spTree>
       <p:nvGrpSpPr>
@@ -3582,7 +3834,9 @@
       <p:sp>
         <p:nvSpPr>
           <p:cNvPr id="135" name="Shape 135"/>
-          <p:cNvSpPr/>
+          <p:cNvSpPr>
+            <a:spLocks noGrp="1"/>
+          </p:cNvSpPr>
           <p:nvPr>
             <p:ph type="title"/>
           </p:nvPr>
@@ -3596,8 +3850,11 @@
           <a:bodyPr/>
           <a:lstStyle/>
           <a:p>
-            <a:pPr/>
-            <a:r>
+            <a:r>
+              <a:rPr>
+                <a:latin typeface="맑은 고딕" panose="020B0503020000020004" pitchFamily="50" charset="-127"/>
+                <a:ea typeface="맑은 고딕" panose="020B0503020000020004" pitchFamily="50" charset="-127"/>
+              </a:rPr>
               <a:t>Velocity Recorder</a:t>
             </a:r>
           </a:p>
@@ -3606,7 +3863,9 @@
       <p:sp>
         <p:nvSpPr>
           <p:cNvPr id="136" name="Shape 136"/>
-          <p:cNvSpPr/>
+          <p:cNvSpPr>
+            <a:spLocks noGrp="1"/>
+          </p:cNvSpPr>
           <p:nvPr>
             <p:ph type="body" idx="1"/>
           </p:nvPr>
@@ -3627,6 +3886,10 @@
               <a:buNone/>
             </a:pPr>
             <a:r>
+              <a:rPr>
+                <a:latin typeface="맑은 고딕" panose="020B0503020000020004" pitchFamily="50" charset="-127"/>
+                <a:ea typeface="맑은 고딕" panose="020B0503020000020004" pitchFamily="50" charset="-127"/>
+              </a:rPr>
               <a:t>프레임이 업데이트 될 때마다 {</a:t>
             </a:r>
           </a:p>
@@ -3636,6 +3899,10 @@
               <a:buNone/>
             </a:pPr>
             <a:r>
+              <a:rPr>
+                <a:latin typeface="맑은 고딕" panose="020B0503020000020004" pitchFamily="50" charset="-127"/>
+                <a:ea typeface="맑은 고딕" panose="020B0503020000020004" pitchFamily="50" charset="-127"/>
+              </a:rPr>
               <a:t>    if(trigger Button : down) {</a:t>
             </a:r>
           </a:p>
@@ -3645,6 +3912,10 @@
               <a:buNone/>
             </a:pPr>
             <a:r>
+              <a:rPr>
+                <a:latin typeface="맑은 고딕" panose="020B0503020000020004" pitchFamily="50" charset="-127"/>
+                <a:ea typeface="맑은 고딕" panose="020B0503020000020004" pitchFamily="50" charset="-127"/>
+              </a:rPr>
               <a:t>        nowRecording = !nowRecording;</a:t>
             </a:r>
           </a:p>
@@ -3654,6 +3925,10 @@
               <a:buNone/>
             </a:pPr>
             <a:r>
+              <a:rPr>
+                <a:latin typeface="맑은 고딕" panose="020B0503020000020004" pitchFamily="50" charset="-127"/>
+                <a:ea typeface="맑은 고딕" panose="020B0503020000020004" pitchFamily="50" charset="-127"/>
+              </a:rPr>
               <a:t>        if(!nowRecording) { //레코딩이 끝나면</a:t>
             </a:r>
           </a:p>
@@ -3663,6 +3938,10 @@
               <a:buNone/>
             </a:pPr>
             <a:r>
+              <a:rPr>
+                <a:latin typeface="맑은 고딕" panose="020B0503020000020004" pitchFamily="50" charset="-127"/>
+                <a:ea typeface="맑은 고딕" panose="020B0503020000020004" pitchFamily="50" charset="-127"/>
+              </a:rPr>
               <a:t>            textbox 에 적혀 있는 이름의 파일을 만들고 records 를 파일에 씀</a:t>
             </a:r>
           </a:p>
@@ -3672,6 +3951,10 @@
               <a:buNone/>
             </a:pPr>
             <a:r>
+              <a:rPr>
+                <a:latin typeface="맑은 고딕" panose="020B0503020000020004" pitchFamily="50" charset="-127"/>
+                <a:ea typeface="맑은 고딕" panose="020B0503020000020004" pitchFamily="50" charset="-127"/>
+              </a:rPr>
               <a:t>            records 초기화</a:t>
             </a:r>
           </a:p>
@@ -3681,6 +3964,10 @@
               <a:buNone/>
             </a:pPr>
             <a:r>
+              <a:rPr>
+                <a:latin typeface="맑은 고딕" panose="020B0503020000020004" pitchFamily="50" charset="-127"/>
+                <a:ea typeface="맑은 고딕" panose="020B0503020000020004" pitchFamily="50" charset="-127"/>
+              </a:rPr>
               <a:t>        }</a:t>
             </a:r>
           </a:p>
@@ -3690,6 +3977,10 @@
               <a:buNone/>
             </a:pPr>
             <a:r>
+              <a:rPr>
+                <a:latin typeface="맑은 고딕" panose="020B0503020000020004" pitchFamily="50" charset="-127"/>
+                <a:ea typeface="맑은 고딕" panose="020B0503020000020004" pitchFamily="50" charset="-127"/>
+              </a:rPr>
               <a:t>    }</a:t>
             </a:r>
           </a:p>
@@ -3699,6 +3990,10 @@
               <a:buNone/>
             </a:pPr>
             <a:r>
+              <a:rPr>
+                <a:latin typeface="맑은 고딕" panose="020B0503020000020004" pitchFamily="50" charset="-127"/>
+                <a:ea typeface="맑은 고딕" panose="020B0503020000020004" pitchFamily="50" charset="-127"/>
+              </a:rPr>
               <a:t>    if(nowRecording) { //레코딩 중이면</a:t>
             </a:r>
           </a:p>
@@ -3708,6 +4003,10 @@
               <a:buNone/>
             </a:pPr>
             <a:r>
+              <a:rPr>
+                <a:latin typeface="맑은 고딕" panose="020B0503020000020004" pitchFamily="50" charset="-127"/>
+                <a:ea typeface="맑은 고딕" panose="020B0503020000020004" pitchFamily="50" charset="-127"/>
+              </a:rPr>
               <a:t>        records += 컨트롤러 위치, 컨트롤러가 가리키는 방향의 단위벡터, 컨트롤러 속도벡터, 컨트롤러 각속도 벡터</a:t>
             </a:r>
           </a:p>
@@ -3717,6 +4016,10 @@
               <a:buNone/>
             </a:pPr>
             <a:r>
+              <a:rPr>
+                <a:latin typeface="맑은 고딕" panose="020B0503020000020004" pitchFamily="50" charset="-127"/>
+                <a:ea typeface="맑은 고딕" panose="020B0503020000020004" pitchFamily="50" charset="-127"/>
+              </a:rPr>
               <a:t>    }</a:t>
             </a:r>
           </a:p>
@@ -3726,6 +4029,10 @@
               <a:buNone/>
             </a:pPr>
             <a:r>
+              <a:rPr>
+                <a:latin typeface="맑은 고딕" panose="020B0503020000020004" pitchFamily="50" charset="-127"/>
+                <a:ea typeface="맑은 고딕" panose="020B0503020000020004" pitchFamily="50" charset="-127"/>
+              </a:rPr>
               <a:t>}</a:t>
             </a:r>
           </a:p>
@@ -3736,12 +4043,12 @@
   <p:clrMapOvr>
     <a:masterClrMapping/>
   </p:clrMapOvr>
-  <p:transition xmlns:p14="http://schemas.microsoft.com/office/powerpoint/2010/main" spd="med" advClick="1"/>
+  <p:transition spd="med"/>
 </p:sld>
 </file>
 
 <file path=ppt/slides/slide5.xml><?xml version="1.0" encoding="utf-8"?>
-<p:sld xmlns:a="http://schemas.openxmlformats.org/drawingml/2006/main" xmlns:r="http://schemas.openxmlformats.org/officeDocument/2006/relationships" xmlns:p="http://schemas.openxmlformats.org/presentationml/2006/main" showMasterSp="1" showMasterPhAnim="1">
+<p:sld xmlns:a="http://schemas.openxmlformats.org/drawingml/2006/main" xmlns:r="http://schemas.openxmlformats.org/officeDocument/2006/relationships" xmlns:p="http://schemas.openxmlformats.org/presentationml/2006/main">
   <p:cSld>
     <p:spTree>
       <p:nvGrpSpPr>
@@ -3760,7 +4067,9 @@
       <p:sp>
         <p:nvSpPr>
           <p:cNvPr id="138" name="Shape 138"/>
-          <p:cNvSpPr/>
+          <p:cNvSpPr>
+            <a:spLocks noGrp="1"/>
+          </p:cNvSpPr>
           <p:nvPr>
             <p:ph type="title"/>
           </p:nvPr>
@@ -3774,8 +4083,11 @@
           <a:bodyPr/>
           <a:lstStyle/>
           <a:p>
-            <a:pPr/>
-            <a:r>
+            <a:r>
+              <a:rPr dirty="0">
+                <a:latin typeface="맑은 고딕" panose="020B0503020000020004" pitchFamily="50" charset="-127"/>
+                <a:ea typeface="맑은 고딕" panose="020B0503020000020004" pitchFamily="50" charset="-127"/>
+              </a:rPr>
               <a:t>Headset Follower</a:t>
             </a:r>
           </a:p>
@@ -3784,22 +4096,24 @@
       <p:sp>
         <p:nvSpPr>
           <p:cNvPr id="139" name="Shape 139"/>
-          <p:cNvSpPr/>
+          <p:cNvSpPr>
+            <a:spLocks noGrp="1"/>
+          </p:cNvSpPr>
           <p:nvPr>
             <p:ph type="body" idx="1"/>
           </p:nvPr>
         </p:nvSpPr>
         <p:spPr>
           <a:xfrm>
-            <a:off x="139700" y="2603500"/>
-            <a:ext cx="12725400" cy="6286500"/>
+            <a:off x="101600" y="2603500"/>
+            <a:ext cx="12801600" cy="5926725"/>
           </a:xfrm>
           <a:prstGeom prst="rect">
             <a:avLst/>
           </a:prstGeom>
         </p:spPr>
         <p:txBody>
-          <a:bodyPr numCol="2" spcCol="636270" anchor="t">
+          <a:bodyPr numCol="2" spcCol="468000" anchor="t">
             <a:noAutofit/>
           </a:bodyPr>
           <a:lstStyle/>
@@ -3809,7 +4123,46 @@
               <a:buNone/>
             </a:pPr>
             <a:r>
-              <a:t>프레임이 업데이트 될 때마다 {</a:t>
+              <a:rPr sz="1800" dirty="0" err="1">
+                <a:latin typeface="맑은 고딕" panose="020B0503020000020004" pitchFamily="50" charset="-127"/>
+                <a:ea typeface="맑은 고딕" panose="020B0503020000020004" pitchFamily="50" charset="-127"/>
+              </a:rPr>
+              <a:t>프레임이</a:t>
+            </a:r>
+            <a:r>
+              <a:rPr sz="1800" dirty="0">
+                <a:latin typeface="맑은 고딕" panose="020B0503020000020004" pitchFamily="50" charset="-127"/>
+                <a:ea typeface="맑은 고딕" panose="020B0503020000020004" pitchFamily="50" charset="-127"/>
+              </a:rPr>
+              <a:t> </a:t>
+            </a:r>
+            <a:r>
+              <a:rPr sz="1800" dirty="0" err="1">
+                <a:latin typeface="맑은 고딕" panose="020B0503020000020004" pitchFamily="50" charset="-127"/>
+                <a:ea typeface="맑은 고딕" panose="020B0503020000020004" pitchFamily="50" charset="-127"/>
+              </a:rPr>
+              <a:t>업데이트</a:t>
+            </a:r>
+            <a:r>
+              <a:rPr sz="1800" dirty="0">
+                <a:latin typeface="맑은 고딕" panose="020B0503020000020004" pitchFamily="50" charset="-127"/>
+                <a:ea typeface="맑은 고딕" panose="020B0503020000020004" pitchFamily="50" charset="-127"/>
+              </a:rPr>
+              <a:t> 될 </a:t>
+            </a:r>
+            <a:r>
+              <a:rPr sz="1800" dirty="0" err="1">
+                <a:latin typeface="맑은 고딕" panose="020B0503020000020004" pitchFamily="50" charset="-127"/>
+                <a:ea typeface="맑은 고딕" panose="020B0503020000020004" pitchFamily="50" charset="-127"/>
+              </a:rPr>
+              <a:t>때마다</a:t>
+            </a:r>
+            <a:r>
+              <a:rPr sz="1800" dirty="0">
+                <a:latin typeface="맑은 고딕" panose="020B0503020000020004" pitchFamily="50" charset="-127"/>
+                <a:ea typeface="맑은 고딕" panose="020B0503020000020004" pitchFamily="50" charset="-127"/>
+              </a:rPr>
+              <a:t> {</a:t>
             </a:r>
           </a:p>
           <a:p>
@@ -3818,7 +4171,25 @@
               <a:buNone/>
             </a:pPr>
             <a:r>
-              <a:t>    if (gripButton : Down) {</a:t>
+              <a:rPr sz="1800" dirty="0">
+                <a:latin typeface="맑은 고딕" panose="020B0503020000020004" pitchFamily="50" charset="-127"/>
+                <a:ea typeface="맑은 고딕" panose="020B0503020000020004" pitchFamily="50" charset="-127"/>
+              </a:rPr>
+              <a:t>    if (</a:t>
+            </a:r>
+            <a:r>
+              <a:rPr sz="1800" dirty="0" err="1">
+                <a:latin typeface="맑은 고딕" panose="020B0503020000020004" pitchFamily="50" charset="-127"/>
+                <a:ea typeface="맑은 고딕" panose="020B0503020000020004" pitchFamily="50" charset="-127"/>
+              </a:rPr>
+              <a:t>gripButton</a:t>
+            </a:r>
+            <a:r>
+              <a:rPr sz="1800" dirty="0">
+                <a:latin typeface="맑은 고딕" panose="020B0503020000020004" pitchFamily="50" charset="-127"/>
+                <a:ea typeface="맑은 고딕" panose="020B0503020000020004" pitchFamily="50" charset="-127"/>
+              </a:rPr>
+              <a:t> : Down) {</a:t>
             </a:r>
           </a:p>
           <a:p>
@@ -3827,7 +4198,39 @@
               <a:buNone/>
             </a:pPr>
             <a:r>
-              <a:t>        lookingAt = !lookingAt;</a:t>
+              <a:rPr sz="1800" dirty="0">
+                <a:latin typeface="맑은 고딕" panose="020B0503020000020004" pitchFamily="50" charset="-127"/>
+                <a:ea typeface="맑은 고딕" panose="020B0503020000020004" pitchFamily="50" charset="-127"/>
+              </a:rPr>
+              <a:t>        </a:t>
+            </a:r>
+            <a:r>
+              <a:rPr sz="1800" dirty="0" err="1">
+                <a:latin typeface="맑은 고딕" panose="020B0503020000020004" pitchFamily="50" charset="-127"/>
+                <a:ea typeface="맑은 고딕" panose="020B0503020000020004" pitchFamily="50" charset="-127"/>
+              </a:rPr>
+              <a:t>lookingAt</a:t>
+            </a:r>
+            <a:r>
+              <a:rPr sz="1800" dirty="0">
+                <a:latin typeface="맑은 고딕" panose="020B0503020000020004" pitchFamily="50" charset="-127"/>
+                <a:ea typeface="맑은 고딕" panose="020B0503020000020004" pitchFamily="50" charset="-127"/>
+              </a:rPr>
+              <a:t> = !</a:t>
+            </a:r>
+            <a:r>
+              <a:rPr sz="1800" dirty="0" err="1">
+                <a:latin typeface="맑은 고딕" panose="020B0503020000020004" pitchFamily="50" charset="-127"/>
+                <a:ea typeface="맑은 고딕" panose="020B0503020000020004" pitchFamily="50" charset="-127"/>
+              </a:rPr>
+              <a:t>lookingAt</a:t>
+            </a:r>
+            <a:r>
+              <a:rPr sz="1800" dirty="0">
+                <a:latin typeface="맑은 고딕" panose="020B0503020000020004" pitchFamily="50" charset="-127"/>
+                <a:ea typeface="맑은 고딕" panose="020B0503020000020004" pitchFamily="50" charset="-127"/>
+              </a:rPr>
+              <a:t>;</a:t>
             </a:r>
           </a:p>
           <a:p>
@@ -3836,8 +4239,51 @@
               <a:buNone/>
             </a:pPr>
             <a:r>
-              <a:t>        if(lookingAt) { //팔로우 시작</a:t>
-            </a:r>
+              <a:rPr sz="1800" dirty="0" smtClean="0">
+                <a:latin typeface="맑은 고딕" panose="020B0503020000020004" pitchFamily="50" charset="-127"/>
+                <a:ea typeface="맑은 고딕" panose="020B0503020000020004" pitchFamily="50" charset="-127"/>
+              </a:rPr>
+              <a:t>        if(</a:t>
+            </a:r>
+            <a:r>
+              <a:rPr sz="1800" dirty="0" err="1" smtClean="0">
+                <a:latin typeface="맑은 고딕" panose="020B0503020000020004" pitchFamily="50" charset="-127"/>
+                <a:ea typeface="맑은 고딕" panose="020B0503020000020004" pitchFamily="50" charset="-127"/>
+              </a:rPr>
+              <a:t>lookingAt</a:t>
+            </a:r>
+            <a:r>
+              <a:rPr sz="1800" dirty="0" smtClean="0">
+                <a:latin typeface="맑은 고딕" panose="020B0503020000020004" pitchFamily="50" charset="-127"/>
+                <a:ea typeface="맑은 고딕" panose="020B0503020000020004" pitchFamily="50" charset="-127"/>
+              </a:rPr>
+              <a:t>) { //</a:t>
+            </a:r>
+            <a:r>
+              <a:rPr sz="1800" dirty="0" err="1" smtClean="0">
+                <a:latin typeface="맑은 고딕" panose="020B0503020000020004" pitchFamily="50" charset="-127"/>
+                <a:ea typeface="맑은 고딕" panose="020B0503020000020004" pitchFamily="50" charset="-127"/>
+              </a:rPr>
+              <a:t>팔로우</a:t>
+            </a:r>
+            <a:r>
+              <a:rPr sz="1800" dirty="0" smtClean="0">
+                <a:latin typeface="맑은 고딕" panose="020B0503020000020004" pitchFamily="50" charset="-127"/>
+                <a:ea typeface="맑은 고딕" panose="020B0503020000020004" pitchFamily="50" charset="-127"/>
+              </a:rPr>
+              <a:t> </a:t>
+            </a:r>
+            <a:r>
+              <a:rPr sz="1800" dirty="0" err="1" smtClean="0">
+                <a:latin typeface="맑은 고딕" panose="020B0503020000020004" pitchFamily="50" charset="-127"/>
+                <a:ea typeface="맑은 고딕" panose="020B0503020000020004" pitchFamily="50" charset="-127"/>
+              </a:rPr>
+              <a:t>시작</a:t>
+            </a:r>
+            <a:endParaRPr sz="1800" dirty="0" smtClean="0">
+              <a:latin typeface="맑은 고딕" panose="020B0503020000020004" pitchFamily="50" charset="-127"/>
+              <a:ea typeface="맑은 고딕" panose="020B0503020000020004" pitchFamily="50" charset="-127"/>
+            </a:endParaRPr>
           </a:p>
           <a:p>
             <a:pPr marL="0" indent="0">
@@ -3845,12 +4291,135 @@
               <a:buNone/>
             </a:pPr>
             <a:r>
-              <a:t>            </a:t>
-            </a:r>
-            <a:r>
-              <a:rPr spc="-38"/>
-              <a:t>distance = 헤드셋과 드럼 사이의 y축(높이)를 제외한 거리</a:t>
-            </a:r>
+              <a:rPr sz="1800" spc="-150" dirty="0" smtClean="0">
+                <a:latin typeface="맑은 고딕" panose="020B0503020000020004" pitchFamily="50" charset="-127"/>
+                <a:ea typeface="맑은 고딕" panose="020B0503020000020004" pitchFamily="50" charset="-127"/>
+              </a:rPr>
+              <a:t>      </a:t>
+            </a:r>
+            <a:r>
+              <a:rPr lang="en-US" sz="1800" spc="-150" dirty="0" smtClean="0">
+                <a:latin typeface="맑은 고딕" panose="020B0503020000020004" pitchFamily="50" charset="-127"/>
+                <a:ea typeface="맑은 고딕" panose="020B0503020000020004" pitchFamily="50" charset="-127"/>
+              </a:rPr>
+              <a:t>  </a:t>
+            </a:r>
+            <a:r>
+              <a:rPr sz="1800" spc="-150" dirty="0" smtClean="0">
+                <a:latin typeface="맑은 고딕" panose="020B0503020000020004" pitchFamily="50" charset="-127"/>
+                <a:ea typeface="맑은 고딕" panose="020B0503020000020004" pitchFamily="50" charset="-127"/>
+              </a:rPr>
+              <a:t>     </a:t>
+            </a:r>
+            <a:r>
+              <a:rPr lang="en-US" sz="1800" spc="-150" dirty="0" smtClean="0">
+                <a:latin typeface="맑은 고딕" panose="020B0503020000020004" pitchFamily="50" charset="-127"/>
+                <a:ea typeface="맑은 고딕" panose="020B0503020000020004" pitchFamily="50" charset="-127"/>
+              </a:rPr>
+              <a:t> </a:t>
+            </a:r>
+            <a:r>
+              <a:rPr sz="1800" spc="-150" dirty="0" smtClean="0">
+                <a:latin typeface="맑은 고딕" panose="020B0503020000020004" pitchFamily="50" charset="-127"/>
+                <a:ea typeface="맑은 고딕" panose="020B0503020000020004" pitchFamily="50" charset="-127"/>
+              </a:rPr>
+              <a:t>distance = </a:t>
+            </a:r>
+            <a:r>
+              <a:rPr sz="1800" spc="-150" dirty="0" err="1" smtClean="0">
+                <a:latin typeface="맑은 고딕" panose="020B0503020000020004" pitchFamily="50" charset="-127"/>
+                <a:ea typeface="맑은 고딕" panose="020B0503020000020004" pitchFamily="50" charset="-127"/>
+              </a:rPr>
+              <a:t>헤드셋과</a:t>
+            </a:r>
+            <a:r>
+              <a:rPr sz="1800" spc="-150" dirty="0" smtClean="0">
+                <a:latin typeface="맑은 고딕" panose="020B0503020000020004" pitchFamily="50" charset="-127"/>
+                <a:ea typeface="맑은 고딕" panose="020B0503020000020004" pitchFamily="50" charset="-127"/>
+              </a:rPr>
+              <a:t> </a:t>
+            </a:r>
+            <a:r>
+              <a:rPr sz="1800" spc="-150" dirty="0" err="1" smtClean="0">
+                <a:latin typeface="맑은 고딕" panose="020B0503020000020004" pitchFamily="50" charset="-127"/>
+                <a:ea typeface="맑은 고딕" panose="020B0503020000020004" pitchFamily="50" charset="-127"/>
+              </a:rPr>
+              <a:t>드럼</a:t>
+            </a:r>
+            <a:r>
+              <a:rPr sz="1800" spc="-150" dirty="0" smtClean="0">
+                <a:latin typeface="맑은 고딕" panose="020B0503020000020004" pitchFamily="50" charset="-127"/>
+                <a:ea typeface="맑은 고딕" panose="020B0503020000020004" pitchFamily="50" charset="-127"/>
+              </a:rPr>
+              <a:t> </a:t>
+            </a:r>
+            <a:r>
+              <a:rPr sz="1800" spc="-150" dirty="0" err="1" smtClean="0">
+                <a:latin typeface="맑은 고딕" panose="020B0503020000020004" pitchFamily="50" charset="-127"/>
+                <a:ea typeface="맑은 고딕" panose="020B0503020000020004" pitchFamily="50" charset="-127"/>
+              </a:rPr>
+              <a:t>사이의</a:t>
+            </a:r>
+            <a:r>
+              <a:rPr sz="1800" spc="-150" dirty="0" smtClean="0">
+                <a:latin typeface="맑은 고딕" panose="020B0503020000020004" pitchFamily="50" charset="-127"/>
+                <a:ea typeface="맑은 고딕" panose="020B0503020000020004" pitchFamily="50" charset="-127"/>
+              </a:rPr>
+              <a:t> </a:t>
+            </a:r>
+            <a:r>
+              <a:rPr sz="1800" spc="-150" dirty="0" err="1" smtClean="0">
+                <a:latin typeface="맑은 고딕" panose="020B0503020000020004" pitchFamily="50" charset="-127"/>
+                <a:ea typeface="맑은 고딕" panose="020B0503020000020004" pitchFamily="50" charset="-127"/>
+              </a:rPr>
+              <a:t>y축</a:t>
+            </a:r>
+            <a:r>
+              <a:rPr sz="1800" spc="-150" dirty="0" smtClean="0">
+                <a:latin typeface="맑은 고딕" panose="020B0503020000020004" pitchFamily="50" charset="-127"/>
+                <a:ea typeface="맑은 고딕" panose="020B0503020000020004" pitchFamily="50" charset="-127"/>
+              </a:rPr>
+              <a:t>(</a:t>
+            </a:r>
+            <a:r>
+              <a:rPr sz="1800" spc="-150" dirty="0" err="1" smtClean="0">
+                <a:latin typeface="맑은 고딕" panose="020B0503020000020004" pitchFamily="50" charset="-127"/>
+                <a:ea typeface="맑은 고딕" panose="020B0503020000020004" pitchFamily="50" charset="-127"/>
+              </a:rPr>
+              <a:t>높이</a:t>
+            </a:r>
+            <a:r>
+              <a:rPr sz="1800" spc="-150" dirty="0" smtClean="0">
+                <a:latin typeface="맑은 고딕" panose="020B0503020000020004" pitchFamily="50" charset="-127"/>
+                <a:ea typeface="맑은 고딕" panose="020B0503020000020004" pitchFamily="50" charset="-127"/>
+              </a:rPr>
+              <a:t>)를 </a:t>
+            </a:r>
+            <a:r>
+              <a:rPr sz="1800" spc="-150" dirty="0" err="1" smtClean="0">
+                <a:latin typeface="맑은 고딕" panose="020B0503020000020004" pitchFamily="50" charset="-127"/>
+                <a:ea typeface="맑은 고딕" panose="020B0503020000020004" pitchFamily="50" charset="-127"/>
+              </a:rPr>
+              <a:t>제외한</a:t>
+            </a:r>
+            <a:r>
+              <a:rPr sz="1800" spc="-150" dirty="0" smtClean="0">
+                <a:latin typeface="맑은 고딕" panose="020B0503020000020004" pitchFamily="50" charset="-127"/>
+                <a:ea typeface="맑은 고딕" panose="020B0503020000020004" pitchFamily="50" charset="-127"/>
+              </a:rPr>
+              <a:t> </a:t>
+            </a:r>
+            <a:r>
+              <a:rPr sz="1800" spc="-150" dirty="0" err="1" smtClean="0">
+                <a:latin typeface="맑은 고딕" panose="020B0503020000020004" pitchFamily="50" charset="-127"/>
+                <a:ea typeface="맑은 고딕" panose="020B0503020000020004" pitchFamily="50" charset="-127"/>
+              </a:rPr>
+              <a:t>거리</a:t>
+            </a:r>
+            <a:endParaRPr sz="1800" spc="-150" dirty="0" smtClean="0">
+              <a:latin typeface="맑은 고딕" panose="020B0503020000020004" pitchFamily="50" charset="-127"/>
+              <a:ea typeface="맑은 고딕" panose="020B0503020000020004" pitchFamily="50" charset="-127"/>
+            </a:endParaRPr>
           </a:p>
           <a:p>
             <a:pPr marL="0" indent="0">
@@ -3858,6 +4427,10 @@
               <a:buNone/>
             </a:pPr>
             <a:r>
+              <a:rPr sz="1800" dirty="0" smtClean="0">
+                <a:latin typeface="맑은 고딕" panose="020B0503020000020004" pitchFamily="50" charset="-127"/>
+                <a:ea typeface="맑은 고딕" panose="020B0503020000020004" pitchFamily="50" charset="-127"/>
+              </a:rPr>
               <a:t>        }</a:t>
             </a:r>
           </a:p>
@@ -3867,7 +4440,18 @@
               <a:buNone/>
             </a:pPr>
             <a:r>
-              <a:t>    }</a:t>
+              <a:rPr sz="1800" dirty="0" smtClean="0">
+                <a:latin typeface="맑은 고딕" panose="020B0503020000020004" pitchFamily="50" charset="-127"/>
+                <a:ea typeface="맑은 고딕" panose="020B0503020000020004" pitchFamily="50" charset="-127"/>
+              </a:rPr>
+              <a:t>    </a:t>
+            </a:r>
+            <a:r>
+              <a:rPr sz="1800" dirty="0">
+                <a:latin typeface="맑은 고딕" panose="020B0503020000020004" pitchFamily="50" charset="-127"/>
+                <a:ea typeface="맑은 고딕" panose="020B0503020000020004" pitchFamily="50" charset="-127"/>
+              </a:rPr>
+              <a:t>}</a:t>
             </a:r>
           </a:p>
           <a:p>
@@ -3875,6 +4459,10 @@
               <a:buSzTx/>
               <a:buNone/>
             </a:pPr>
+            <a:endParaRPr sz="1800" dirty="0">
+              <a:latin typeface="맑은 고딕" panose="020B0503020000020004" pitchFamily="50" charset="-127"/>
+              <a:ea typeface="맑은 고딕" panose="020B0503020000020004" pitchFamily="50" charset="-127"/>
+            </a:endParaRPr>
           </a:p>
           <a:p>
             <a:pPr marL="0" indent="0">
@@ -3882,7 +4470,25 @@
               <a:buNone/>
             </a:pPr>
             <a:r>
-              <a:t>    if(padButton : Down) {</a:t>
+              <a:rPr sz="1800" dirty="0">
+                <a:latin typeface="맑은 고딕" panose="020B0503020000020004" pitchFamily="50" charset="-127"/>
+                <a:ea typeface="맑은 고딕" panose="020B0503020000020004" pitchFamily="50" charset="-127"/>
+              </a:rPr>
+              <a:t>    if(</a:t>
+            </a:r>
+            <a:r>
+              <a:rPr sz="1800" dirty="0" err="1">
+                <a:latin typeface="맑은 고딕" panose="020B0503020000020004" pitchFamily="50" charset="-127"/>
+                <a:ea typeface="맑은 고딕" panose="020B0503020000020004" pitchFamily="50" charset="-127"/>
+              </a:rPr>
+              <a:t>padButton</a:t>
+            </a:r>
+            <a:r>
+              <a:rPr sz="1800" dirty="0">
+                <a:latin typeface="맑은 고딕" panose="020B0503020000020004" pitchFamily="50" charset="-127"/>
+                <a:ea typeface="맑은 고딕" panose="020B0503020000020004" pitchFamily="50" charset="-127"/>
+              </a:rPr>
+              <a:t> : Down) {</a:t>
             </a:r>
           </a:p>
           <a:p>
@@ -3891,7 +4497,81 @@
               <a:buNone/>
             </a:pPr>
             <a:r>
-              <a:t>        if(pad를 누른 손가락 위치가 아랫쪽이면)</a:t>
+              <a:rPr sz="1800" dirty="0">
+                <a:latin typeface="맑은 고딕" panose="020B0503020000020004" pitchFamily="50" charset="-127"/>
+                <a:ea typeface="맑은 고딕" panose="020B0503020000020004" pitchFamily="50" charset="-127"/>
+              </a:rPr>
+              <a:t>        if(</a:t>
+            </a:r>
+            <a:r>
+              <a:rPr sz="1800" dirty="0" err="1">
+                <a:latin typeface="맑은 고딕" panose="020B0503020000020004" pitchFamily="50" charset="-127"/>
+                <a:ea typeface="맑은 고딕" panose="020B0503020000020004" pitchFamily="50" charset="-127"/>
+              </a:rPr>
+              <a:t>pad를</a:t>
+            </a:r>
+            <a:r>
+              <a:rPr sz="1800" dirty="0">
+                <a:latin typeface="맑은 고딕" panose="020B0503020000020004" pitchFamily="50" charset="-127"/>
+                <a:ea typeface="맑은 고딕" panose="020B0503020000020004" pitchFamily="50" charset="-127"/>
+              </a:rPr>
+              <a:t> </a:t>
+            </a:r>
+            <a:r>
+              <a:rPr sz="1800" dirty="0" err="1">
+                <a:latin typeface="맑은 고딕" panose="020B0503020000020004" pitchFamily="50" charset="-127"/>
+                <a:ea typeface="맑은 고딕" panose="020B0503020000020004" pitchFamily="50" charset="-127"/>
+              </a:rPr>
+              <a:t>누른</a:t>
+            </a:r>
+            <a:r>
+              <a:rPr sz="1800" dirty="0">
+                <a:latin typeface="맑은 고딕" panose="020B0503020000020004" pitchFamily="50" charset="-127"/>
+                <a:ea typeface="맑은 고딕" panose="020B0503020000020004" pitchFamily="50" charset="-127"/>
+              </a:rPr>
+              <a:t> </a:t>
+            </a:r>
+            <a:r>
+              <a:rPr sz="1800" dirty="0" err="1">
+                <a:latin typeface="맑은 고딕" panose="020B0503020000020004" pitchFamily="50" charset="-127"/>
+                <a:ea typeface="맑은 고딕" panose="020B0503020000020004" pitchFamily="50" charset="-127"/>
+              </a:rPr>
+              <a:t>손가락</a:t>
+            </a:r>
+            <a:r>
+              <a:rPr sz="1800" dirty="0">
+                <a:latin typeface="맑은 고딕" panose="020B0503020000020004" pitchFamily="50" charset="-127"/>
+                <a:ea typeface="맑은 고딕" panose="020B0503020000020004" pitchFamily="50" charset="-127"/>
+              </a:rPr>
+              <a:t> </a:t>
+            </a:r>
+            <a:r>
+              <a:rPr sz="1800" dirty="0" err="1">
+                <a:latin typeface="맑은 고딕" panose="020B0503020000020004" pitchFamily="50" charset="-127"/>
+                <a:ea typeface="맑은 고딕" panose="020B0503020000020004" pitchFamily="50" charset="-127"/>
+              </a:rPr>
+              <a:t>위치가</a:t>
+            </a:r>
+            <a:r>
+              <a:rPr sz="1800" dirty="0">
+                <a:latin typeface="맑은 고딕" panose="020B0503020000020004" pitchFamily="50" charset="-127"/>
+                <a:ea typeface="맑은 고딕" panose="020B0503020000020004" pitchFamily="50" charset="-127"/>
+              </a:rPr>
+              <a:t> </a:t>
+            </a:r>
+            <a:r>
+              <a:rPr sz="1800" dirty="0" err="1">
+                <a:latin typeface="맑은 고딕" panose="020B0503020000020004" pitchFamily="50" charset="-127"/>
+                <a:ea typeface="맑은 고딕" panose="020B0503020000020004" pitchFamily="50" charset="-127"/>
+              </a:rPr>
+              <a:t>아랫쪽이면</a:t>
+            </a:r>
+            <a:r>
+              <a:rPr sz="1800" dirty="0">
+                <a:latin typeface="맑은 고딕" panose="020B0503020000020004" pitchFamily="50" charset="-127"/>
+                <a:ea typeface="맑은 고딕" panose="020B0503020000020004" pitchFamily="50" charset="-127"/>
+              </a:rPr>
+              <a:t>)</a:t>
             </a:r>
           </a:p>
           <a:p>
@@ -3900,8 +4580,23 @@
               <a:buNone/>
             </a:pPr>
             <a:r>
-              <a:t>            distance 감소</a:t>
-            </a:r>
+              <a:rPr sz="1800" dirty="0">
+                <a:latin typeface="맑은 고딕" panose="020B0503020000020004" pitchFamily="50" charset="-127"/>
+                <a:ea typeface="맑은 고딕" panose="020B0503020000020004" pitchFamily="50" charset="-127"/>
+              </a:rPr>
+              <a:t>            distance </a:t>
+            </a:r>
+            <a:r>
+              <a:rPr sz="1800" dirty="0" err="1">
+                <a:latin typeface="맑은 고딕" panose="020B0503020000020004" pitchFamily="50" charset="-127"/>
+                <a:ea typeface="맑은 고딕" panose="020B0503020000020004" pitchFamily="50" charset="-127"/>
+              </a:rPr>
+              <a:t>감소</a:t>
+            </a:r>
+            <a:endParaRPr sz="1800" dirty="0">
+              <a:latin typeface="맑은 고딕" panose="020B0503020000020004" pitchFamily="50" charset="-127"/>
+              <a:ea typeface="맑은 고딕" panose="020B0503020000020004" pitchFamily="50" charset="-127"/>
+            </a:endParaRPr>
           </a:p>
           <a:p>
             <a:pPr marL="0" indent="0">
@@ -3909,8 +4604,23 @@
               <a:buNone/>
             </a:pPr>
             <a:r>
-              <a:t>        else //윗쪽이면</a:t>
-            </a:r>
+              <a:rPr sz="1800" dirty="0">
+                <a:latin typeface="맑은 고딕" panose="020B0503020000020004" pitchFamily="50" charset="-127"/>
+                <a:ea typeface="맑은 고딕" panose="020B0503020000020004" pitchFamily="50" charset="-127"/>
+              </a:rPr>
+              <a:t>        else //</a:t>
+            </a:r>
+            <a:r>
+              <a:rPr sz="1800" dirty="0" err="1">
+                <a:latin typeface="맑은 고딕" panose="020B0503020000020004" pitchFamily="50" charset="-127"/>
+                <a:ea typeface="맑은 고딕" panose="020B0503020000020004" pitchFamily="50" charset="-127"/>
+              </a:rPr>
+              <a:t>윗쪽이면</a:t>
+            </a:r>
+            <a:endParaRPr sz="1800" dirty="0">
+              <a:latin typeface="맑은 고딕" panose="020B0503020000020004" pitchFamily="50" charset="-127"/>
+              <a:ea typeface="맑은 고딕" panose="020B0503020000020004" pitchFamily="50" charset="-127"/>
+            </a:endParaRPr>
           </a:p>
           <a:p>
             <a:pPr marL="0" indent="0">
@@ -3918,8 +4628,23 @@
               <a:buNone/>
             </a:pPr>
             <a:r>
-              <a:t>            distance 증가</a:t>
-            </a:r>
+              <a:rPr sz="1800" dirty="0">
+                <a:latin typeface="맑은 고딕" panose="020B0503020000020004" pitchFamily="50" charset="-127"/>
+                <a:ea typeface="맑은 고딕" panose="020B0503020000020004" pitchFamily="50" charset="-127"/>
+              </a:rPr>
+              <a:t>            distance </a:t>
+            </a:r>
+            <a:r>
+              <a:rPr sz="1800" dirty="0" err="1">
+                <a:latin typeface="맑은 고딕" panose="020B0503020000020004" pitchFamily="50" charset="-127"/>
+                <a:ea typeface="맑은 고딕" panose="020B0503020000020004" pitchFamily="50" charset="-127"/>
+              </a:rPr>
+              <a:t>증가</a:t>
+            </a:r>
+            <a:endParaRPr sz="1800" dirty="0">
+              <a:latin typeface="맑은 고딕" panose="020B0503020000020004" pitchFamily="50" charset="-127"/>
+              <a:ea typeface="맑은 고딕" panose="020B0503020000020004" pitchFamily="50" charset="-127"/>
+            </a:endParaRPr>
           </a:p>
           <a:p>
             <a:pPr marL="0" indent="0">
@@ -3927,6 +4652,10 @@
               <a:buNone/>
             </a:pPr>
             <a:r>
+              <a:rPr sz="1800" dirty="0">
+                <a:latin typeface="맑은 고딕" panose="020B0503020000020004" pitchFamily="50" charset="-127"/>
+                <a:ea typeface="맑은 고딕" panose="020B0503020000020004" pitchFamily="50" charset="-127"/>
+              </a:rPr>
               <a:t>    }</a:t>
             </a:r>
           </a:p>
@@ -3936,8 +4665,51 @@
               <a:buNone/>
             </a:pPr>
             <a:r>
-              <a:t>    if(lookingAt) { // 팔로우하고 있으면</a:t>
-            </a:r>
+              <a:rPr sz="1800" dirty="0">
+                <a:latin typeface="맑은 고딕" panose="020B0503020000020004" pitchFamily="50" charset="-127"/>
+                <a:ea typeface="맑은 고딕" panose="020B0503020000020004" pitchFamily="50" charset="-127"/>
+              </a:rPr>
+              <a:t>    if(</a:t>
+            </a:r>
+            <a:r>
+              <a:rPr sz="1800" dirty="0" err="1">
+                <a:latin typeface="맑은 고딕" panose="020B0503020000020004" pitchFamily="50" charset="-127"/>
+                <a:ea typeface="맑은 고딕" panose="020B0503020000020004" pitchFamily="50" charset="-127"/>
+              </a:rPr>
+              <a:t>lookingAt</a:t>
+            </a:r>
+            <a:r>
+              <a:rPr sz="1800" dirty="0">
+                <a:latin typeface="맑은 고딕" panose="020B0503020000020004" pitchFamily="50" charset="-127"/>
+                <a:ea typeface="맑은 고딕" panose="020B0503020000020004" pitchFamily="50" charset="-127"/>
+              </a:rPr>
+              <a:t>) { // </a:t>
+            </a:r>
+            <a:r>
+              <a:rPr sz="1800" dirty="0" err="1">
+                <a:latin typeface="맑은 고딕" panose="020B0503020000020004" pitchFamily="50" charset="-127"/>
+                <a:ea typeface="맑은 고딕" panose="020B0503020000020004" pitchFamily="50" charset="-127"/>
+              </a:rPr>
+              <a:t>팔로우하고</a:t>
+            </a:r>
+            <a:r>
+              <a:rPr sz="1800" dirty="0">
+                <a:latin typeface="맑은 고딕" panose="020B0503020000020004" pitchFamily="50" charset="-127"/>
+                <a:ea typeface="맑은 고딕" panose="020B0503020000020004" pitchFamily="50" charset="-127"/>
+              </a:rPr>
+              <a:t> </a:t>
+            </a:r>
+            <a:r>
+              <a:rPr sz="1800" dirty="0" err="1">
+                <a:latin typeface="맑은 고딕" panose="020B0503020000020004" pitchFamily="50" charset="-127"/>
+                <a:ea typeface="맑은 고딕" panose="020B0503020000020004" pitchFamily="50" charset="-127"/>
+              </a:rPr>
+              <a:t>있으면</a:t>
+            </a:r>
+            <a:endParaRPr sz="1800" dirty="0">
+              <a:latin typeface="맑은 고딕" panose="020B0503020000020004" pitchFamily="50" charset="-127"/>
+              <a:ea typeface="맑은 고딕" panose="020B0503020000020004" pitchFamily="50" charset="-127"/>
+            </a:endParaRPr>
           </a:p>
           <a:p>
             <a:pPr marL="0" indent="0">
@@ -3945,8 +4717,121 @@
               <a:buNone/>
             </a:pPr>
             <a:r>
-              <a:t>        //드럼 위치와 헤드셋 위치는 y축 값을 제외하고 계산</a:t>
-            </a:r>
+              <a:rPr sz="1800" dirty="0">
+                <a:latin typeface="맑은 고딕" panose="020B0503020000020004" pitchFamily="50" charset="-127"/>
+                <a:ea typeface="맑은 고딕" panose="020B0503020000020004" pitchFamily="50" charset="-127"/>
+              </a:rPr>
+              <a:t>        //</a:t>
+            </a:r>
+            <a:r>
+              <a:rPr sz="1800" dirty="0" err="1">
+                <a:latin typeface="맑은 고딕" panose="020B0503020000020004" pitchFamily="50" charset="-127"/>
+                <a:ea typeface="맑은 고딕" panose="020B0503020000020004" pitchFamily="50" charset="-127"/>
+              </a:rPr>
+              <a:t>드럼</a:t>
+            </a:r>
+            <a:r>
+              <a:rPr sz="1800" dirty="0">
+                <a:latin typeface="맑은 고딕" panose="020B0503020000020004" pitchFamily="50" charset="-127"/>
+                <a:ea typeface="맑은 고딕" panose="020B0503020000020004" pitchFamily="50" charset="-127"/>
+              </a:rPr>
+              <a:t> </a:t>
+            </a:r>
+            <a:r>
+              <a:rPr sz="1800" dirty="0" err="1">
+                <a:latin typeface="맑은 고딕" panose="020B0503020000020004" pitchFamily="50" charset="-127"/>
+                <a:ea typeface="맑은 고딕" panose="020B0503020000020004" pitchFamily="50" charset="-127"/>
+              </a:rPr>
+              <a:t>위치와</a:t>
+            </a:r>
+            <a:r>
+              <a:rPr sz="1800" dirty="0">
+                <a:latin typeface="맑은 고딕" panose="020B0503020000020004" pitchFamily="50" charset="-127"/>
+                <a:ea typeface="맑은 고딕" panose="020B0503020000020004" pitchFamily="50" charset="-127"/>
+              </a:rPr>
+              <a:t> </a:t>
+            </a:r>
+            <a:r>
+              <a:rPr sz="1800" dirty="0" err="1">
+                <a:latin typeface="맑은 고딕" panose="020B0503020000020004" pitchFamily="50" charset="-127"/>
+                <a:ea typeface="맑은 고딕" panose="020B0503020000020004" pitchFamily="50" charset="-127"/>
+              </a:rPr>
+              <a:t>헤드셋</a:t>
+            </a:r>
+            <a:r>
+              <a:rPr sz="1800" dirty="0">
+                <a:latin typeface="맑은 고딕" panose="020B0503020000020004" pitchFamily="50" charset="-127"/>
+                <a:ea typeface="맑은 고딕" panose="020B0503020000020004" pitchFamily="50" charset="-127"/>
+              </a:rPr>
+              <a:t> </a:t>
+            </a:r>
+            <a:r>
+              <a:rPr sz="1800" dirty="0" err="1">
+                <a:latin typeface="맑은 고딕" panose="020B0503020000020004" pitchFamily="50" charset="-127"/>
+                <a:ea typeface="맑은 고딕" panose="020B0503020000020004" pitchFamily="50" charset="-127"/>
+              </a:rPr>
+              <a:t>위치는</a:t>
+            </a:r>
+            <a:r>
+              <a:rPr sz="1800" dirty="0">
+                <a:latin typeface="맑은 고딕" panose="020B0503020000020004" pitchFamily="50" charset="-127"/>
+                <a:ea typeface="맑은 고딕" panose="020B0503020000020004" pitchFamily="50" charset="-127"/>
+              </a:rPr>
+              <a:t> </a:t>
+            </a:r>
+            <a:r>
+              <a:rPr sz="1800" dirty="0" err="1">
+                <a:latin typeface="맑은 고딕" panose="020B0503020000020004" pitchFamily="50" charset="-127"/>
+                <a:ea typeface="맑은 고딕" panose="020B0503020000020004" pitchFamily="50" charset="-127"/>
+              </a:rPr>
+              <a:t>y축</a:t>
+            </a:r>
+            <a:r>
+              <a:rPr sz="1800" dirty="0">
+                <a:latin typeface="맑은 고딕" panose="020B0503020000020004" pitchFamily="50" charset="-127"/>
+                <a:ea typeface="맑은 고딕" panose="020B0503020000020004" pitchFamily="50" charset="-127"/>
+              </a:rPr>
+              <a:t> </a:t>
+            </a:r>
+            <a:r>
+              <a:rPr sz="1800" dirty="0" err="1">
+                <a:latin typeface="맑은 고딕" panose="020B0503020000020004" pitchFamily="50" charset="-127"/>
+                <a:ea typeface="맑은 고딕" panose="020B0503020000020004" pitchFamily="50" charset="-127"/>
+              </a:rPr>
+              <a:t>값을</a:t>
+            </a:r>
+            <a:r>
+              <a:rPr sz="1800" dirty="0">
+                <a:latin typeface="맑은 고딕" panose="020B0503020000020004" pitchFamily="50" charset="-127"/>
+                <a:ea typeface="맑은 고딕" panose="020B0503020000020004" pitchFamily="50" charset="-127"/>
+              </a:rPr>
+              <a:t> </a:t>
+            </a:r>
+            <a:r>
+              <a:rPr sz="1800" dirty="0" err="1">
+                <a:latin typeface="맑은 고딕" panose="020B0503020000020004" pitchFamily="50" charset="-127"/>
+                <a:ea typeface="맑은 고딕" panose="020B0503020000020004" pitchFamily="50" charset="-127"/>
+              </a:rPr>
+              <a:t>제외하고</a:t>
+            </a:r>
+            <a:r>
+              <a:rPr sz="1800" dirty="0">
+                <a:latin typeface="맑은 고딕" panose="020B0503020000020004" pitchFamily="50" charset="-127"/>
+                <a:ea typeface="맑은 고딕" panose="020B0503020000020004" pitchFamily="50" charset="-127"/>
+              </a:rPr>
+              <a:t> </a:t>
+            </a:r>
+            <a:r>
+              <a:rPr sz="1800" dirty="0" err="1">
+                <a:latin typeface="맑은 고딕" panose="020B0503020000020004" pitchFamily="50" charset="-127"/>
+                <a:ea typeface="맑은 고딕" panose="020B0503020000020004" pitchFamily="50" charset="-127"/>
+              </a:rPr>
+              <a:t>계산</a:t>
+            </a:r>
+            <a:endParaRPr sz="1800" dirty="0">
+              <a:latin typeface="맑은 고딕" panose="020B0503020000020004" pitchFamily="50" charset="-127"/>
+              <a:ea typeface="맑은 고딕" panose="020B0503020000020004" pitchFamily="50" charset="-127"/>
+            </a:endParaRPr>
           </a:p>
           <a:p>
             <a:pPr marL="0" indent="0">
@@ -3954,11 +4839,123 @@
               <a:buNone/>
             </a:pPr>
             <a:r>
+              <a:rPr sz="1800" dirty="0">
+                <a:latin typeface="맑은 고딕" panose="020B0503020000020004" pitchFamily="50" charset="-127"/>
+                <a:ea typeface="맑은 고딕" panose="020B0503020000020004" pitchFamily="50" charset="-127"/>
+              </a:rPr>
               <a:t>        </a:t>
             </a:r>
             <a:r>
-              <a:rPr spc="-152"/>
-              <a:t>드럼 위치 = (헤드셋 위치) + distance * (헤드셋 정면 방향 단위벡터)</a:t>
+              <a:rPr sz="1800" spc="-300" dirty="0" err="1">
+                <a:latin typeface="맑은 고딕" panose="020B0503020000020004" pitchFamily="50" charset="-127"/>
+                <a:ea typeface="맑은 고딕" panose="020B0503020000020004" pitchFamily="50" charset="-127"/>
+              </a:rPr>
+              <a:t>드럼</a:t>
+            </a:r>
+            <a:r>
+              <a:rPr sz="1800" spc="-300" dirty="0">
+                <a:latin typeface="맑은 고딕" panose="020B0503020000020004" pitchFamily="50" charset="-127"/>
+                <a:ea typeface="맑은 고딕" panose="020B0503020000020004" pitchFamily="50" charset="-127"/>
+              </a:rPr>
+              <a:t> </a:t>
+            </a:r>
+            <a:r>
+              <a:rPr sz="1800" spc="-300" dirty="0" err="1">
+                <a:latin typeface="맑은 고딕" panose="020B0503020000020004" pitchFamily="50" charset="-127"/>
+                <a:ea typeface="맑은 고딕" panose="020B0503020000020004" pitchFamily="50" charset="-127"/>
+              </a:rPr>
+              <a:t>위치</a:t>
+            </a:r>
+            <a:r>
+              <a:rPr sz="1800" spc="-300" dirty="0">
+                <a:latin typeface="맑은 고딕" panose="020B0503020000020004" pitchFamily="50" charset="-127"/>
+                <a:ea typeface="맑은 고딕" panose="020B0503020000020004" pitchFamily="50" charset="-127"/>
+              </a:rPr>
+              <a:t> = (</a:t>
+            </a:r>
+            <a:r>
+              <a:rPr sz="1800" spc="-300" dirty="0" err="1">
+                <a:latin typeface="맑은 고딕" panose="020B0503020000020004" pitchFamily="50" charset="-127"/>
+                <a:ea typeface="맑은 고딕" panose="020B0503020000020004" pitchFamily="50" charset="-127"/>
+              </a:rPr>
+              <a:t>헤드셋</a:t>
+            </a:r>
+            <a:r>
+              <a:rPr sz="1800" spc="-300" dirty="0">
+                <a:latin typeface="맑은 고딕" panose="020B0503020000020004" pitchFamily="50" charset="-127"/>
+                <a:ea typeface="맑은 고딕" panose="020B0503020000020004" pitchFamily="50" charset="-127"/>
+              </a:rPr>
+              <a:t> </a:t>
+            </a:r>
+            <a:r>
+              <a:rPr sz="1800" spc="-300" dirty="0" err="1">
+                <a:latin typeface="맑은 고딕" panose="020B0503020000020004" pitchFamily="50" charset="-127"/>
+                <a:ea typeface="맑은 고딕" panose="020B0503020000020004" pitchFamily="50" charset="-127"/>
+              </a:rPr>
+              <a:t>위치</a:t>
+            </a:r>
+            <a:r>
+              <a:rPr sz="1800" spc="-300" dirty="0">
+                <a:latin typeface="맑은 고딕" panose="020B0503020000020004" pitchFamily="50" charset="-127"/>
+                <a:ea typeface="맑은 고딕" panose="020B0503020000020004" pitchFamily="50" charset="-127"/>
+              </a:rPr>
+              <a:t>) + distance * (</a:t>
+            </a:r>
+            <a:r>
+              <a:rPr sz="1800" spc="-300" dirty="0" err="1">
+                <a:latin typeface="맑은 고딕" panose="020B0503020000020004" pitchFamily="50" charset="-127"/>
+                <a:ea typeface="맑은 고딕" panose="020B0503020000020004" pitchFamily="50" charset="-127"/>
+              </a:rPr>
+              <a:t>헤드셋</a:t>
+            </a:r>
+            <a:r>
+              <a:rPr sz="1800" spc="-300" dirty="0">
+                <a:latin typeface="맑은 고딕" panose="020B0503020000020004" pitchFamily="50" charset="-127"/>
+                <a:ea typeface="맑은 고딕" panose="020B0503020000020004" pitchFamily="50" charset="-127"/>
+              </a:rPr>
+              <a:t> </a:t>
+            </a:r>
+            <a:r>
+              <a:rPr sz="1800" spc="-300" dirty="0" err="1">
+                <a:latin typeface="맑은 고딕" panose="020B0503020000020004" pitchFamily="50" charset="-127"/>
+                <a:ea typeface="맑은 고딕" panose="020B0503020000020004" pitchFamily="50" charset="-127"/>
+              </a:rPr>
+              <a:t>정면</a:t>
+            </a:r>
+            <a:r>
+              <a:rPr sz="1800" spc="-300" dirty="0">
+                <a:latin typeface="맑은 고딕" panose="020B0503020000020004" pitchFamily="50" charset="-127"/>
+                <a:ea typeface="맑은 고딕" panose="020B0503020000020004" pitchFamily="50" charset="-127"/>
+              </a:rPr>
+              <a:t> </a:t>
+            </a:r>
+            <a:r>
+              <a:rPr sz="1800" spc="-300" dirty="0" err="1">
+                <a:latin typeface="맑은 고딕" panose="020B0503020000020004" pitchFamily="50" charset="-127"/>
+                <a:ea typeface="맑은 고딕" panose="020B0503020000020004" pitchFamily="50" charset="-127"/>
+              </a:rPr>
+              <a:t>방향</a:t>
+            </a:r>
+            <a:r>
+              <a:rPr sz="1800" spc="-300" dirty="0">
+                <a:latin typeface="맑은 고딕" panose="020B0503020000020004" pitchFamily="50" charset="-127"/>
+                <a:ea typeface="맑은 고딕" panose="020B0503020000020004" pitchFamily="50" charset="-127"/>
+              </a:rPr>
+              <a:t> </a:t>
+            </a:r>
+            <a:r>
+              <a:rPr sz="1800" spc="-300" dirty="0" err="1">
+                <a:latin typeface="맑은 고딕" panose="020B0503020000020004" pitchFamily="50" charset="-127"/>
+                <a:ea typeface="맑은 고딕" panose="020B0503020000020004" pitchFamily="50" charset="-127"/>
+              </a:rPr>
+              <a:t>단위벡터</a:t>
+            </a:r>
+            <a:r>
+              <a:rPr sz="1800" spc="-300" dirty="0">
+                <a:latin typeface="맑은 고딕" panose="020B0503020000020004" pitchFamily="50" charset="-127"/>
+                <a:ea typeface="맑은 고딕" panose="020B0503020000020004" pitchFamily="50" charset="-127"/>
+              </a:rPr>
+              <a:t>)</a:t>
             </a:r>
           </a:p>
           <a:p>
@@ -3967,7 +4964,123 @@
               <a:buNone/>
             </a:pPr>
             <a:r>
-              <a:t>        드럼이 바라보는 방향 벡터 = (헤드셋 위치) - (드럼 위치)</a:t>
+              <a:rPr sz="1800" dirty="0">
+                <a:latin typeface="맑은 고딕" panose="020B0503020000020004" pitchFamily="50" charset="-127"/>
+                <a:ea typeface="맑은 고딕" panose="020B0503020000020004" pitchFamily="50" charset="-127"/>
+              </a:rPr>
+              <a:t>        </a:t>
+            </a:r>
+            <a:r>
+              <a:rPr sz="1800" spc="-150" dirty="0" err="1">
+                <a:latin typeface="맑은 고딕" panose="020B0503020000020004" pitchFamily="50" charset="-127"/>
+                <a:ea typeface="맑은 고딕" panose="020B0503020000020004" pitchFamily="50" charset="-127"/>
+              </a:rPr>
+              <a:t>드럼이</a:t>
+            </a:r>
+            <a:r>
+              <a:rPr sz="1800" spc="-150" dirty="0">
+                <a:latin typeface="맑은 고딕" panose="020B0503020000020004" pitchFamily="50" charset="-127"/>
+                <a:ea typeface="맑은 고딕" panose="020B0503020000020004" pitchFamily="50" charset="-127"/>
+              </a:rPr>
+              <a:t> </a:t>
+            </a:r>
+            <a:r>
+              <a:rPr sz="1800" spc="-150" dirty="0" err="1">
+                <a:latin typeface="맑은 고딕" panose="020B0503020000020004" pitchFamily="50" charset="-127"/>
+                <a:ea typeface="맑은 고딕" panose="020B0503020000020004" pitchFamily="50" charset="-127"/>
+              </a:rPr>
+              <a:t>바라보는</a:t>
+            </a:r>
+            <a:r>
+              <a:rPr sz="1800" spc="-150" dirty="0">
+                <a:latin typeface="맑은 고딕" panose="020B0503020000020004" pitchFamily="50" charset="-127"/>
+                <a:ea typeface="맑은 고딕" panose="020B0503020000020004" pitchFamily="50" charset="-127"/>
+              </a:rPr>
+              <a:t> </a:t>
+            </a:r>
+            <a:r>
+              <a:rPr sz="1800" spc="-150" dirty="0" err="1">
+                <a:latin typeface="맑은 고딕" panose="020B0503020000020004" pitchFamily="50" charset="-127"/>
+                <a:ea typeface="맑은 고딕" panose="020B0503020000020004" pitchFamily="50" charset="-127"/>
+              </a:rPr>
+              <a:t>방향</a:t>
+            </a:r>
+            <a:r>
+              <a:rPr sz="1800" spc="-150" dirty="0">
+                <a:latin typeface="맑은 고딕" panose="020B0503020000020004" pitchFamily="50" charset="-127"/>
+                <a:ea typeface="맑은 고딕" panose="020B0503020000020004" pitchFamily="50" charset="-127"/>
+              </a:rPr>
+              <a:t> </a:t>
+            </a:r>
+            <a:r>
+              <a:rPr sz="1800" spc="-150" dirty="0" err="1">
+                <a:latin typeface="맑은 고딕" panose="020B0503020000020004" pitchFamily="50" charset="-127"/>
+                <a:ea typeface="맑은 고딕" panose="020B0503020000020004" pitchFamily="50" charset="-127"/>
+              </a:rPr>
+              <a:t>벡터</a:t>
+            </a:r>
+            <a:r>
+              <a:rPr sz="1800" spc="-150" dirty="0">
+                <a:latin typeface="맑은 고딕" panose="020B0503020000020004" pitchFamily="50" charset="-127"/>
+                <a:ea typeface="맑은 고딕" panose="020B0503020000020004" pitchFamily="50" charset="-127"/>
+              </a:rPr>
+              <a:t> = (</a:t>
+            </a:r>
+            <a:r>
+              <a:rPr sz="1800" spc="-150" dirty="0" err="1">
+                <a:latin typeface="맑은 고딕" panose="020B0503020000020004" pitchFamily="50" charset="-127"/>
+                <a:ea typeface="맑은 고딕" panose="020B0503020000020004" pitchFamily="50" charset="-127"/>
+              </a:rPr>
+              <a:t>헤드셋</a:t>
+            </a:r>
+            <a:r>
+              <a:rPr sz="1800" spc="-150" dirty="0">
+                <a:latin typeface="맑은 고딕" panose="020B0503020000020004" pitchFamily="50" charset="-127"/>
+                <a:ea typeface="맑은 고딕" panose="020B0503020000020004" pitchFamily="50" charset="-127"/>
+              </a:rPr>
+              <a:t> </a:t>
+            </a:r>
+            <a:r>
+              <a:rPr sz="1800" spc="-150" dirty="0" err="1">
+                <a:latin typeface="맑은 고딕" panose="020B0503020000020004" pitchFamily="50" charset="-127"/>
+                <a:ea typeface="맑은 고딕" panose="020B0503020000020004" pitchFamily="50" charset="-127"/>
+              </a:rPr>
+              <a:t>위치</a:t>
+            </a:r>
+            <a:r>
+              <a:rPr sz="1800" spc="-150" dirty="0">
+                <a:latin typeface="맑은 고딕" panose="020B0503020000020004" pitchFamily="50" charset="-127"/>
+                <a:ea typeface="맑은 고딕" panose="020B0503020000020004" pitchFamily="50" charset="-127"/>
+              </a:rPr>
+              <a:t>) - (</a:t>
+            </a:r>
+            <a:r>
+              <a:rPr sz="1800" spc="-150" dirty="0" err="1">
+                <a:latin typeface="맑은 고딕" panose="020B0503020000020004" pitchFamily="50" charset="-127"/>
+                <a:ea typeface="맑은 고딕" panose="020B0503020000020004" pitchFamily="50" charset="-127"/>
+              </a:rPr>
+              <a:t>드럼</a:t>
+            </a:r>
+            <a:r>
+              <a:rPr sz="1800" spc="-150" dirty="0">
+                <a:latin typeface="맑은 고딕" panose="020B0503020000020004" pitchFamily="50" charset="-127"/>
+                <a:ea typeface="맑은 고딕" panose="020B0503020000020004" pitchFamily="50" charset="-127"/>
+              </a:rPr>
+              <a:t> </a:t>
+            </a:r>
+            <a:r>
+              <a:rPr sz="1800" spc="-150" dirty="0" err="1">
+                <a:latin typeface="맑은 고딕" panose="020B0503020000020004" pitchFamily="50" charset="-127"/>
+                <a:ea typeface="맑은 고딕" panose="020B0503020000020004" pitchFamily="50" charset="-127"/>
+              </a:rPr>
+              <a:t>위치</a:t>
+            </a:r>
+            <a:r>
+              <a:rPr sz="1800" spc="-150" dirty="0">
+                <a:latin typeface="맑은 고딕" panose="020B0503020000020004" pitchFamily="50" charset="-127"/>
+                <a:ea typeface="맑은 고딕" panose="020B0503020000020004" pitchFamily="50" charset="-127"/>
+              </a:rPr>
+              <a:t>)</a:t>
             </a:r>
           </a:p>
           <a:p>
@@ -3976,6 +5089,10 @@
               <a:buNone/>
             </a:pPr>
             <a:r>
+              <a:rPr sz="1800" dirty="0">
+                <a:latin typeface="맑은 고딕" panose="020B0503020000020004" pitchFamily="50" charset="-127"/>
+                <a:ea typeface="맑은 고딕" panose="020B0503020000020004" pitchFamily="50" charset="-127"/>
+              </a:rPr>
               <a:t>    }</a:t>
             </a:r>
           </a:p>
@@ -3985,6 +5102,10 @@
               <a:buNone/>
             </a:pPr>
             <a:r>
+              <a:rPr sz="1800" dirty="0">
+                <a:latin typeface="맑은 고딕" panose="020B0503020000020004" pitchFamily="50" charset="-127"/>
+                <a:ea typeface="맑은 고딕" panose="020B0503020000020004" pitchFamily="50" charset="-127"/>
+              </a:rPr>
               <a:t>}</a:t>
             </a:r>
           </a:p>
@@ -3995,18 +5116,19 @@
   <p:clrMapOvr>
     <a:masterClrMapping/>
   </p:clrMapOvr>
-  <p:transition xmlns:p14="http://schemas.microsoft.com/office/powerpoint/2010/main" spd="med" advClick="1"/>
+  <p:transition spd="med"/>
 </p:sld>
 </file>
 
 <file path=ppt/slides/slide6.xml><?xml version="1.0" encoding="utf-8"?>
-<p:sld xmlns:a="http://schemas.openxmlformats.org/drawingml/2006/main" xmlns:r="http://schemas.openxmlformats.org/officeDocument/2006/relationships" xmlns:p="http://schemas.openxmlformats.org/presentationml/2006/main" showMasterSp="1" showMasterPhAnim="1">
+<p:sld xmlns:a="http://schemas.openxmlformats.org/drawingml/2006/main" xmlns:r="http://schemas.openxmlformats.org/officeDocument/2006/relationships" xmlns:p="http://schemas.openxmlformats.org/presentationml/2006/main">
   <p:cSld>
     <p:bg>
       <p:bgPr>
         <a:solidFill>
           <a:srgbClr val="C2C2C2"/>
         </a:solidFill>
+        <a:effectLst/>
       </p:bgPr>
     </p:bg>
     <p:spTree>
@@ -4081,6 +5203,7 @@
             <a:pPr>
               <a:defRPr sz="2400"/>
             </a:pPr>
+            <a:endParaRPr/>
           </a:p>
         </p:txBody>
       </p:sp>
@@ -4118,12 +5241,12 @@
   <p:clrMapOvr>
     <a:masterClrMapping/>
   </p:clrMapOvr>
-  <p:transition xmlns:p14="http://schemas.microsoft.com/office/powerpoint/2010/main" spd="med" advClick="1"/>
+  <p:transition spd="med"/>
 </p:sld>
 </file>
 
 <file path=ppt/slides/slide7.xml><?xml version="1.0" encoding="utf-8"?>
-<p:sld xmlns:a="http://schemas.openxmlformats.org/drawingml/2006/main" xmlns:r="http://schemas.openxmlformats.org/officeDocument/2006/relationships" xmlns:p="http://schemas.openxmlformats.org/presentationml/2006/main" showMasterSp="1" showMasterPhAnim="1">
+<p:sld xmlns:a="http://schemas.openxmlformats.org/drawingml/2006/main" xmlns:r="http://schemas.openxmlformats.org/officeDocument/2006/relationships" xmlns:p="http://schemas.openxmlformats.org/presentationml/2006/main">
   <p:cSld>
     <p:spTree>
       <p:nvGrpSpPr>
@@ -4142,7 +5265,9 @@
       <p:sp>
         <p:nvSpPr>
           <p:cNvPr id="145" name="Shape 145"/>
-          <p:cNvSpPr/>
+          <p:cNvSpPr>
+            <a:spLocks noGrp="1"/>
+          </p:cNvSpPr>
           <p:nvPr>
             <p:ph type="title"/>
           </p:nvPr>
@@ -4156,8 +5281,11 @@
           <a:bodyPr/>
           <a:lstStyle/>
           <a:p>
-            <a:pPr/>
-            <a:r>
+            <a:r>
+              <a:rPr>
+                <a:latin typeface="맑은 고딕" panose="020B0503020000020004" pitchFamily="50" charset="-127"/>
+                <a:ea typeface="맑은 고딕" panose="020B0503020000020004" pitchFamily="50" charset="-127"/>
+              </a:rPr>
               <a:t>Collision Trigger</a:t>
             </a:r>
           </a:p>
@@ -4166,7 +5294,9 @@
       <p:sp>
         <p:nvSpPr>
           <p:cNvPr id="146" name="Shape 146"/>
-          <p:cNvSpPr/>
+          <p:cNvSpPr>
+            <a:spLocks noGrp="1"/>
+          </p:cNvSpPr>
           <p:nvPr>
             <p:ph type="body" idx="1"/>
           </p:nvPr>
@@ -4187,6 +5317,10 @@
               <a:buNone/>
             </a:pPr>
             <a:r>
+              <a:rPr>
+                <a:latin typeface="맑은 고딕" panose="020B0503020000020004" pitchFamily="50" charset="-127"/>
+                <a:ea typeface="맑은 고딕" panose="020B0503020000020004" pitchFamily="50" charset="-127"/>
+              </a:rPr>
               <a:t>충돌할 때마다 {</a:t>
             </a:r>
           </a:p>
@@ -4196,6 +5330,10 @@
               <a:buNone/>
             </a:pPr>
             <a:r>
+              <a:rPr>
+                <a:latin typeface="맑은 고딕" panose="020B0503020000020004" pitchFamily="50" charset="-127"/>
+                <a:ea typeface="맑은 고딕" panose="020B0503020000020004" pitchFamily="50" charset="-127"/>
+              </a:rPr>
               <a:t>    //컨트롤러 속도와 각속도를 이용하여 얼마나 세게 충돌이 일어났는지 판단</a:t>
             </a:r>
           </a:p>
@@ -4205,6 +5343,10 @@
               <a:buNone/>
             </a:pPr>
             <a:r>
+              <a:rPr>
+                <a:latin typeface="맑은 고딕" panose="020B0503020000020004" pitchFamily="50" charset="-127"/>
+                <a:ea typeface="맑은 고딕" panose="020B0503020000020004" pitchFamily="50" charset="-127"/>
+              </a:rPr>
               <a:t>    //충돌 애니메이션 처리</a:t>
             </a:r>
           </a:p>
@@ -4214,6 +5356,10 @@
               <a:buNone/>
             </a:pPr>
             <a:r>
+              <a:rPr>
+                <a:latin typeface="맑은 고딕" panose="020B0503020000020004" pitchFamily="50" charset="-127"/>
+                <a:ea typeface="맑은 고딕" panose="020B0503020000020004" pitchFamily="50" charset="-127"/>
+              </a:rPr>
               <a:t>    진동(세기)</a:t>
             </a:r>
           </a:p>
@@ -4223,6 +5369,10 @@
               <a:buNone/>
             </a:pPr>
             <a:r>
+              <a:rPr>
+                <a:latin typeface="맑은 고딕" panose="020B0503020000020004" pitchFamily="50" charset="-127"/>
+                <a:ea typeface="맑은 고딕" panose="020B0503020000020004" pitchFamily="50" charset="-127"/>
+              </a:rPr>
               <a:t>    충돌한 해당 북의 MIDIPlayer.play(세기)</a:t>
             </a:r>
           </a:p>
@@ -4232,6 +5382,10 @@
               <a:buNone/>
             </a:pPr>
             <a:r>
+              <a:rPr>
+                <a:latin typeface="맑은 고딕" panose="020B0503020000020004" pitchFamily="50" charset="-127"/>
+                <a:ea typeface="맑은 고딕" panose="020B0503020000020004" pitchFamily="50" charset="-127"/>
+              </a:rPr>
               <a:t>}</a:t>
             </a:r>
           </a:p>
@@ -4242,18 +5396,19 @@
   <p:clrMapOvr>
     <a:masterClrMapping/>
   </p:clrMapOvr>
-  <p:transition xmlns:p14="http://schemas.microsoft.com/office/powerpoint/2010/main" spd="med" advClick="1"/>
+  <p:transition spd="med"/>
 </p:sld>
 </file>
 
 <file path=ppt/slides/slide8.xml><?xml version="1.0" encoding="utf-8"?>
-<p:sld xmlns:a="http://schemas.openxmlformats.org/drawingml/2006/main" xmlns:r="http://schemas.openxmlformats.org/officeDocument/2006/relationships" xmlns:p="http://schemas.openxmlformats.org/presentationml/2006/main" showMasterSp="1" showMasterPhAnim="1">
+<p:sld xmlns:a="http://schemas.openxmlformats.org/drawingml/2006/main" xmlns:r="http://schemas.openxmlformats.org/officeDocument/2006/relationships" xmlns:p="http://schemas.openxmlformats.org/presentationml/2006/main">
   <p:cSld>
     <p:bg>
       <p:bgPr>
         <a:solidFill>
           <a:srgbClr val="C2C2C2"/>
         </a:solidFill>
+        <a:effectLst/>
       </p:bgPr>
     </p:bg>
     <p:spTree>
@@ -4328,6 +5483,7 @@
             <a:pPr>
               <a:defRPr sz="2400"/>
             </a:pPr>
+            <a:endParaRPr/>
           </a:p>
         </p:txBody>
       </p:sp>
@@ -4365,12 +5521,12 @@
   <p:clrMapOvr>
     <a:masterClrMapping/>
   </p:clrMapOvr>
-  <p:transition xmlns:p14="http://schemas.microsoft.com/office/powerpoint/2010/main" spd="med" advClick="1"/>
+  <p:transition spd="med"/>
 </p:sld>
 </file>
 
 <file path=ppt/slides/slide9.xml><?xml version="1.0" encoding="utf-8"?>
-<p:sld xmlns:a="http://schemas.openxmlformats.org/drawingml/2006/main" xmlns:r="http://schemas.openxmlformats.org/officeDocument/2006/relationships" xmlns:p="http://schemas.openxmlformats.org/presentationml/2006/main" showMasterSp="1" showMasterPhAnim="1">
+<p:sld xmlns:a="http://schemas.openxmlformats.org/drawingml/2006/main" xmlns:r="http://schemas.openxmlformats.org/officeDocument/2006/relationships" xmlns:p="http://schemas.openxmlformats.org/presentationml/2006/main">
   <p:cSld>
     <p:spTree>
       <p:nvGrpSpPr>
@@ -4389,7 +5545,9 @@
       <p:sp>
         <p:nvSpPr>
           <p:cNvPr id="152" name="Shape 152"/>
-          <p:cNvSpPr/>
+          <p:cNvSpPr>
+            <a:spLocks noGrp="1"/>
+          </p:cNvSpPr>
           <p:nvPr>
             <p:ph type="title"/>
           </p:nvPr>
@@ -4403,8 +5561,11 @@
           <a:bodyPr/>
           <a:lstStyle/>
           <a:p>
-            <a:pPr/>
-            <a:r>
+            <a:r>
+              <a:rPr>
+                <a:latin typeface="맑은 고딕" panose="020B0503020000020004" pitchFamily="50" charset="-127"/>
+                <a:ea typeface="맑은 고딕" panose="020B0503020000020004" pitchFamily="50" charset="-127"/>
+              </a:rPr>
               <a:t>MIDI Player</a:t>
             </a:r>
           </a:p>
@@ -4413,7 +5574,9 @@
       <p:sp>
         <p:nvSpPr>
           <p:cNvPr id="153" name="Shape 153"/>
-          <p:cNvSpPr/>
+          <p:cNvSpPr>
+            <a:spLocks noGrp="1"/>
+          </p:cNvSpPr>
           <p:nvPr>
             <p:ph type="body" idx="1"/>
           </p:nvPr>
@@ -4438,7 +5601,18 @@
               <a:buNone/>
             </a:pPr>
             <a:r>
-              <a:t>int note;</a:t>
+              <a:rPr dirty="0" err="1">
+                <a:latin typeface="맑은 고딕" panose="020B0503020000020004" pitchFamily="50" charset="-127"/>
+                <a:ea typeface="맑은 고딕" panose="020B0503020000020004" pitchFamily="50" charset="-127"/>
+              </a:rPr>
+              <a:t>int</a:t>
+            </a:r>
+            <a:r>
+              <a:rPr dirty="0">
+                <a:latin typeface="맑은 고딕" panose="020B0503020000020004" pitchFamily="50" charset="-127"/>
+                <a:ea typeface="맑은 고딕" panose="020B0503020000020004" pitchFamily="50" charset="-127"/>
+              </a:rPr>
+              <a:t> note;</a:t>
             </a:r>
           </a:p>
           <a:p>
@@ -4447,7 +5621,32 @@
               <a:buNone/>
             </a:pPr>
             <a:r>
-              <a:t>프로그램이 시작할 때 {</a:t>
+              <a:rPr dirty="0" err="1">
+                <a:latin typeface="맑은 고딕" panose="020B0503020000020004" pitchFamily="50" charset="-127"/>
+                <a:ea typeface="맑은 고딕" panose="020B0503020000020004" pitchFamily="50" charset="-127"/>
+              </a:rPr>
+              <a:t>프로그램이</a:t>
+            </a:r>
+            <a:r>
+              <a:rPr dirty="0">
+                <a:latin typeface="맑은 고딕" panose="020B0503020000020004" pitchFamily="50" charset="-127"/>
+                <a:ea typeface="맑은 고딕" panose="020B0503020000020004" pitchFamily="50" charset="-127"/>
+              </a:rPr>
+              <a:t> </a:t>
+            </a:r>
+            <a:r>
+              <a:rPr dirty="0" err="1">
+                <a:latin typeface="맑은 고딕" panose="020B0503020000020004" pitchFamily="50" charset="-127"/>
+                <a:ea typeface="맑은 고딕" panose="020B0503020000020004" pitchFamily="50" charset="-127"/>
+              </a:rPr>
+              <a:t>시작할</a:t>
+            </a:r>
+            <a:r>
+              <a:rPr dirty="0">
+                <a:latin typeface="맑은 고딕" panose="020B0503020000020004" pitchFamily="50" charset="-127"/>
+                <a:ea typeface="맑은 고딕" panose="020B0503020000020004" pitchFamily="50" charset="-127"/>
+              </a:rPr>
+              <a:t> 때 {</a:t>
             </a:r>
           </a:p>
           <a:p>
@@ -4456,8 +5655,93 @@
               <a:buNone/>
             </a:pPr>
             <a:r>
-              <a:t>    미디 장치 목록 중 'VRDRUMMIDI' 라는 장치를 찾아서</a:t>
-            </a:r>
+              <a:rPr dirty="0">
+                <a:latin typeface="맑은 고딕" panose="020B0503020000020004" pitchFamily="50" charset="-127"/>
+                <a:ea typeface="맑은 고딕" panose="020B0503020000020004" pitchFamily="50" charset="-127"/>
+              </a:rPr>
+              <a:t>    </a:t>
+            </a:r>
+            <a:r>
+              <a:rPr spc="-150" dirty="0" err="1">
+                <a:latin typeface="맑은 고딕" panose="020B0503020000020004" pitchFamily="50" charset="-127"/>
+                <a:ea typeface="맑은 고딕" panose="020B0503020000020004" pitchFamily="50" charset="-127"/>
+              </a:rPr>
+              <a:t>미디</a:t>
+            </a:r>
+            <a:r>
+              <a:rPr spc="-150" dirty="0">
+                <a:latin typeface="맑은 고딕" panose="020B0503020000020004" pitchFamily="50" charset="-127"/>
+                <a:ea typeface="맑은 고딕" panose="020B0503020000020004" pitchFamily="50" charset="-127"/>
+              </a:rPr>
+              <a:t> </a:t>
+            </a:r>
+            <a:r>
+              <a:rPr spc="-150" dirty="0" err="1">
+                <a:latin typeface="맑은 고딕" panose="020B0503020000020004" pitchFamily="50" charset="-127"/>
+                <a:ea typeface="맑은 고딕" panose="020B0503020000020004" pitchFamily="50" charset="-127"/>
+              </a:rPr>
+              <a:t>장치</a:t>
+            </a:r>
+            <a:r>
+              <a:rPr spc="-150" dirty="0">
+                <a:latin typeface="맑은 고딕" panose="020B0503020000020004" pitchFamily="50" charset="-127"/>
+                <a:ea typeface="맑은 고딕" panose="020B0503020000020004" pitchFamily="50" charset="-127"/>
+              </a:rPr>
+              <a:t> </a:t>
+            </a:r>
+            <a:r>
+              <a:rPr spc="-150" dirty="0" err="1">
+                <a:latin typeface="맑은 고딕" panose="020B0503020000020004" pitchFamily="50" charset="-127"/>
+                <a:ea typeface="맑은 고딕" panose="020B0503020000020004" pitchFamily="50" charset="-127"/>
+              </a:rPr>
+              <a:t>목록</a:t>
+            </a:r>
+            <a:r>
+              <a:rPr spc="-150" dirty="0">
+                <a:latin typeface="맑은 고딕" panose="020B0503020000020004" pitchFamily="50" charset="-127"/>
+                <a:ea typeface="맑은 고딕" panose="020B0503020000020004" pitchFamily="50" charset="-127"/>
+              </a:rPr>
+              <a:t> 중 'VRDRUMMIDI' </a:t>
+            </a:r>
+            <a:r>
+              <a:rPr spc="-150" dirty="0" err="1">
+                <a:latin typeface="맑은 고딕" panose="020B0503020000020004" pitchFamily="50" charset="-127"/>
+                <a:ea typeface="맑은 고딕" panose="020B0503020000020004" pitchFamily="50" charset="-127"/>
+              </a:rPr>
+              <a:t>라는</a:t>
+            </a:r>
+            <a:r>
+              <a:rPr spc="-150" dirty="0">
+                <a:latin typeface="맑은 고딕" panose="020B0503020000020004" pitchFamily="50" charset="-127"/>
+                <a:ea typeface="맑은 고딕" panose="020B0503020000020004" pitchFamily="50" charset="-127"/>
+              </a:rPr>
+              <a:t> </a:t>
+            </a:r>
+            <a:r>
+              <a:rPr spc="-150" dirty="0" err="1">
+                <a:latin typeface="맑은 고딕" panose="020B0503020000020004" pitchFamily="50" charset="-127"/>
+                <a:ea typeface="맑은 고딕" panose="020B0503020000020004" pitchFamily="50" charset="-127"/>
+              </a:rPr>
+              <a:t>장치를</a:t>
+            </a:r>
+            <a:r>
+              <a:rPr spc="-150" dirty="0">
+                <a:latin typeface="맑은 고딕" panose="020B0503020000020004" pitchFamily="50" charset="-127"/>
+                <a:ea typeface="맑은 고딕" panose="020B0503020000020004" pitchFamily="50" charset="-127"/>
+              </a:rPr>
+              <a:t> </a:t>
+            </a:r>
+            <a:r>
+              <a:rPr spc="-150" dirty="0" err="1">
+                <a:latin typeface="맑은 고딕" panose="020B0503020000020004" pitchFamily="50" charset="-127"/>
+                <a:ea typeface="맑은 고딕" panose="020B0503020000020004" pitchFamily="50" charset="-127"/>
+              </a:rPr>
+              <a:t>찾아서</a:t>
+            </a:r>
+            <a:endParaRPr spc="-150" dirty="0">
+              <a:latin typeface="맑은 고딕" panose="020B0503020000020004" pitchFamily="50" charset="-127"/>
+              <a:ea typeface="맑은 고딕" panose="020B0503020000020004" pitchFamily="50" charset="-127"/>
+            </a:endParaRPr>
           </a:p>
           <a:p>
             <a:pPr marL="0" indent="0">
@@ -4465,7 +5749,88 @@
               <a:buNone/>
             </a:pPr>
             <a:r>
-              <a:t>    메시지를 보내는 용도로 통신 Port Open</a:t>
+              <a:rPr dirty="0">
+                <a:latin typeface="맑은 고딕" panose="020B0503020000020004" pitchFamily="50" charset="-127"/>
+                <a:ea typeface="맑은 고딕" panose="020B0503020000020004" pitchFamily="50" charset="-127"/>
+              </a:rPr>
+              <a:t>    </a:t>
+            </a:r>
+            <a:r>
+              <a:rPr dirty="0" err="1">
+                <a:latin typeface="맑은 고딕" panose="020B0503020000020004" pitchFamily="50" charset="-127"/>
+                <a:ea typeface="맑은 고딕" panose="020B0503020000020004" pitchFamily="50" charset="-127"/>
+              </a:rPr>
+              <a:t>메시지를</a:t>
+            </a:r>
+            <a:r>
+              <a:rPr dirty="0">
+                <a:latin typeface="맑은 고딕" panose="020B0503020000020004" pitchFamily="50" charset="-127"/>
+                <a:ea typeface="맑은 고딕" panose="020B0503020000020004" pitchFamily="50" charset="-127"/>
+              </a:rPr>
+              <a:t> </a:t>
+            </a:r>
+            <a:r>
+              <a:rPr dirty="0" err="1">
+                <a:latin typeface="맑은 고딕" panose="020B0503020000020004" pitchFamily="50" charset="-127"/>
+                <a:ea typeface="맑은 고딕" panose="020B0503020000020004" pitchFamily="50" charset="-127"/>
+              </a:rPr>
+              <a:t>보내는</a:t>
+            </a:r>
+            <a:r>
+              <a:rPr dirty="0">
+                <a:latin typeface="맑은 고딕" panose="020B0503020000020004" pitchFamily="50" charset="-127"/>
+                <a:ea typeface="맑은 고딕" panose="020B0503020000020004" pitchFamily="50" charset="-127"/>
+              </a:rPr>
+              <a:t> </a:t>
+            </a:r>
+            <a:r>
+              <a:rPr dirty="0" err="1">
+                <a:latin typeface="맑은 고딕" panose="020B0503020000020004" pitchFamily="50" charset="-127"/>
+                <a:ea typeface="맑은 고딕" panose="020B0503020000020004" pitchFamily="50" charset="-127"/>
+              </a:rPr>
+              <a:t>용도로</a:t>
+            </a:r>
+            <a:r>
+              <a:rPr dirty="0">
+                <a:latin typeface="맑은 고딕" panose="020B0503020000020004" pitchFamily="50" charset="-127"/>
+                <a:ea typeface="맑은 고딕" panose="020B0503020000020004" pitchFamily="50" charset="-127"/>
+              </a:rPr>
+              <a:t> </a:t>
+            </a:r>
+            <a:r>
+              <a:rPr dirty="0" err="1">
+                <a:latin typeface="맑은 고딕" panose="020B0503020000020004" pitchFamily="50" charset="-127"/>
+                <a:ea typeface="맑은 고딕" panose="020B0503020000020004" pitchFamily="50" charset="-127"/>
+              </a:rPr>
+              <a:t>통신</a:t>
+            </a:r>
+            <a:r>
+              <a:rPr dirty="0">
+                <a:latin typeface="맑은 고딕" panose="020B0503020000020004" pitchFamily="50" charset="-127"/>
+                <a:ea typeface="맑은 고딕" panose="020B0503020000020004" pitchFamily="50" charset="-127"/>
+              </a:rPr>
+              <a:t> </a:t>
+            </a:r>
+            <a:r>
+              <a:rPr lang="ko-KR" altLang="en-US" dirty="0" smtClean="0">
+                <a:latin typeface="맑은 고딕" panose="020B0503020000020004" pitchFamily="50" charset="-127"/>
+                <a:ea typeface="맑은 고딕" panose="020B0503020000020004" pitchFamily="50" charset="-127"/>
+              </a:rPr>
+              <a:t>포트</a:t>
+            </a:r>
+            <a:r>
+              <a:rPr dirty="0" smtClean="0">
+                <a:latin typeface="맑은 고딕" panose="020B0503020000020004" pitchFamily="50" charset="-127"/>
+                <a:ea typeface="맑은 고딕" panose="020B0503020000020004" pitchFamily="50" charset="-127"/>
+              </a:rPr>
+              <a:t> </a:t>
+            </a:r>
+            <a:r>
+              <a:rPr dirty="0">
+                <a:latin typeface="맑은 고딕" panose="020B0503020000020004" pitchFamily="50" charset="-127"/>
+                <a:ea typeface="맑은 고딕" panose="020B0503020000020004" pitchFamily="50" charset="-127"/>
+              </a:rPr>
+              <a:t>Open</a:t>
             </a:r>
           </a:p>
           <a:p>
@@ -4474,6 +5839,10 @@
               <a:buNone/>
             </a:pPr>
             <a:r>
+              <a:rPr dirty="0">
+                <a:latin typeface="맑은 고딕" panose="020B0503020000020004" pitchFamily="50" charset="-127"/>
+                <a:ea typeface="맑은 고딕" panose="020B0503020000020004" pitchFamily="50" charset="-127"/>
+              </a:rPr>
               <a:t>}</a:t>
             </a:r>
           </a:p>
@@ -4482,6 +5851,10 @@
               <a:buSzTx/>
               <a:buNone/>
             </a:pPr>
+            <a:endParaRPr dirty="0">
+              <a:latin typeface="맑은 고딕" panose="020B0503020000020004" pitchFamily="50" charset="-127"/>
+              <a:ea typeface="맑은 고딕" panose="020B0503020000020004" pitchFamily="50" charset="-127"/>
+            </a:endParaRPr>
           </a:p>
           <a:p>
             <a:pPr marL="0" indent="0">
@@ -4489,6 +5862,10 @@
               <a:buNone/>
             </a:pPr>
             <a:r>
+              <a:rPr dirty="0">
+                <a:latin typeface="맑은 고딕" panose="020B0503020000020004" pitchFamily="50" charset="-127"/>
+                <a:ea typeface="맑은 고딕" panose="020B0503020000020004" pitchFamily="50" charset="-127"/>
+              </a:rPr>
               <a:t>play(velocity) {</a:t>
             </a:r>
           </a:p>
@@ -4498,7 +5875,88 @@
               <a:buNone/>
             </a:pPr>
             <a:r>
-              <a:t>    새 Thread를 만들어서 sendData 함수를 호출하도록 함</a:t>
+              <a:rPr dirty="0">
+                <a:latin typeface="맑은 고딕" panose="020B0503020000020004" pitchFamily="50" charset="-127"/>
+                <a:ea typeface="맑은 고딕" panose="020B0503020000020004" pitchFamily="50" charset="-127"/>
+              </a:rPr>
+              <a:t>    </a:t>
+            </a:r>
+            <a:r>
+              <a:rPr spc="-150" dirty="0">
+                <a:latin typeface="맑은 고딕" panose="020B0503020000020004" pitchFamily="50" charset="-127"/>
+                <a:ea typeface="맑은 고딕" panose="020B0503020000020004" pitchFamily="50" charset="-127"/>
+              </a:rPr>
+              <a:t>새 </a:t>
+            </a:r>
+            <a:r>
+              <a:rPr spc="-150" dirty="0" err="1">
+                <a:latin typeface="맑은 고딕" panose="020B0503020000020004" pitchFamily="50" charset="-127"/>
+                <a:ea typeface="맑은 고딕" panose="020B0503020000020004" pitchFamily="50" charset="-127"/>
+              </a:rPr>
+              <a:t>Thread를</a:t>
+            </a:r>
+            <a:r>
+              <a:rPr spc="-150" dirty="0">
+                <a:latin typeface="맑은 고딕" panose="020B0503020000020004" pitchFamily="50" charset="-127"/>
+                <a:ea typeface="맑은 고딕" panose="020B0503020000020004" pitchFamily="50" charset="-127"/>
+              </a:rPr>
+              <a:t> </a:t>
+            </a:r>
+            <a:r>
+              <a:rPr spc="-150" dirty="0" err="1">
+                <a:latin typeface="맑은 고딕" panose="020B0503020000020004" pitchFamily="50" charset="-127"/>
+                <a:ea typeface="맑은 고딕" panose="020B0503020000020004" pitchFamily="50" charset="-127"/>
+              </a:rPr>
+              <a:t>만들어서</a:t>
+            </a:r>
+            <a:r>
+              <a:rPr spc="-150" dirty="0">
+                <a:latin typeface="맑은 고딕" panose="020B0503020000020004" pitchFamily="50" charset="-127"/>
+                <a:ea typeface="맑은 고딕" panose="020B0503020000020004" pitchFamily="50" charset="-127"/>
+              </a:rPr>
+              <a:t> </a:t>
+            </a:r>
+            <a:r>
+              <a:rPr spc="-150" dirty="0" err="1">
+                <a:latin typeface="맑은 고딕" panose="020B0503020000020004" pitchFamily="50" charset="-127"/>
+                <a:ea typeface="맑은 고딕" panose="020B0503020000020004" pitchFamily="50" charset="-127"/>
+              </a:rPr>
+              <a:t>sendData</a:t>
+            </a:r>
+            <a:r>
+              <a:rPr spc="-150" dirty="0">
+                <a:latin typeface="맑은 고딕" panose="020B0503020000020004" pitchFamily="50" charset="-127"/>
+                <a:ea typeface="맑은 고딕" panose="020B0503020000020004" pitchFamily="50" charset="-127"/>
+              </a:rPr>
+              <a:t> </a:t>
+            </a:r>
+            <a:r>
+              <a:rPr spc="-150" dirty="0" err="1">
+                <a:latin typeface="맑은 고딕" panose="020B0503020000020004" pitchFamily="50" charset="-127"/>
+                <a:ea typeface="맑은 고딕" panose="020B0503020000020004" pitchFamily="50" charset="-127"/>
+              </a:rPr>
+              <a:t>함수를</a:t>
+            </a:r>
+            <a:r>
+              <a:rPr spc="-150" dirty="0">
+                <a:latin typeface="맑은 고딕" panose="020B0503020000020004" pitchFamily="50" charset="-127"/>
+                <a:ea typeface="맑은 고딕" panose="020B0503020000020004" pitchFamily="50" charset="-127"/>
+              </a:rPr>
+              <a:t> </a:t>
+            </a:r>
+            <a:r>
+              <a:rPr spc="-150" dirty="0" err="1">
+                <a:latin typeface="맑은 고딕" panose="020B0503020000020004" pitchFamily="50" charset="-127"/>
+                <a:ea typeface="맑은 고딕" panose="020B0503020000020004" pitchFamily="50" charset="-127"/>
+              </a:rPr>
+              <a:t>호출하도록</a:t>
+            </a:r>
+            <a:r>
+              <a:rPr spc="-150" dirty="0">
+                <a:latin typeface="맑은 고딕" panose="020B0503020000020004" pitchFamily="50" charset="-127"/>
+                <a:ea typeface="맑은 고딕" panose="020B0503020000020004" pitchFamily="50" charset="-127"/>
+              </a:rPr>
+              <a:t> 함</a:t>
             </a:r>
           </a:p>
           <a:p>
@@ -4507,7 +5965,53 @@
               <a:buNone/>
             </a:pPr>
             <a:r>
-              <a:t>    (velocity를 전달하며 호출)</a:t>
+              <a:rPr dirty="0">
+                <a:latin typeface="맑은 고딕" panose="020B0503020000020004" pitchFamily="50" charset="-127"/>
+                <a:ea typeface="맑은 고딕" panose="020B0503020000020004" pitchFamily="50" charset="-127"/>
+              </a:rPr>
+              <a:t>    (</a:t>
+            </a:r>
+            <a:r>
+              <a:rPr dirty="0" err="1">
+                <a:latin typeface="맑은 고딕" panose="020B0503020000020004" pitchFamily="50" charset="-127"/>
+                <a:ea typeface="맑은 고딕" panose="020B0503020000020004" pitchFamily="50" charset="-127"/>
+              </a:rPr>
+              <a:t>velocity를</a:t>
+            </a:r>
+            <a:r>
+              <a:rPr dirty="0">
+                <a:latin typeface="맑은 고딕" panose="020B0503020000020004" pitchFamily="50" charset="-127"/>
+                <a:ea typeface="맑은 고딕" panose="020B0503020000020004" pitchFamily="50" charset="-127"/>
+              </a:rPr>
+              <a:t> </a:t>
+            </a:r>
+            <a:r>
+              <a:rPr dirty="0" err="1">
+                <a:latin typeface="맑은 고딕" panose="020B0503020000020004" pitchFamily="50" charset="-127"/>
+                <a:ea typeface="맑은 고딕" panose="020B0503020000020004" pitchFamily="50" charset="-127"/>
+              </a:rPr>
+              <a:t>전달하며</a:t>
+            </a:r>
+            <a:r>
+              <a:rPr dirty="0">
+                <a:latin typeface="맑은 고딕" panose="020B0503020000020004" pitchFamily="50" charset="-127"/>
+                <a:ea typeface="맑은 고딕" panose="020B0503020000020004" pitchFamily="50" charset="-127"/>
+              </a:rPr>
+              <a:t> </a:t>
+            </a:r>
+            <a:r>
+              <a:rPr dirty="0" err="1">
+                <a:latin typeface="맑은 고딕" panose="020B0503020000020004" pitchFamily="50" charset="-127"/>
+                <a:ea typeface="맑은 고딕" panose="020B0503020000020004" pitchFamily="50" charset="-127"/>
+              </a:rPr>
+              <a:t>호출</a:t>
+            </a:r>
+            <a:r>
+              <a:rPr dirty="0">
+                <a:latin typeface="맑은 고딕" panose="020B0503020000020004" pitchFamily="50" charset="-127"/>
+                <a:ea typeface="맑은 고딕" panose="020B0503020000020004" pitchFamily="50" charset="-127"/>
+              </a:rPr>
+              <a:t>)</a:t>
             </a:r>
           </a:p>
           <a:p>
@@ -4516,6 +6020,10 @@
               <a:buNone/>
             </a:pPr>
             <a:r>
+              <a:rPr dirty="0">
+                <a:latin typeface="맑은 고딕" panose="020B0503020000020004" pitchFamily="50" charset="-127"/>
+                <a:ea typeface="맑은 고딕" panose="020B0503020000020004" pitchFamily="50" charset="-127"/>
+              </a:rPr>
               <a:t>}</a:t>
             </a:r>
           </a:p>
@@ -4524,6 +6032,10 @@
               <a:buSzTx/>
               <a:buNone/>
             </a:pPr>
+            <a:endParaRPr dirty="0">
+              <a:latin typeface="맑은 고딕" panose="020B0503020000020004" pitchFamily="50" charset="-127"/>
+              <a:ea typeface="맑은 고딕" panose="020B0503020000020004" pitchFamily="50" charset="-127"/>
+            </a:endParaRPr>
           </a:p>
           <a:p>
             <a:pPr marL="0" indent="0">
@@ -4531,7 +6043,18 @@
               <a:buNone/>
             </a:pPr>
             <a:r>
-              <a:t>sendData(velocity) {</a:t>
+              <a:rPr dirty="0" err="1">
+                <a:latin typeface="맑은 고딕" panose="020B0503020000020004" pitchFamily="50" charset="-127"/>
+                <a:ea typeface="맑은 고딕" panose="020B0503020000020004" pitchFamily="50" charset="-127"/>
+              </a:rPr>
+              <a:t>sendData</a:t>
+            </a:r>
+            <a:r>
+              <a:rPr dirty="0">
+                <a:latin typeface="맑은 고딕" panose="020B0503020000020004" pitchFamily="50" charset="-127"/>
+                <a:ea typeface="맑은 고딕" panose="020B0503020000020004" pitchFamily="50" charset="-127"/>
+              </a:rPr>
+              <a:t>(velocity) {</a:t>
             </a:r>
           </a:p>
           <a:p>
@@ -4540,8 +6063,23 @@
               <a:buNone/>
             </a:pPr>
             <a:r>
-              <a:t>    byte command = 0x90; //Note On 명령</a:t>
-            </a:r>
+              <a:rPr dirty="0">
+                <a:latin typeface="맑은 고딕" panose="020B0503020000020004" pitchFamily="50" charset="-127"/>
+                <a:ea typeface="맑은 고딕" panose="020B0503020000020004" pitchFamily="50" charset="-127"/>
+              </a:rPr>
+              <a:t>    byte command = 0x90; //Note On </a:t>
+            </a:r>
+            <a:r>
+              <a:rPr dirty="0" err="1">
+                <a:latin typeface="맑은 고딕" panose="020B0503020000020004" pitchFamily="50" charset="-127"/>
+                <a:ea typeface="맑은 고딕" panose="020B0503020000020004" pitchFamily="50" charset="-127"/>
+              </a:rPr>
+              <a:t>명령</a:t>
+            </a:r>
+            <a:endParaRPr dirty="0">
+              <a:latin typeface="맑은 고딕" panose="020B0503020000020004" pitchFamily="50" charset="-127"/>
+              <a:ea typeface="맑은 고딕" panose="020B0503020000020004" pitchFamily="50" charset="-127"/>
+            </a:endParaRPr>
           </a:p>
           <a:p>
             <a:pPr marL="0" indent="0">
@@ -4549,7 +6087,53 @@
               <a:buNone/>
             </a:pPr>
             <a:r>
-              <a:t>    int data = ( velocity &lt;&lt; 16 ) + ( note &lt;&lt; 8 ) + command;</a:t>
+              <a:rPr dirty="0">
+                <a:latin typeface="맑은 고딕" panose="020B0503020000020004" pitchFamily="50" charset="-127"/>
+                <a:ea typeface="맑은 고딕" panose="020B0503020000020004" pitchFamily="50" charset="-127"/>
+              </a:rPr>
+              <a:t>    </a:t>
+            </a:r>
+            <a:r>
+              <a:rPr dirty="0" err="1">
+                <a:latin typeface="맑은 고딕" panose="020B0503020000020004" pitchFamily="50" charset="-127"/>
+                <a:ea typeface="맑은 고딕" panose="020B0503020000020004" pitchFamily="50" charset="-127"/>
+              </a:rPr>
+              <a:t>int</a:t>
+            </a:r>
+            <a:r>
+              <a:rPr dirty="0">
+                <a:latin typeface="맑은 고딕" panose="020B0503020000020004" pitchFamily="50" charset="-127"/>
+                <a:ea typeface="맑은 고딕" panose="020B0503020000020004" pitchFamily="50" charset="-127"/>
+              </a:rPr>
+              <a:t> </a:t>
+            </a:r>
+            <a:r>
+              <a:rPr dirty="0" smtClean="0">
+                <a:latin typeface="맑은 고딕" panose="020B0503020000020004" pitchFamily="50" charset="-127"/>
+                <a:ea typeface="맑은 고딕" panose="020B0503020000020004" pitchFamily="50" charset="-127"/>
+              </a:rPr>
+              <a:t>data= (velocity&lt;&lt;16) </a:t>
+            </a:r>
+            <a:r>
+              <a:rPr dirty="0">
+                <a:latin typeface="맑은 고딕" panose="020B0503020000020004" pitchFamily="50" charset="-127"/>
+                <a:ea typeface="맑은 고딕" panose="020B0503020000020004" pitchFamily="50" charset="-127"/>
+              </a:rPr>
+              <a:t>+ </a:t>
+            </a:r>
+            <a:r>
+              <a:rPr dirty="0" smtClean="0">
+                <a:latin typeface="맑은 고딕" panose="020B0503020000020004" pitchFamily="50" charset="-127"/>
+                <a:ea typeface="맑은 고딕" panose="020B0503020000020004" pitchFamily="50" charset="-127"/>
+              </a:rPr>
+              <a:t>(note&lt;&lt;8) </a:t>
+            </a:r>
+            <a:r>
+              <a:rPr dirty="0">
+                <a:latin typeface="맑은 고딕" panose="020B0503020000020004" pitchFamily="50" charset="-127"/>
+                <a:ea typeface="맑은 고딕" panose="020B0503020000020004" pitchFamily="50" charset="-127"/>
+              </a:rPr>
+              <a:t>+ command;</a:t>
             </a:r>
           </a:p>
           <a:p>
@@ -4558,8 +6142,37 @@
               <a:buNone/>
             </a:pPr>
             <a:r>
-              <a:t>    MIDI 통신 Port 로 data 전송</a:t>
-            </a:r>
+              <a:rPr dirty="0">
+                <a:latin typeface="맑은 고딕" panose="020B0503020000020004" pitchFamily="50" charset="-127"/>
+                <a:ea typeface="맑은 고딕" panose="020B0503020000020004" pitchFamily="50" charset="-127"/>
+              </a:rPr>
+              <a:t>    MIDI </a:t>
+            </a:r>
+            <a:r>
+              <a:rPr dirty="0" err="1">
+                <a:latin typeface="맑은 고딕" panose="020B0503020000020004" pitchFamily="50" charset="-127"/>
+                <a:ea typeface="맑은 고딕" panose="020B0503020000020004" pitchFamily="50" charset="-127"/>
+              </a:rPr>
+              <a:t>통신</a:t>
+            </a:r>
+            <a:r>
+              <a:rPr dirty="0">
+                <a:latin typeface="맑은 고딕" panose="020B0503020000020004" pitchFamily="50" charset="-127"/>
+                <a:ea typeface="맑은 고딕" panose="020B0503020000020004" pitchFamily="50" charset="-127"/>
+              </a:rPr>
+              <a:t> Port 로 data </a:t>
+            </a:r>
+            <a:r>
+              <a:rPr dirty="0" err="1">
+                <a:latin typeface="맑은 고딕" panose="020B0503020000020004" pitchFamily="50" charset="-127"/>
+                <a:ea typeface="맑은 고딕" panose="020B0503020000020004" pitchFamily="50" charset="-127"/>
+              </a:rPr>
+              <a:t>전송</a:t>
+            </a:r>
+            <a:endParaRPr dirty="0">
+              <a:latin typeface="맑은 고딕" panose="020B0503020000020004" pitchFamily="50" charset="-127"/>
+              <a:ea typeface="맑은 고딕" panose="020B0503020000020004" pitchFamily="50" charset="-127"/>
+            </a:endParaRPr>
           </a:p>
           <a:p>
             <a:pPr marL="0" indent="0">
@@ -4567,7 +6180,53 @@
               <a:buNone/>
             </a:pPr>
             <a:r>
-              <a:t>    50ms 동안 Thread를 쉬게(sleep) 함</a:t>
+              <a:rPr dirty="0">
+                <a:latin typeface="맑은 고딕" panose="020B0503020000020004" pitchFamily="50" charset="-127"/>
+                <a:ea typeface="맑은 고딕" panose="020B0503020000020004" pitchFamily="50" charset="-127"/>
+              </a:rPr>
+              <a:t>    50ms </a:t>
+            </a:r>
+            <a:r>
+              <a:rPr dirty="0" err="1">
+                <a:latin typeface="맑은 고딕" panose="020B0503020000020004" pitchFamily="50" charset="-127"/>
+                <a:ea typeface="맑은 고딕" panose="020B0503020000020004" pitchFamily="50" charset="-127"/>
+              </a:rPr>
+              <a:t>동안</a:t>
+            </a:r>
+            <a:r>
+              <a:rPr dirty="0">
+                <a:latin typeface="맑은 고딕" panose="020B0503020000020004" pitchFamily="50" charset="-127"/>
+                <a:ea typeface="맑은 고딕" panose="020B0503020000020004" pitchFamily="50" charset="-127"/>
+              </a:rPr>
+              <a:t> </a:t>
+            </a:r>
+            <a:r>
+              <a:rPr dirty="0" err="1">
+                <a:latin typeface="맑은 고딕" panose="020B0503020000020004" pitchFamily="50" charset="-127"/>
+                <a:ea typeface="맑은 고딕" panose="020B0503020000020004" pitchFamily="50" charset="-127"/>
+              </a:rPr>
+              <a:t>Thread를</a:t>
+            </a:r>
+            <a:r>
+              <a:rPr dirty="0">
+                <a:latin typeface="맑은 고딕" panose="020B0503020000020004" pitchFamily="50" charset="-127"/>
+                <a:ea typeface="맑은 고딕" panose="020B0503020000020004" pitchFamily="50" charset="-127"/>
+              </a:rPr>
+              <a:t> </a:t>
+            </a:r>
+            <a:r>
+              <a:rPr dirty="0" err="1">
+                <a:latin typeface="맑은 고딕" panose="020B0503020000020004" pitchFamily="50" charset="-127"/>
+                <a:ea typeface="맑은 고딕" panose="020B0503020000020004" pitchFamily="50" charset="-127"/>
+              </a:rPr>
+              <a:t>쉬게</a:t>
+            </a:r>
+            <a:r>
+              <a:rPr dirty="0">
+                <a:latin typeface="맑은 고딕" panose="020B0503020000020004" pitchFamily="50" charset="-127"/>
+                <a:ea typeface="맑은 고딕" panose="020B0503020000020004" pitchFamily="50" charset="-127"/>
+              </a:rPr>
+              <a:t>(sleep) 함</a:t>
             </a:r>
           </a:p>
           <a:p>
@@ -4576,8 +6235,51 @@
               <a:buNone/>
             </a:pPr>
             <a:r>
-              <a:t>    data를 Note Off 명령으로 바꿈</a:t>
-            </a:r>
+              <a:rPr dirty="0">
+                <a:latin typeface="맑은 고딕" panose="020B0503020000020004" pitchFamily="50" charset="-127"/>
+                <a:ea typeface="맑은 고딕" panose="020B0503020000020004" pitchFamily="50" charset="-127"/>
+              </a:rPr>
+              <a:t>    </a:t>
+            </a:r>
+            <a:r>
+              <a:rPr dirty="0" err="1">
+                <a:latin typeface="맑은 고딕" panose="020B0503020000020004" pitchFamily="50" charset="-127"/>
+                <a:ea typeface="맑은 고딕" panose="020B0503020000020004" pitchFamily="50" charset="-127"/>
+              </a:rPr>
+              <a:t>data를</a:t>
+            </a:r>
+            <a:r>
+              <a:rPr dirty="0">
+                <a:latin typeface="맑은 고딕" panose="020B0503020000020004" pitchFamily="50" charset="-127"/>
+                <a:ea typeface="맑은 고딕" panose="020B0503020000020004" pitchFamily="50" charset="-127"/>
+              </a:rPr>
+              <a:t> Note Off </a:t>
+            </a:r>
+            <a:r>
+              <a:rPr dirty="0" err="1">
+                <a:latin typeface="맑은 고딕" panose="020B0503020000020004" pitchFamily="50" charset="-127"/>
+                <a:ea typeface="맑은 고딕" panose="020B0503020000020004" pitchFamily="50" charset="-127"/>
+              </a:rPr>
+              <a:t>명령으로</a:t>
+            </a:r>
+            <a:r>
+              <a:rPr dirty="0">
+                <a:latin typeface="맑은 고딕" panose="020B0503020000020004" pitchFamily="50" charset="-127"/>
+                <a:ea typeface="맑은 고딕" panose="020B0503020000020004" pitchFamily="50" charset="-127"/>
+              </a:rPr>
+              <a:t> </a:t>
+            </a:r>
+            <a:r>
+              <a:rPr dirty="0" err="1">
+                <a:latin typeface="맑은 고딕" panose="020B0503020000020004" pitchFamily="50" charset="-127"/>
+                <a:ea typeface="맑은 고딕" panose="020B0503020000020004" pitchFamily="50" charset="-127"/>
+              </a:rPr>
+              <a:t>바꿈</a:t>
+            </a:r>
+            <a:endParaRPr dirty="0">
+              <a:latin typeface="맑은 고딕" panose="020B0503020000020004" pitchFamily="50" charset="-127"/>
+              <a:ea typeface="맑은 고딕" panose="020B0503020000020004" pitchFamily="50" charset="-127"/>
+            </a:endParaRPr>
           </a:p>
           <a:p>
             <a:pPr marL="0" indent="0">
@@ -4585,8 +6287,37 @@
               <a:buNone/>
             </a:pPr>
             <a:r>
-              <a:t>    MIDI 통신 Port 로 data 전송</a:t>
-            </a:r>
+              <a:rPr dirty="0">
+                <a:latin typeface="맑은 고딕" panose="020B0503020000020004" pitchFamily="50" charset="-127"/>
+                <a:ea typeface="맑은 고딕" panose="020B0503020000020004" pitchFamily="50" charset="-127"/>
+              </a:rPr>
+              <a:t>    MIDI </a:t>
+            </a:r>
+            <a:r>
+              <a:rPr dirty="0" err="1">
+                <a:latin typeface="맑은 고딕" panose="020B0503020000020004" pitchFamily="50" charset="-127"/>
+                <a:ea typeface="맑은 고딕" panose="020B0503020000020004" pitchFamily="50" charset="-127"/>
+              </a:rPr>
+              <a:t>통신</a:t>
+            </a:r>
+            <a:r>
+              <a:rPr dirty="0">
+                <a:latin typeface="맑은 고딕" panose="020B0503020000020004" pitchFamily="50" charset="-127"/>
+                <a:ea typeface="맑은 고딕" panose="020B0503020000020004" pitchFamily="50" charset="-127"/>
+              </a:rPr>
+              <a:t> Port 로 data </a:t>
+            </a:r>
+            <a:r>
+              <a:rPr dirty="0" err="1">
+                <a:latin typeface="맑은 고딕" panose="020B0503020000020004" pitchFamily="50" charset="-127"/>
+                <a:ea typeface="맑은 고딕" panose="020B0503020000020004" pitchFamily="50" charset="-127"/>
+              </a:rPr>
+              <a:t>전송</a:t>
+            </a:r>
+            <a:endParaRPr dirty="0">
+              <a:latin typeface="맑은 고딕" panose="020B0503020000020004" pitchFamily="50" charset="-127"/>
+              <a:ea typeface="맑은 고딕" panose="020B0503020000020004" pitchFamily="50" charset="-127"/>
+            </a:endParaRPr>
           </a:p>
           <a:p>
             <a:pPr marL="0" indent="0">
@@ -4594,6 +6325,10 @@
               <a:buNone/>
             </a:pPr>
             <a:r>
+              <a:rPr dirty="0">
+                <a:latin typeface="맑은 고딕" panose="020B0503020000020004" pitchFamily="50" charset="-127"/>
+                <a:ea typeface="맑은 고딕" panose="020B0503020000020004" pitchFamily="50" charset="-127"/>
+              </a:rPr>
               <a:t>}</a:t>
             </a:r>
           </a:p>
@@ -4603,7 +6338,32 @@
               <a:buNone/>
             </a:pPr>
             <a:r>
-              <a:t>프로그램이 종료될 때 {</a:t>
+              <a:rPr dirty="0" err="1">
+                <a:latin typeface="맑은 고딕" panose="020B0503020000020004" pitchFamily="50" charset="-127"/>
+                <a:ea typeface="맑은 고딕" panose="020B0503020000020004" pitchFamily="50" charset="-127"/>
+              </a:rPr>
+              <a:t>프로그램이</a:t>
+            </a:r>
+            <a:r>
+              <a:rPr dirty="0">
+                <a:latin typeface="맑은 고딕" panose="020B0503020000020004" pitchFamily="50" charset="-127"/>
+                <a:ea typeface="맑은 고딕" panose="020B0503020000020004" pitchFamily="50" charset="-127"/>
+              </a:rPr>
+              <a:t> </a:t>
+            </a:r>
+            <a:r>
+              <a:rPr dirty="0" err="1">
+                <a:latin typeface="맑은 고딕" panose="020B0503020000020004" pitchFamily="50" charset="-127"/>
+                <a:ea typeface="맑은 고딕" panose="020B0503020000020004" pitchFamily="50" charset="-127"/>
+              </a:rPr>
+              <a:t>종료될</a:t>
+            </a:r>
+            <a:r>
+              <a:rPr dirty="0">
+                <a:latin typeface="맑은 고딕" panose="020B0503020000020004" pitchFamily="50" charset="-127"/>
+                <a:ea typeface="맑은 고딕" panose="020B0503020000020004" pitchFamily="50" charset="-127"/>
+              </a:rPr>
+              <a:t> 때 {</a:t>
             </a:r>
           </a:p>
           <a:p>
@@ -4612,7 +6372,46 @@
               <a:buNone/>
             </a:pPr>
             <a:r>
-              <a:t>    통신 Port Close</a:t>
+              <a:rPr dirty="0">
+                <a:latin typeface="맑은 고딕" panose="020B0503020000020004" pitchFamily="50" charset="-127"/>
+                <a:ea typeface="맑은 고딕" panose="020B0503020000020004" pitchFamily="50" charset="-127"/>
+              </a:rPr>
+              <a:t>    </a:t>
+            </a:r>
+            <a:r>
+              <a:rPr dirty="0" err="1">
+                <a:latin typeface="맑은 고딕" panose="020B0503020000020004" pitchFamily="50" charset="-127"/>
+                <a:ea typeface="맑은 고딕" panose="020B0503020000020004" pitchFamily="50" charset="-127"/>
+              </a:rPr>
+              <a:t>통신</a:t>
+            </a:r>
+            <a:r>
+              <a:rPr dirty="0">
+                <a:latin typeface="맑은 고딕" panose="020B0503020000020004" pitchFamily="50" charset="-127"/>
+                <a:ea typeface="맑은 고딕" panose="020B0503020000020004" pitchFamily="50" charset="-127"/>
+              </a:rPr>
+              <a:t> </a:t>
+            </a:r>
+            <a:r>
+              <a:rPr lang="ko-KR" altLang="en-US" dirty="0" smtClean="0">
+                <a:latin typeface="맑은 고딕" panose="020B0503020000020004" pitchFamily="50" charset="-127"/>
+                <a:ea typeface="맑은 고딕" panose="020B0503020000020004" pitchFamily="50" charset="-127"/>
+              </a:rPr>
+              <a:t>포트</a:t>
+            </a:r>
+            <a:r>
+              <a:rPr dirty="0" smtClean="0">
+                <a:latin typeface="맑은 고딕" panose="020B0503020000020004" pitchFamily="50" charset="-127"/>
+                <a:ea typeface="맑은 고딕" panose="020B0503020000020004" pitchFamily="50" charset="-127"/>
+              </a:rPr>
+              <a:t> </a:t>
+            </a:r>
+            <a:r>
+              <a:rPr dirty="0">
+                <a:latin typeface="맑은 고딕" panose="020B0503020000020004" pitchFamily="50" charset="-127"/>
+                <a:ea typeface="맑은 고딕" panose="020B0503020000020004" pitchFamily="50" charset="-127"/>
+              </a:rPr>
+              <a:t>Close</a:t>
             </a:r>
           </a:p>
           <a:p>
@@ -4621,6 +6420,10 @@
               <a:buNone/>
             </a:pPr>
             <a:r>
+              <a:rPr dirty="0">
+                <a:latin typeface="맑은 고딕" panose="020B0503020000020004" pitchFamily="50" charset="-127"/>
+                <a:ea typeface="맑은 고딕" panose="020B0503020000020004" pitchFamily="50" charset="-127"/>
+              </a:rPr>
               <a:t>}</a:t>
             </a:r>
           </a:p>
@@ -4631,12 +6434,12 @@
   <p:clrMapOvr>
     <a:masterClrMapping/>
   </p:clrMapOvr>
-  <p:transition xmlns:p14="http://schemas.microsoft.com/office/powerpoint/2010/main" spd="med" advClick="1"/>
+  <p:transition spd="med"/>
 </p:sld>
 </file>
 
 <file path=ppt/theme/theme1.xml><?xml version="1.0" encoding="utf-8"?>
-<a:theme xmlns:a="http://schemas.openxmlformats.org/drawingml/2006/main" xmlns:r="http://schemas.openxmlformats.org/officeDocument/2006/relationships" name="White">
+<a:theme xmlns:a="http://schemas.openxmlformats.org/drawingml/2006/main" name="White">
   <a:themeElements>
     <a:clrScheme name="White">
       <a:dk1>
@@ -4762,7 +6565,7 @@
       <a:effectStyleLst>
         <a:effectStyle>
           <a:effectLst>
-            <a:outerShdw sx="100000" sy="100000" kx="0" ky="0" algn="b" rotWithShape="0" blurRad="38100" dist="25400" dir="5400000">
+            <a:outerShdw blurRad="38100" dist="25400" dir="5400000" rotWithShape="0">
               <a:srgbClr val="000000">
                 <a:alpha val="50000"/>
               </a:srgbClr>
@@ -4771,7 +6574,7 @@
         </a:effectStyle>
         <a:effectStyle>
           <a:effectLst>
-            <a:outerShdw sx="100000" sy="100000" kx="0" ky="0" algn="b" rotWithShape="0" blurRad="50800" dist="12700" dir="0">
+            <a:outerShdw blurRad="50800" dist="12700" rotWithShape="0">
               <a:srgbClr val="000000">
                 <a:alpha val="50000"/>
               </a:srgbClr>
@@ -4780,7 +6583,7 @@
         </a:effectStyle>
         <a:effectStyle>
           <a:effectLst>
-            <a:outerShdw sx="100000" sy="100000" kx="0" ky="0" algn="b" rotWithShape="0" blurRad="38100" dist="25400" dir="5400000">
+            <a:outerShdw blurRad="38100" dist="25400" dir="5400000" rotWithShape="0">
               <a:srgbClr val="000000">
                 <a:alpha val="50000"/>
               </a:srgbClr>
@@ -4844,8 +6647,8 @@
     <a:spDef>
       <a:spPr>
         <a:blipFill rotWithShape="1">
-          <a:blip r:embed="rId1"/>
-          <a:srcRect l="0" t="0" r="0" b="0"/>
+          <a:blip xmlns:r="http://schemas.openxmlformats.org/officeDocument/2006/relationships" r:embed="rId1"/>
+          <a:srcRect/>
           <a:tile tx="0" ty="0" sx="100000" sy="100000" flip="none" algn="tl"/>
         </a:blipFill>
         <a:ln w="12700" cap="flat">
@@ -4853,7 +6656,7 @@
           <a:miter lim="400000"/>
         </a:ln>
         <a:effectLst>
-          <a:outerShdw sx="100000" sy="100000" kx="0" ky="0" algn="b" rotWithShape="0" blurRad="38100" dist="25400" dir="5400000">
+          <a:outerShdw blurRad="38100" dist="25400" dir="5400000" rotWithShape="0">
             <a:srgbClr val="000000">
               <a:alpha val="50000"/>
             </a:srgbClr>
@@ -4861,7 +6664,7 @@
         </a:effectLst>
         <a:sp3d/>
       </a:spPr>
-      <a:bodyPr rot="0" spcFirstLastPara="1" vertOverflow="overflow" horzOverflow="overflow" vert="horz" wrap="square" lIns="50800" tIns="50800" rIns="50800" bIns="50800" numCol="1" spcCol="38100" rtlCol="0" anchor="ctr" upright="0">
+      <a:bodyPr rot="0" spcFirstLastPara="1" vertOverflow="overflow" horzOverflow="overflow" vert="horz" wrap="square" lIns="50800" tIns="50800" rIns="50800" bIns="50800" numCol="1" spcCol="38100" rtlCol="0" anchor="ctr">
         <a:spAutoFit/>
       </a:bodyPr>
       <a:lstStyle>
@@ -4880,7 +6683,7 @@
           <a:buFontTx/>
           <a:buNone/>
           <a:tabLst/>
-          <a:defRPr b="0" baseline="0" cap="none" i="0" spc="0" strike="noStrike" sz="2400" u="none" kumimoji="0" normalizeH="0">
+          <a:defRPr kumimoji="0" sz="2400" b="0" i="0" u="none" strike="noStrike" cap="none" spc="0" normalizeH="0" baseline="0">
             <a:ln>
               <a:noFill/>
             </a:ln>
@@ -4910,7 +6713,7 @@
           <a:buFontTx/>
           <a:buNone/>
           <a:tabLst/>
-          <a:defRPr b="0" baseline="0" cap="none" i="0" spc="0" strike="noStrike" sz="1800" u="none" kumimoji="0" normalizeH="0">
+          <a:defRPr kumimoji="0" sz="1800" b="0" i="0" u="none" strike="noStrike" cap="none" spc="0" normalizeH="0" baseline="0">
             <a:ln>
               <a:noFill/>
             </a:ln>
@@ -4936,7 +6739,7 @@
           <a:buFontTx/>
           <a:buNone/>
           <a:tabLst/>
-          <a:defRPr b="0" baseline="0" cap="none" i="0" spc="0" strike="noStrike" sz="1800" u="none" kumimoji="0" normalizeH="0">
+          <a:defRPr kumimoji="0" sz="1800" b="0" i="0" u="none" strike="noStrike" cap="none" spc="0" normalizeH="0" baseline="0">
             <a:ln>
               <a:noFill/>
             </a:ln>
@@ -4962,7 +6765,7 @@
           <a:buFontTx/>
           <a:buNone/>
           <a:tabLst/>
-          <a:defRPr b="0" baseline="0" cap="none" i="0" spc="0" strike="noStrike" sz="1800" u="none" kumimoji="0" normalizeH="0">
+          <a:defRPr kumimoji="0" sz="1800" b="0" i="0" u="none" strike="noStrike" cap="none" spc="0" normalizeH="0" baseline="0">
             <a:ln>
               <a:noFill/>
             </a:ln>
@@ -4988,7 +6791,7 @@
           <a:buFontTx/>
           <a:buNone/>
           <a:tabLst/>
-          <a:defRPr b="0" baseline="0" cap="none" i="0" spc="0" strike="noStrike" sz="1800" u="none" kumimoji="0" normalizeH="0">
+          <a:defRPr kumimoji="0" sz="1800" b="0" i="0" u="none" strike="noStrike" cap="none" spc="0" normalizeH="0" baseline="0">
             <a:ln>
               <a:noFill/>
             </a:ln>
@@ -5014,7 +6817,7 @@
           <a:buFontTx/>
           <a:buNone/>
           <a:tabLst/>
-          <a:defRPr b="0" baseline="0" cap="none" i="0" spc="0" strike="noStrike" sz="1800" u="none" kumimoji="0" normalizeH="0">
+          <a:defRPr kumimoji="0" sz="1800" b="0" i="0" u="none" strike="noStrike" cap="none" spc="0" normalizeH="0" baseline="0">
             <a:ln>
               <a:noFill/>
             </a:ln>
@@ -5040,7 +6843,7 @@
           <a:buFontTx/>
           <a:buNone/>
           <a:tabLst/>
-          <a:defRPr b="0" baseline="0" cap="none" i="0" spc="0" strike="noStrike" sz="1800" u="none" kumimoji="0" normalizeH="0">
+          <a:defRPr kumimoji="0" sz="1800" b="0" i="0" u="none" strike="noStrike" cap="none" spc="0" normalizeH="0" baseline="0">
             <a:ln>
               <a:noFill/>
             </a:ln>
@@ -5066,7 +6869,7 @@
           <a:buFontTx/>
           <a:buNone/>
           <a:tabLst/>
-          <a:defRPr b="0" baseline="0" cap="none" i="0" spc="0" strike="noStrike" sz="1800" u="none" kumimoji="0" normalizeH="0">
+          <a:defRPr kumimoji="0" sz="1800" b="0" i="0" u="none" strike="noStrike" cap="none" spc="0" normalizeH="0" baseline="0">
             <a:ln>
               <a:noFill/>
             </a:ln>
@@ -5092,7 +6895,7 @@
           <a:buFontTx/>
           <a:buNone/>
           <a:tabLst/>
-          <a:defRPr b="0" baseline="0" cap="none" i="0" spc="0" strike="noStrike" sz="1800" u="none" kumimoji="0" normalizeH="0">
+          <a:defRPr kumimoji="0" sz="1800" b="0" i="0" u="none" strike="noStrike" cap="none" spc="0" normalizeH="0" baseline="0">
             <a:ln>
               <a:noFill/>
             </a:ln>
@@ -5118,7 +6921,7 @@
           <a:buFontTx/>
           <a:buNone/>
           <a:tabLst/>
-          <a:defRPr b="0" baseline="0" cap="none" i="0" spc="0" strike="noStrike" sz="1800" u="none" kumimoji="0" normalizeH="0">
+          <a:defRPr kumimoji="0" sz="1800" b="0" i="0" u="none" strike="noStrike" cap="none" spc="0" normalizeH="0" baseline="0">
             <a:ln>
               <a:noFill/>
             </a:ln>
@@ -5131,9 +6934,15 @@
         </a:lvl9pPr>
       </a:lstStyle>
       <a:style>
-        <a:lnRef idx="0"/>
-        <a:fillRef idx="0"/>
-        <a:effectRef idx="0"/>
+        <a:lnRef idx="0">
+          <a:scrgbClr r="0" g="0" b="0"/>
+        </a:lnRef>
+        <a:fillRef idx="0">
+          <a:scrgbClr r="0" g="0" b="0"/>
+        </a:fillRef>
+        <a:effectRef idx="0">
+          <a:scrgbClr r="0" g="0" b="0"/>
+        </a:effectRef>
         <a:fontRef idx="none"/>
       </a:style>
     </a:spDef>
@@ -5150,7 +6959,7 @@
         <a:effectLst/>
         <a:sp3d/>
       </a:spPr>
-      <a:bodyPr rot="0" spcFirstLastPara="1" vertOverflow="overflow" horzOverflow="overflow" vert="horz" wrap="square" lIns="91439" tIns="45719" rIns="91439" bIns="45719" numCol="1" spcCol="38100" rtlCol="0" anchor="t" upright="0">
+      <a:bodyPr rot="0" spcFirstLastPara="1" vertOverflow="overflow" horzOverflow="overflow" vert="horz" wrap="square" lIns="91439" tIns="45719" rIns="91439" bIns="45719" numCol="1" spcCol="38100" rtlCol="0" anchor="t">
         <a:noAutofit/>
       </a:bodyPr>
       <a:lstStyle>
@@ -5169,7 +6978,7 @@
           <a:buFontTx/>
           <a:buNone/>
           <a:tabLst/>
-          <a:defRPr b="0" baseline="0" cap="none" i="0" spc="0" strike="noStrike" sz="1800" u="none" kumimoji="0" normalizeH="0">
+          <a:defRPr kumimoji="0" sz="1800" b="0" i="0" u="none" strike="noStrike" cap="none" spc="0" normalizeH="0" baseline="0">
             <a:ln>
               <a:noFill/>
             </a:ln>
@@ -5195,7 +7004,7 @@
           <a:buFontTx/>
           <a:buNone/>
           <a:tabLst/>
-          <a:defRPr b="0" baseline="0" cap="none" i="0" spc="0" strike="noStrike" sz="1800" u="none" kumimoji="0" normalizeH="0">
+          <a:defRPr kumimoji="0" sz="1800" b="0" i="0" u="none" strike="noStrike" cap="none" spc="0" normalizeH="0" baseline="0">
             <a:ln>
               <a:noFill/>
             </a:ln>
@@ -5221,7 +7030,7 @@
           <a:buFontTx/>
           <a:buNone/>
           <a:tabLst/>
-          <a:defRPr b="0" baseline="0" cap="none" i="0" spc="0" strike="noStrike" sz="1800" u="none" kumimoji="0" normalizeH="0">
+          <a:defRPr kumimoji="0" sz="1800" b="0" i="0" u="none" strike="noStrike" cap="none" spc="0" normalizeH="0" baseline="0">
             <a:ln>
               <a:noFill/>
             </a:ln>
@@ -5247,7 +7056,7 @@
           <a:buFontTx/>
           <a:buNone/>
           <a:tabLst/>
-          <a:defRPr b="0" baseline="0" cap="none" i="0" spc="0" strike="noStrike" sz="1800" u="none" kumimoji="0" normalizeH="0">
+          <a:defRPr kumimoji="0" sz="1800" b="0" i="0" u="none" strike="noStrike" cap="none" spc="0" normalizeH="0" baseline="0">
             <a:ln>
               <a:noFill/>
             </a:ln>
@@ -5273,7 +7082,7 @@
           <a:buFontTx/>
           <a:buNone/>
           <a:tabLst/>
-          <a:defRPr b="0" baseline="0" cap="none" i="0" spc="0" strike="noStrike" sz="1800" u="none" kumimoji="0" normalizeH="0">
+          <a:defRPr kumimoji="0" sz="1800" b="0" i="0" u="none" strike="noStrike" cap="none" spc="0" normalizeH="0" baseline="0">
             <a:ln>
               <a:noFill/>
             </a:ln>
@@ -5299,7 +7108,7 @@
           <a:buFontTx/>
           <a:buNone/>
           <a:tabLst/>
-          <a:defRPr b="0" baseline="0" cap="none" i="0" spc="0" strike="noStrike" sz="1800" u="none" kumimoji="0" normalizeH="0">
+          <a:defRPr kumimoji="0" sz="1800" b="0" i="0" u="none" strike="noStrike" cap="none" spc="0" normalizeH="0" baseline="0">
             <a:ln>
               <a:noFill/>
             </a:ln>
@@ -5325,7 +7134,7 @@
           <a:buFontTx/>
           <a:buNone/>
           <a:tabLst/>
-          <a:defRPr b="0" baseline="0" cap="none" i="0" spc="0" strike="noStrike" sz="1800" u="none" kumimoji="0" normalizeH="0">
+          <a:defRPr kumimoji="0" sz="1800" b="0" i="0" u="none" strike="noStrike" cap="none" spc="0" normalizeH="0" baseline="0">
             <a:ln>
               <a:noFill/>
             </a:ln>
@@ -5351,7 +7160,7 @@
           <a:buFontTx/>
           <a:buNone/>
           <a:tabLst/>
-          <a:defRPr b="0" baseline="0" cap="none" i="0" spc="0" strike="noStrike" sz="1800" u="none" kumimoji="0" normalizeH="0">
+          <a:defRPr kumimoji="0" sz="1800" b="0" i="0" u="none" strike="noStrike" cap="none" spc="0" normalizeH="0" baseline="0">
             <a:ln>
               <a:noFill/>
             </a:ln>
@@ -5377,7 +7186,7 @@
           <a:buFontTx/>
           <a:buNone/>
           <a:tabLst/>
-          <a:defRPr b="0" baseline="0" cap="none" i="0" spc="0" strike="noStrike" sz="1800" u="none" kumimoji="0" normalizeH="0">
+          <a:defRPr kumimoji="0" sz="1800" b="0" i="0" u="none" strike="noStrike" cap="none" spc="0" normalizeH="0" baseline="0">
             <a:ln>
               <a:noFill/>
             </a:ln>
@@ -5403,7 +7212,7 @@
           <a:buFontTx/>
           <a:buNone/>
           <a:tabLst/>
-          <a:defRPr b="0" baseline="0" cap="none" i="0" spc="0" strike="noStrike" sz="1800" u="none" kumimoji="0" normalizeH="0">
+          <a:defRPr kumimoji="0" sz="1800" b="0" i="0" u="none" strike="noStrike" cap="none" spc="0" normalizeH="0" baseline="0">
             <a:ln>
               <a:noFill/>
             </a:ln>
@@ -5416,9 +7225,15 @@
         </a:lvl9pPr>
       </a:lstStyle>
       <a:style>
-        <a:lnRef idx="0"/>
-        <a:fillRef idx="0"/>
-        <a:effectRef idx="0"/>
+        <a:lnRef idx="0">
+          <a:scrgbClr r="0" g="0" b="0"/>
+        </a:lnRef>
+        <a:fillRef idx="0">
+          <a:scrgbClr r="0" g="0" b="0"/>
+        </a:fillRef>
+        <a:effectRef idx="0">
+          <a:scrgbClr r="0" g="0" b="0"/>
+        </a:effectRef>
         <a:fontRef idx="none"/>
       </a:style>
     </a:lnDef>
@@ -5432,7 +7247,7 @@
         <a:effectLst/>
         <a:sp3d/>
       </a:spPr>
-      <a:bodyPr rot="0" spcFirstLastPara="1" vertOverflow="overflow" horzOverflow="overflow" vert="horz" wrap="square" lIns="50800" tIns="50800" rIns="50800" bIns="50800" numCol="1" spcCol="38100" rtlCol="0" anchor="ctr" upright="0">
+      <a:bodyPr rot="0" spcFirstLastPara="1" vertOverflow="overflow" horzOverflow="overflow" vert="horz" wrap="square" lIns="50800" tIns="50800" rIns="50800" bIns="50800" numCol="1" spcCol="38100" rtlCol="0" anchor="ctr">
         <a:spAutoFit/>
       </a:bodyPr>
       <a:lstStyle>
@@ -5451,7 +7266,7 @@
           <a:buFontTx/>
           <a:buNone/>
           <a:tabLst/>
-          <a:defRPr b="0" baseline="0" cap="none" i="0" spc="0" strike="noStrike" sz="3600" u="none" kumimoji="0" normalizeH="0">
+          <a:defRPr kumimoji="0" sz="3600" b="0" i="0" u="none" strike="noStrike" cap="none" spc="0" normalizeH="0" baseline="0">
             <a:ln>
               <a:noFill/>
             </a:ln>
@@ -5481,7 +7296,7 @@
           <a:buFontTx/>
           <a:buNone/>
           <a:tabLst/>
-          <a:defRPr b="0" baseline="0" cap="none" i="0" spc="0" strike="noStrike" sz="1800" u="none" kumimoji="0" normalizeH="0">
+          <a:defRPr kumimoji="0" sz="1800" b="0" i="0" u="none" strike="noStrike" cap="none" spc="0" normalizeH="0" baseline="0">
             <a:ln>
               <a:noFill/>
             </a:ln>
@@ -5507,7 +7322,7 @@
           <a:buFontTx/>
           <a:buNone/>
           <a:tabLst/>
-          <a:defRPr b="0" baseline="0" cap="none" i="0" spc="0" strike="noStrike" sz="1800" u="none" kumimoji="0" normalizeH="0">
+          <a:defRPr kumimoji="0" sz="1800" b="0" i="0" u="none" strike="noStrike" cap="none" spc="0" normalizeH="0" baseline="0">
             <a:ln>
               <a:noFill/>
             </a:ln>
@@ -5533,7 +7348,7 @@
           <a:buFontTx/>
           <a:buNone/>
           <a:tabLst/>
-          <a:defRPr b="0" baseline="0" cap="none" i="0" spc="0" strike="noStrike" sz="1800" u="none" kumimoji="0" normalizeH="0">
+          <a:defRPr kumimoji="0" sz="1800" b="0" i="0" u="none" strike="noStrike" cap="none" spc="0" normalizeH="0" baseline="0">
             <a:ln>
               <a:noFill/>
             </a:ln>
@@ -5559,7 +7374,7 @@
           <a:buFontTx/>
           <a:buNone/>
           <a:tabLst/>
-          <a:defRPr b="0" baseline="0" cap="none" i="0" spc="0" strike="noStrike" sz="1800" u="none" kumimoji="0" normalizeH="0">
+          <a:defRPr kumimoji="0" sz="1800" b="0" i="0" u="none" strike="noStrike" cap="none" spc="0" normalizeH="0" baseline="0">
             <a:ln>
               <a:noFill/>
             </a:ln>
@@ -5585,7 +7400,7 @@
           <a:buFontTx/>
           <a:buNone/>
           <a:tabLst/>
-          <a:defRPr b="0" baseline="0" cap="none" i="0" spc="0" strike="noStrike" sz="1800" u="none" kumimoji="0" normalizeH="0">
+          <a:defRPr kumimoji="0" sz="1800" b="0" i="0" u="none" strike="noStrike" cap="none" spc="0" normalizeH="0" baseline="0">
             <a:ln>
               <a:noFill/>
             </a:ln>
@@ -5611,7 +7426,7 @@
           <a:buFontTx/>
           <a:buNone/>
           <a:tabLst/>
-          <a:defRPr b="0" baseline="0" cap="none" i="0" spc="0" strike="noStrike" sz="1800" u="none" kumimoji="0" normalizeH="0">
+          <a:defRPr kumimoji="0" sz="1800" b="0" i="0" u="none" strike="noStrike" cap="none" spc="0" normalizeH="0" baseline="0">
             <a:ln>
               <a:noFill/>
             </a:ln>
@@ -5637,7 +7452,7 @@
           <a:buFontTx/>
           <a:buNone/>
           <a:tabLst/>
-          <a:defRPr b="0" baseline="0" cap="none" i="0" spc="0" strike="noStrike" sz="1800" u="none" kumimoji="0" normalizeH="0">
+          <a:defRPr kumimoji="0" sz="1800" b="0" i="0" u="none" strike="noStrike" cap="none" spc="0" normalizeH="0" baseline="0">
             <a:ln>
               <a:noFill/>
             </a:ln>
@@ -5663,7 +7478,7 @@
           <a:buFontTx/>
           <a:buNone/>
           <a:tabLst/>
-          <a:defRPr b="0" baseline="0" cap="none" i="0" spc="0" strike="noStrike" sz="1800" u="none" kumimoji="0" normalizeH="0">
+          <a:defRPr kumimoji="0" sz="1800" b="0" i="0" u="none" strike="noStrike" cap="none" spc="0" normalizeH="0" baseline="0">
             <a:ln>
               <a:noFill/>
             </a:ln>
@@ -5689,7 +7504,7 @@
           <a:buFontTx/>
           <a:buNone/>
           <a:tabLst/>
-          <a:defRPr b="0" baseline="0" cap="none" i="0" spc="0" strike="noStrike" sz="1800" u="none" kumimoji="0" normalizeH="0">
+          <a:defRPr kumimoji="0" sz="1800" b="0" i="0" u="none" strike="noStrike" cap="none" spc="0" normalizeH="0" baseline="0">
             <a:ln>
               <a:noFill/>
             </a:ln>
@@ -5702,18 +7517,25 @@
         </a:lvl9pPr>
       </a:lstStyle>
       <a:style>
-        <a:lnRef idx="0"/>
-        <a:fillRef idx="0"/>
-        <a:effectRef idx="0"/>
+        <a:lnRef idx="0">
+          <a:scrgbClr r="0" g="0" b="0"/>
+        </a:lnRef>
+        <a:fillRef idx="0">
+          <a:scrgbClr r="0" g="0" b="0"/>
+        </a:fillRef>
+        <a:effectRef idx="0">
+          <a:scrgbClr r="0" g="0" b="0"/>
+        </a:effectRef>
         <a:fontRef idx="none"/>
       </a:style>
     </a:txDef>
   </a:objectDefaults>
+  <a:extraClrSchemeLst/>
 </a:theme>
 </file>
 
 <file path=ppt/theme/theme2.xml><?xml version="1.0" encoding="utf-8"?>
-<a:theme xmlns:a="http://schemas.openxmlformats.org/drawingml/2006/main" xmlns:r="http://schemas.openxmlformats.org/officeDocument/2006/relationships" name="White">
+<a:theme xmlns:a="http://schemas.openxmlformats.org/drawingml/2006/main" name="White">
   <a:themeElements>
     <a:clrScheme name="White">
       <a:dk1>
@@ -5839,7 +7661,7 @@
       <a:effectStyleLst>
         <a:effectStyle>
           <a:effectLst>
-            <a:outerShdw sx="100000" sy="100000" kx="0" ky="0" algn="b" rotWithShape="0" blurRad="38100" dist="25400" dir="5400000">
+            <a:outerShdw blurRad="38100" dist="25400" dir="5400000" rotWithShape="0">
               <a:srgbClr val="000000">
                 <a:alpha val="50000"/>
               </a:srgbClr>
@@ -5848,7 +7670,7 @@
         </a:effectStyle>
         <a:effectStyle>
           <a:effectLst>
-            <a:outerShdw sx="100000" sy="100000" kx="0" ky="0" algn="b" rotWithShape="0" blurRad="50800" dist="12700" dir="0">
+            <a:outerShdw blurRad="50800" dist="12700" rotWithShape="0">
               <a:srgbClr val="000000">
                 <a:alpha val="50000"/>
               </a:srgbClr>
@@ -5857,7 +7679,7 @@
         </a:effectStyle>
         <a:effectStyle>
           <a:effectLst>
-            <a:outerShdw sx="100000" sy="100000" kx="0" ky="0" algn="b" rotWithShape="0" blurRad="38100" dist="25400" dir="5400000">
+            <a:outerShdw blurRad="38100" dist="25400" dir="5400000" rotWithShape="0">
               <a:srgbClr val="000000">
                 <a:alpha val="50000"/>
               </a:srgbClr>
@@ -5921,8 +7743,8 @@
     <a:spDef>
       <a:spPr>
         <a:blipFill rotWithShape="1">
-          <a:blip r:embed="rId1"/>
-          <a:srcRect l="0" t="0" r="0" b="0"/>
+          <a:blip xmlns:r="http://schemas.openxmlformats.org/officeDocument/2006/relationships" r:embed="rId1"/>
+          <a:srcRect/>
           <a:tile tx="0" ty="0" sx="100000" sy="100000" flip="none" algn="tl"/>
         </a:blipFill>
         <a:ln w="12700" cap="flat">
@@ -5930,7 +7752,7 @@
           <a:miter lim="400000"/>
         </a:ln>
         <a:effectLst>
-          <a:outerShdw sx="100000" sy="100000" kx="0" ky="0" algn="b" rotWithShape="0" blurRad="38100" dist="25400" dir="5400000">
+          <a:outerShdw blurRad="38100" dist="25400" dir="5400000" rotWithShape="0">
             <a:srgbClr val="000000">
               <a:alpha val="50000"/>
             </a:srgbClr>
@@ -5938,7 +7760,7 @@
         </a:effectLst>
         <a:sp3d/>
       </a:spPr>
-      <a:bodyPr rot="0" spcFirstLastPara="1" vertOverflow="overflow" horzOverflow="overflow" vert="horz" wrap="square" lIns="50800" tIns="50800" rIns="50800" bIns="50800" numCol="1" spcCol="38100" rtlCol="0" anchor="ctr" upright="0">
+      <a:bodyPr rot="0" spcFirstLastPara="1" vertOverflow="overflow" horzOverflow="overflow" vert="horz" wrap="square" lIns="50800" tIns="50800" rIns="50800" bIns="50800" numCol="1" spcCol="38100" rtlCol="0" anchor="ctr">
         <a:spAutoFit/>
       </a:bodyPr>
       <a:lstStyle>
@@ -5957,7 +7779,7 @@
           <a:buFontTx/>
           <a:buNone/>
           <a:tabLst/>
-          <a:defRPr b="0" baseline="0" cap="none" i="0" spc="0" strike="noStrike" sz="2400" u="none" kumimoji="0" normalizeH="0">
+          <a:defRPr kumimoji="0" sz="2400" b="0" i="0" u="none" strike="noStrike" cap="none" spc="0" normalizeH="0" baseline="0">
             <a:ln>
               <a:noFill/>
             </a:ln>
@@ -5987,7 +7809,7 @@
           <a:buFontTx/>
           <a:buNone/>
           <a:tabLst/>
-          <a:defRPr b="0" baseline="0" cap="none" i="0" spc="0" strike="noStrike" sz="1800" u="none" kumimoji="0" normalizeH="0">
+          <a:defRPr kumimoji="0" sz="1800" b="0" i="0" u="none" strike="noStrike" cap="none" spc="0" normalizeH="0" baseline="0">
             <a:ln>
               <a:noFill/>
             </a:ln>
@@ -6013,7 +7835,7 @@
           <a:buFontTx/>
           <a:buNone/>
           <a:tabLst/>
-          <a:defRPr b="0" baseline="0" cap="none" i="0" spc="0" strike="noStrike" sz="1800" u="none" kumimoji="0" normalizeH="0">
+          <a:defRPr kumimoji="0" sz="1800" b="0" i="0" u="none" strike="noStrike" cap="none" spc="0" normalizeH="0" baseline="0">
             <a:ln>
               <a:noFill/>
             </a:ln>
@@ -6039,7 +7861,7 @@
           <a:buFontTx/>
           <a:buNone/>
           <a:tabLst/>
-          <a:defRPr b="0" baseline="0" cap="none" i="0" spc="0" strike="noStrike" sz="1800" u="none" kumimoji="0" normalizeH="0">
+          <a:defRPr kumimoji="0" sz="1800" b="0" i="0" u="none" strike="noStrike" cap="none" spc="0" normalizeH="0" baseline="0">
             <a:ln>
               <a:noFill/>
             </a:ln>
@@ -6065,7 +7887,7 @@
           <a:buFontTx/>
           <a:buNone/>
           <a:tabLst/>
-          <a:defRPr b="0" baseline="0" cap="none" i="0" spc="0" strike="noStrike" sz="1800" u="none" kumimoji="0" normalizeH="0">
+          <a:defRPr kumimoji="0" sz="1800" b="0" i="0" u="none" strike="noStrike" cap="none" spc="0" normalizeH="0" baseline="0">
             <a:ln>
               <a:noFill/>
             </a:ln>
@@ -6091,7 +7913,7 @@
           <a:buFontTx/>
           <a:buNone/>
           <a:tabLst/>
-          <a:defRPr b="0" baseline="0" cap="none" i="0" spc="0" strike="noStrike" sz="1800" u="none" kumimoji="0" normalizeH="0">
+          <a:defRPr kumimoji="0" sz="1800" b="0" i="0" u="none" strike="noStrike" cap="none" spc="0" normalizeH="0" baseline="0">
             <a:ln>
               <a:noFill/>
             </a:ln>
@@ -6117,7 +7939,7 @@
           <a:buFontTx/>
           <a:buNone/>
           <a:tabLst/>
-          <a:defRPr b="0" baseline="0" cap="none" i="0" spc="0" strike="noStrike" sz="1800" u="none" kumimoji="0" normalizeH="0">
+          <a:defRPr kumimoji="0" sz="1800" b="0" i="0" u="none" strike="noStrike" cap="none" spc="0" normalizeH="0" baseline="0">
             <a:ln>
               <a:noFill/>
             </a:ln>
@@ -6143,7 +7965,7 @@
           <a:buFontTx/>
           <a:buNone/>
           <a:tabLst/>
-          <a:defRPr b="0" baseline="0" cap="none" i="0" spc="0" strike="noStrike" sz="1800" u="none" kumimoji="0" normalizeH="0">
+          <a:defRPr kumimoji="0" sz="1800" b="0" i="0" u="none" strike="noStrike" cap="none" spc="0" normalizeH="0" baseline="0">
             <a:ln>
               <a:noFill/>
             </a:ln>
@@ -6169,7 +7991,7 @@
           <a:buFontTx/>
           <a:buNone/>
           <a:tabLst/>
-          <a:defRPr b="0" baseline="0" cap="none" i="0" spc="0" strike="noStrike" sz="1800" u="none" kumimoji="0" normalizeH="0">
+          <a:defRPr kumimoji="0" sz="1800" b="0" i="0" u="none" strike="noStrike" cap="none" spc="0" normalizeH="0" baseline="0">
             <a:ln>
               <a:noFill/>
             </a:ln>
@@ -6195,7 +8017,7 @@
           <a:buFontTx/>
           <a:buNone/>
           <a:tabLst/>
-          <a:defRPr b="0" baseline="0" cap="none" i="0" spc="0" strike="noStrike" sz="1800" u="none" kumimoji="0" normalizeH="0">
+          <a:defRPr kumimoji="0" sz="1800" b="0" i="0" u="none" strike="noStrike" cap="none" spc="0" normalizeH="0" baseline="0">
             <a:ln>
               <a:noFill/>
             </a:ln>
@@ -6208,9 +8030,15 @@
         </a:lvl9pPr>
       </a:lstStyle>
       <a:style>
-        <a:lnRef idx="0"/>
-        <a:fillRef idx="0"/>
-        <a:effectRef idx="0"/>
+        <a:lnRef idx="0">
+          <a:scrgbClr r="0" g="0" b="0"/>
+        </a:lnRef>
+        <a:fillRef idx="0">
+          <a:scrgbClr r="0" g="0" b="0"/>
+        </a:fillRef>
+        <a:effectRef idx="0">
+          <a:scrgbClr r="0" g="0" b="0"/>
+        </a:effectRef>
         <a:fontRef idx="none"/>
       </a:style>
     </a:spDef>
@@ -6227,7 +8055,7 @@
         <a:effectLst/>
         <a:sp3d/>
       </a:spPr>
-      <a:bodyPr rot="0" spcFirstLastPara="1" vertOverflow="overflow" horzOverflow="overflow" vert="horz" wrap="square" lIns="91439" tIns="45719" rIns="91439" bIns="45719" numCol="1" spcCol="38100" rtlCol="0" anchor="t" upright="0">
+      <a:bodyPr rot="0" spcFirstLastPara="1" vertOverflow="overflow" horzOverflow="overflow" vert="horz" wrap="square" lIns="91439" tIns="45719" rIns="91439" bIns="45719" numCol="1" spcCol="38100" rtlCol="0" anchor="t">
         <a:noAutofit/>
       </a:bodyPr>
       <a:lstStyle>
@@ -6246,7 +8074,7 @@
           <a:buFontTx/>
           <a:buNone/>
           <a:tabLst/>
-          <a:defRPr b="0" baseline="0" cap="none" i="0" spc="0" strike="noStrike" sz="1800" u="none" kumimoji="0" normalizeH="0">
+          <a:defRPr kumimoji="0" sz="1800" b="0" i="0" u="none" strike="noStrike" cap="none" spc="0" normalizeH="0" baseline="0">
             <a:ln>
               <a:noFill/>
             </a:ln>
@@ -6272,7 +8100,7 @@
           <a:buFontTx/>
           <a:buNone/>
           <a:tabLst/>
-          <a:defRPr b="0" baseline="0" cap="none" i="0" spc="0" strike="noStrike" sz="1800" u="none" kumimoji="0" normalizeH="0">
+          <a:defRPr kumimoji="0" sz="1800" b="0" i="0" u="none" strike="noStrike" cap="none" spc="0" normalizeH="0" baseline="0">
             <a:ln>
               <a:noFill/>
             </a:ln>
@@ -6298,7 +8126,7 @@
           <a:buFontTx/>
           <a:buNone/>
           <a:tabLst/>
-          <a:defRPr b="0" baseline="0" cap="none" i="0" spc="0" strike="noStrike" sz="1800" u="none" kumimoji="0" normalizeH="0">
+          <a:defRPr kumimoji="0" sz="1800" b="0" i="0" u="none" strike="noStrike" cap="none" spc="0" normalizeH="0" baseline="0">
             <a:ln>
               <a:noFill/>
             </a:ln>
@@ -6324,7 +8152,7 @@
           <a:buFontTx/>
           <a:buNone/>
           <a:tabLst/>
-          <a:defRPr b="0" baseline="0" cap="none" i="0" spc="0" strike="noStrike" sz="1800" u="none" kumimoji="0" normalizeH="0">
+          <a:defRPr kumimoji="0" sz="1800" b="0" i="0" u="none" strike="noStrike" cap="none" spc="0" normalizeH="0" baseline="0">
             <a:ln>
               <a:noFill/>
             </a:ln>
@@ -6350,7 +8178,7 @@
           <a:buFontTx/>
           <a:buNone/>
           <a:tabLst/>
-          <a:defRPr b="0" baseline="0" cap="none" i="0" spc="0" strike="noStrike" sz="1800" u="none" kumimoji="0" normalizeH="0">
+          <a:defRPr kumimoji="0" sz="1800" b="0" i="0" u="none" strike="noStrike" cap="none" spc="0" normalizeH="0" baseline="0">
             <a:ln>
               <a:noFill/>
             </a:ln>
@@ -6376,7 +8204,7 @@
           <a:buFontTx/>
           <a:buNone/>
           <a:tabLst/>
-          <a:defRPr b="0" baseline="0" cap="none" i="0" spc="0" strike="noStrike" sz="1800" u="none" kumimoji="0" normalizeH="0">
+          <a:defRPr kumimoji="0" sz="1800" b="0" i="0" u="none" strike="noStrike" cap="none" spc="0" normalizeH="0" baseline="0">
             <a:ln>
               <a:noFill/>
             </a:ln>
@@ -6402,7 +8230,7 @@
           <a:buFontTx/>
           <a:buNone/>
           <a:tabLst/>
-          <a:defRPr b="0" baseline="0" cap="none" i="0" spc="0" strike="noStrike" sz="1800" u="none" kumimoji="0" normalizeH="0">
+          <a:defRPr kumimoji="0" sz="1800" b="0" i="0" u="none" strike="noStrike" cap="none" spc="0" normalizeH="0" baseline="0">
             <a:ln>
               <a:noFill/>
             </a:ln>
@@ -6428,7 +8256,7 @@
           <a:buFontTx/>
           <a:buNone/>
           <a:tabLst/>
-          <a:defRPr b="0" baseline="0" cap="none" i="0" spc="0" strike="noStrike" sz="1800" u="none" kumimoji="0" normalizeH="0">
+          <a:defRPr kumimoji="0" sz="1800" b="0" i="0" u="none" strike="noStrike" cap="none" spc="0" normalizeH="0" baseline="0">
             <a:ln>
               <a:noFill/>
             </a:ln>
@@ -6454,7 +8282,7 @@
           <a:buFontTx/>
           <a:buNone/>
           <a:tabLst/>
-          <a:defRPr b="0" baseline="0" cap="none" i="0" spc="0" strike="noStrike" sz="1800" u="none" kumimoji="0" normalizeH="0">
+          <a:defRPr kumimoji="0" sz="1800" b="0" i="0" u="none" strike="noStrike" cap="none" spc="0" normalizeH="0" baseline="0">
             <a:ln>
               <a:noFill/>
             </a:ln>
@@ -6480,7 +8308,7 @@
           <a:buFontTx/>
           <a:buNone/>
           <a:tabLst/>
-          <a:defRPr b="0" baseline="0" cap="none" i="0" spc="0" strike="noStrike" sz="1800" u="none" kumimoji="0" normalizeH="0">
+          <a:defRPr kumimoji="0" sz="1800" b="0" i="0" u="none" strike="noStrike" cap="none" spc="0" normalizeH="0" baseline="0">
             <a:ln>
               <a:noFill/>
             </a:ln>
@@ -6493,9 +8321,15 @@
         </a:lvl9pPr>
       </a:lstStyle>
       <a:style>
-        <a:lnRef idx="0"/>
-        <a:fillRef idx="0"/>
-        <a:effectRef idx="0"/>
+        <a:lnRef idx="0">
+          <a:scrgbClr r="0" g="0" b="0"/>
+        </a:lnRef>
+        <a:fillRef idx="0">
+          <a:scrgbClr r="0" g="0" b="0"/>
+        </a:fillRef>
+        <a:effectRef idx="0">
+          <a:scrgbClr r="0" g="0" b="0"/>
+        </a:effectRef>
         <a:fontRef idx="none"/>
       </a:style>
     </a:lnDef>
@@ -6509,7 +8343,7 @@
         <a:effectLst/>
         <a:sp3d/>
       </a:spPr>
-      <a:bodyPr rot="0" spcFirstLastPara="1" vertOverflow="overflow" horzOverflow="overflow" vert="horz" wrap="square" lIns="50800" tIns="50800" rIns="50800" bIns="50800" numCol="1" spcCol="38100" rtlCol="0" anchor="ctr" upright="0">
+      <a:bodyPr rot="0" spcFirstLastPara="1" vertOverflow="overflow" horzOverflow="overflow" vert="horz" wrap="square" lIns="50800" tIns="50800" rIns="50800" bIns="50800" numCol="1" spcCol="38100" rtlCol="0" anchor="ctr">
         <a:spAutoFit/>
       </a:bodyPr>
       <a:lstStyle>
@@ -6528,7 +8362,7 @@
           <a:buFontTx/>
           <a:buNone/>
           <a:tabLst/>
-          <a:defRPr b="0" baseline="0" cap="none" i="0" spc="0" strike="noStrike" sz="3600" u="none" kumimoji="0" normalizeH="0">
+          <a:defRPr kumimoji="0" sz="3600" b="0" i="0" u="none" strike="noStrike" cap="none" spc="0" normalizeH="0" baseline="0">
             <a:ln>
               <a:noFill/>
             </a:ln>
@@ -6558,7 +8392,7 @@
           <a:buFontTx/>
           <a:buNone/>
           <a:tabLst/>
-          <a:defRPr b="0" baseline="0" cap="none" i="0" spc="0" strike="noStrike" sz="1800" u="none" kumimoji="0" normalizeH="0">
+          <a:defRPr kumimoji="0" sz="1800" b="0" i="0" u="none" strike="noStrike" cap="none" spc="0" normalizeH="0" baseline="0">
             <a:ln>
               <a:noFill/>
             </a:ln>
@@ -6584,7 +8418,7 @@
           <a:buFontTx/>
           <a:buNone/>
           <a:tabLst/>
-          <a:defRPr b="0" baseline="0" cap="none" i="0" spc="0" strike="noStrike" sz="1800" u="none" kumimoji="0" normalizeH="0">
+          <a:defRPr kumimoji="0" sz="1800" b="0" i="0" u="none" strike="noStrike" cap="none" spc="0" normalizeH="0" baseline="0">
             <a:ln>
               <a:noFill/>
             </a:ln>
@@ -6610,7 +8444,7 @@
           <a:buFontTx/>
           <a:buNone/>
           <a:tabLst/>
-          <a:defRPr b="0" baseline="0" cap="none" i="0" spc="0" strike="noStrike" sz="1800" u="none" kumimoji="0" normalizeH="0">
+          <a:defRPr kumimoji="0" sz="1800" b="0" i="0" u="none" strike="noStrike" cap="none" spc="0" normalizeH="0" baseline="0">
             <a:ln>
               <a:noFill/>
             </a:ln>
@@ -6636,7 +8470,7 @@
           <a:buFontTx/>
           <a:buNone/>
           <a:tabLst/>
-          <a:defRPr b="0" baseline="0" cap="none" i="0" spc="0" strike="noStrike" sz="1800" u="none" kumimoji="0" normalizeH="0">
+          <a:defRPr kumimoji="0" sz="1800" b="0" i="0" u="none" strike="noStrike" cap="none" spc="0" normalizeH="0" baseline="0">
             <a:ln>
               <a:noFill/>
             </a:ln>
@@ -6662,7 +8496,7 @@
           <a:buFontTx/>
           <a:buNone/>
           <a:tabLst/>
-          <a:defRPr b="0" baseline="0" cap="none" i="0" spc="0" strike="noStrike" sz="1800" u="none" kumimoji="0" normalizeH="0">
+          <a:defRPr kumimoji="0" sz="1800" b="0" i="0" u="none" strike="noStrike" cap="none" spc="0" normalizeH="0" baseline="0">
             <a:ln>
               <a:noFill/>
             </a:ln>
@@ -6688,7 +8522,7 @@
           <a:buFontTx/>
           <a:buNone/>
           <a:tabLst/>
-          <a:defRPr b="0" baseline="0" cap="none" i="0" spc="0" strike="noStrike" sz="1800" u="none" kumimoji="0" normalizeH="0">
+          <a:defRPr kumimoji="0" sz="1800" b="0" i="0" u="none" strike="noStrike" cap="none" spc="0" normalizeH="0" baseline="0">
             <a:ln>
               <a:noFill/>
             </a:ln>
@@ -6714,7 +8548,7 @@
           <a:buFontTx/>
           <a:buNone/>
           <a:tabLst/>
-          <a:defRPr b="0" baseline="0" cap="none" i="0" spc="0" strike="noStrike" sz="1800" u="none" kumimoji="0" normalizeH="0">
+          <a:defRPr kumimoji="0" sz="1800" b="0" i="0" u="none" strike="noStrike" cap="none" spc="0" normalizeH="0" baseline="0">
             <a:ln>
               <a:noFill/>
             </a:ln>
@@ -6740,7 +8574,7 @@
           <a:buFontTx/>
           <a:buNone/>
           <a:tabLst/>
-          <a:defRPr b="0" baseline="0" cap="none" i="0" spc="0" strike="noStrike" sz="1800" u="none" kumimoji="0" normalizeH="0">
+          <a:defRPr kumimoji="0" sz="1800" b="0" i="0" u="none" strike="noStrike" cap="none" spc="0" normalizeH="0" baseline="0">
             <a:ln>
               <a:noFill/>
             </a:ln>
@@ -6766,7 +8600,7 @@
           <a:buFontTx/>
           <a:buNone/>
           <a:tabLst/>
-          <a:defRPr b="0" baseline="0" cap="none" i="0" spc="0" strike="noStrike" sz="1800" u="none" kumimoji="0" normalizeH="0">
+          <a:defRPr kumimoji="0" sz="1800" b="0" i="0" u="none" strike="noStrike" cap="none" spc="0" normalizeH="0" baseline="0">
             <a:ln>
               <a:noFill/>
             </a:ln>
@@ -6779,12 +8613,19 @@
         </a:lvl9pPr>
       </a:lstStyle>
       <a:style>
-        <a:lnRef idx="0"/>
-        <a:fillRef idx="0"/>
-        <a:effectRef idx="0"/>
+        <a:lnRef idx="0">
+          <a:scrgbClr r="0" g="0" b="0"/>
+        </a:lnRef>
+        <a:fillRef idx="0">
+          <a:scrgbClr r="0" g="0" b="0"/>
+        </a:fillRef>
+        <a:effectRef idx="0">
+          <a:scrgbClr r="0" g="0" b="0"/>
+        </a:effectRef>
         <a:fontRef idx="none"/>
       </a:style>
     </a:txDef>
   </a:objectDefaults>
+  <a:extraClrSchemeLst/>
 </a:theme>
 </file>